--- a/draft-ietf-pce-sr-bidir-path-02.pptx
+++ b/draft-ietf-pce-sr-bidir-path-02.pptx
@@ -10201,7 +10201,7 @@
             </a:pPr>
             <a:r>
               <a:rPr lang="en-US" sz="1800" dirty="0"/>
-              <a:t>Associated bidirectional SR Path with RSVP LSP</a:t>
+              <a:t>Associating bidirectional SR Path with RSVP LSP</a:t>
             </a:r>
           </a:p>
           <a:p>
@@ -10816,7 +10816,7 @@
                   <a:schemeClr val="tx2"/>
                 </a:solidFill>
               </a:rPr>
-              <a:t>SR-Policy-AD</a:t>
+              <a:t>Tunnel-AD</a:t>
             </a:r>
           </a:p>
         </p:txBody>
@@ -10986,7 +10986,7 @@
                   <a:schemeClr val="tx2"/>
                 </a:solidFill>
               </a:rPr>
-              <a:t>SR-Policy-DA</a:t>
+              <a:t>Tunnel-DA</a:t>
             </a:r>
           </a:p>
         </p:txBody>

--- a/draft-ietf-pce-sr-bidir-path-02.pptx
+++ b/draft-ietf-pce-sr-bidir-path-02.pptx
@@ -5,27 +5,28 @@
     <p:sldMasterId id="2147483648" r:id="rId1"/>
   </p:sldMasterIdLst>
   <p:notesMasterIdLst>
-    <p:notesMasterId r:id="rId20"/>
+    <p:notesMasterId r:id="rId21"/>
   </p:notesMasterIdLst>
   <p:sldIdLst>
     <p:sldId id="256" r:id="rId2"/>
     <p:sldId id="299" r:id="rId3"/>
     <p:sldId id="324" r:id="rId4"/>
     <p:sldId id="331" r:id="rId5"/>
-    <p:sldId id="319" r:id="rId6"/>
-    <p:sldId id="325" r:id="rId7"/>
-    <p:sldId id="310" r:id="rId8"/>
-    <p:sldId id="303" r:id="rId9"/>
-    <p:sldId id="327" r:id="rId10"/>
-    <p:sldId id="329" r:id="rId11"/>
-    <p:sldId id="330" r:id="rId12"/>
-    <p:sldId id="323" r:id="rId13"/>
-    <p:sldId id="321" r:id="rId14"/>
-    <p:sldId id="326" r:id="rId15"/>
-    <p:sldId id="320" r:id="rId16"/>
-    <p:sldId id="333" r:id="rId17"/>
-    <p:sldId id="332" r:id="rId18"/>
-    <p:sldId id="328" r:id="rId19"/>
+    <p:sldId id="334" r:id="rId6"/>
+    <p:sldId id="319" r:id="rId7"/>
+    <p:sldId id="325" r:id="rId8"/>
+    <p:sldId id="310" r:id="rId9"/>
+    <p:sldId id="303" r:id="rId10"/>
+    <p:sldId id="327" r:id="rId11"/>
+    <p:sldId id="329" r:id="rId12"/>
+    <p:sldId id="330" r:id="rId13"/>
+    <p:sldId id="323" r:id="rId14"/>
+    <p:sldId id="321" r:id="rId15"/>
+    <p:sldId id="326" r:id="rId16"/>
+    <p:sldId id="320" r:id="rId17"/>
+    <p:sldId id="333" r:id="rId18"/>
+    <p:sldId id="332" r:id="rId19"/>
+    <p:sldId id="328" r:id="rId20"/>
   </p:sldIdLst>
   <p:sldSz cx="9144000" cy="5143500" type="screen16x9"/>
   <p:notesSz cx="6858000" cy="9144000"/>
@@ -787,7 +788,7 @@
     </p:spTree>
     <p:extLst>
       <p:ext uri="{BB962C8B-B14F-4D97-AF65-F5344CB8AC3E}">
-        <p14:creationId xmlns:p14="http://schemas.microsoft.com/office/powerpoint/2010/main" val="1681073561"/>
+        <p14:creationId xmlns:p14="http://schemas.microsoft.com/office/powerpoint/2010/main" val="3355528501"/>
       </p:ext>
     </p:extLst>
   </p:cSld>
@@ -877,7 +878,7 @@
     </p:spTree>
     <p:extLst>
       <p:ext uri="{BB962C8B-B14F-4D97-AF65-F5344CB8AC3E}">
-        <p14:creationId xmlns:p14="http://schemas.microsoft.com/office/powerpoint/2010/main" val="1697685724"/>
+        <p14:creationId xmlns:p14="http://schemas.microsoft.com/office/powerpoint/2010/main" val="1681073561"/>
       </p:ext>
     </p:extLst>
   </p:cSld>
@@ -931,24 +932,7 @@
           <a:bodyPr/>
           <a:lstStyle/>
           <a:p>
-            <a:pPr marL="0" marR="0" lvl="0" indent="0" algn="l" defTabSz="914400" rtl="0" eaLnBrk="0" fontAlgn="base" latinLnBrk="0" hangingPunct="0">
-              <a:lnSpc>
-                <a:spcPct val="100000"/>
-              </a:lnSpc>
-              <a:spcBef>
-                <a:spcPct val="30000"/>
-              </a:spcBef>
-              <a:spcAft>
-                <a:spcPct val="0"/>
-              </a:spcAft>
-              <a:buClrTx/>
-              <a:buSzTx/>
-              <a:buFontTx/>
-              <a:buNone/>
-              <a:tabLst/>
-              <a:defRPr/>
-            </a:pPr>
-            <a:endParaRPr lang="en-CA" b="1" dirty="0"/>
+            <a:endParaRPr lang="en-CA" dirty="0"/>
           </a:p>
         </p:txBody>
       </p:sp>
@@ -984,7 +968,7 @@
     </p:spTree>
     <p:extLst>
       <p:ext uri="{BB962C8B-B14F-4D97-AF65-F5344CB8AC3E}">
-        <p14:creationId xmlns:p14="http://schemas.microsoft.com/office/powerpoint/2010/main" val="878509876"/>
+        <p14:creationId xmlns:p14="http://schemas.microsoft.com/office/powerpoint/2010/main" val="1697685724"/>
       </p:ext>
     </p:extLst>
   </p:cSld>
@@ -1038,6 +1022,23 @@
           <a:bodyPr/>
           <a:lstStyle/>
           <a:p>
+            <a:pPr marL="0" marR="0" lvl="0" indent="0" algn="l" defTabSz="914400" rtl="0" eaLnBrk="0" fontAlgn="base" latinLnBrk="0" hangingPunct="0">
+              <a:lnSpc>
+                <a:spcPct val="100000"/>
+              </a:lnSpc>
+              <a:spcBef>
+                <a:spcPct val="30000"/>
+              </a:spcBef>
+              <a:spcAft>
+                <a:spcPct val="0"/>
+              </a:spcAft>
+              <a:buClrTx/>
+              <a:buSzTx/>
+              <a:buFontTx/>
+              <a:buNone/>
+              <a:tabLst/>
+              <a:defRPr/>
+            </a:pPr>
             <a:endParaRPr lang="en-CA" b="1" dirty="0"/>
           </a:p>
         </p:txBody>
@@ -1074,7 +1075,7 @@
     </p:spTree>
     <p:extLst>
       <p:ext uri="{BB962C8B-B14F-4D97-AF65-F5344CB8AC3E}">
-        <p14:creationId xmlns:p14="http://schemas.microsoft.com/office/powerpoint/2010/main" val="1447381008"/>
+        <p14:creationId xmlns:p14="http://schemas.microsoft.com/office/powerpoint/2010/main" val="878509876"/>
       </p:ext>
     </p:extLst>
   </p:cSld>
@@ -1128,7 +1129,7 @@
           <a:bodyPr/>
           <a:lstStyle/>
           <a:p>
-            <a:endParaRPr lang="en-CA" dirty="0"/>
+            <a:endParaRPr lang="en-CA" b="1" dirty="0"/>
           </a:p>
         </p:txBody>
       </p:sp>
@@ -1164,7 +1165,7 @@
     </p:spTree>
     <p:extLst>
       <p:ext uri="{BB962C8B-B14F-4D97-AF65-F5344CB8AC3E}">
-        <p14:creationId xmlns:p14="http://schemas.microsoft.com/office/powerpoint/2010/main" val="911082794"/>
+        <p14:creationId xmlns:p14="http://schemas.microsoft.com/office/powerpoint/2010/main" val="1447381008"/>
       </p:ext>
     </p:extLst>
   </p:cSld>
@@ -1218,7 +1219,7 @@
           <a:bodyPr/>
           <a:lstStyle/>
           <a:p>
-            <a:endParaRPr lang="en-CA" b="1" i="0" dirty="0"/>
+            <a:endParaRPr lang="en-CA" dirty="0"/>
           </a:p>
         </p:txBody>
       </p:sp>
@@ -1254,7 +1255,7 @@
     </p:spTree>
     <p:extLst>
       <p:ext uri="{BB962C8B-B14F-4D97-AF65-F5344CB8AC3E}">
-        <p14:creationId xmlns:p14="http://schemas.microsoft.com/office/powerpoint/2010/main" val="7000129"/>
+        <p14:creationId xmlns:p14="http://schemas.microsoft.com/office/powerpoint/2010/main" val="911082794"/>
       </p:ext>
     </p:extLst>
   </p:cSld>
@@ -1308,7 +1309,7 @@
           <a:bodyPr/>
           <a:lstStyle/>
           <a:p>
-            <a:endParaRPr lang="en-CA" dirty="0"/>
+            <a:endParaRPr lang="en-CA" b="1" i="0" dirty="0"/>
           </a:p>
         </p:txBody>
       </p:sp>
@@ -1344,7 +1345,7 @@
     </p:spTree>
     <p:extLst>
       <p:ext uri="{BB962C8B-B14F-4D97-AF65-F5344CB8AC3E}">
-        <p14:creationId xmlns:p14="http://schemas.microsoft.com/office/powerpoint/2010/main" val="3137606698"/>
+        <p14:creationId xmlns:p14="http://schemas.microsoft.com/office/powerpoint/2010/main" val="7000129"/>
       </p:ext>
     </p:extLst>
   </p:cSld>
@@ -1434,7 +1435,7 @@
     </p:spTree>
     <p:extLst>
       <p:ext uri="{BB962C8B-B14F-4D97-AF65-F5344CB8AC3E}">
-        <p14:creationId xmlns:p14="http://schemas.microsoft.com/office/powerpoint/2010/main" val="2835127274"/>
+        <p14:creationId xmlns:p14="http://schemas.microsoft.com/office/powerpoint/2010/main" val="3137606698"/>
       </p:ext>
     </p:extLst>
   </p:cSld>
@@ -1516,6 +1517,96 @@
                 <a:defRPr/>
               </a:pPr>
               <a:t>18</a:t>
+            </a:fld>
+            <a:endParaRPr lang="en-US" altLang="zh-CN"/>
+          </a:p>
+        </p:txBody>
+      </p:sp>
+    </p:spTree>
+    <p:extLst>
+      <p:ext uri="{BB962C8B-B14F-4D97-AF65-F5344CB8AC3E}">
+        <p14:creationId xmlns:p14="http://schemas.microsoft.com/office/powerpoint/2010/main" val="2835127274"/>
+      </p:ext>
+    </p:extLst>
+  </p:cSld>
+  <p:clrMapOvr>
+    <a:masterClrMapping/>
+  </p:clrMapOvr>
+</p:notes>
+</file>
+
+<file path=ppt/notesSlides/notesSlide19.xml><?xml version="1.0" encoding="utf-8"?>
+<p:notes xmlns:a="http://schemas.openxmlformats.org/drawingml/2006/main" xmlns:r="http://schemas.openxmlformats.org/officeDocument/2006/relationships" xmlns:p="http://schemas.openxmlformats.org/presentationml/2006/main">
+  <p:cSld>
+    <p:spTree>
+      <p:nvGrpSpPr>
+        <p:cNvPr id="1" name=""/>
+        <p:cNvGrpSpPr/>
+        <p:nvPr/>
+      </p:nvGrpSpPr>
+      <p:grpSpPr>
+        <a:xfrm>
+          <a:off x="0" y="0"/>
+          <a:ext cx="0" cy="0"/>
+          <a:chOff x="0" y="0"/>
+          <a:chExt cx="0" cy="0"/>
+        </a:xfrm>
+      </p:grpSpPr>
+      <p:sp>
+        <p:nvSpPr>
+          <p:cNvPr id="2" name="Slide Image Placeholder 1"/>
+          <p:cNvSpPr>
+            <a:spLocks noGrp="1" noRot="1" noChangeAspect="1"/>
+          </p:cNvSpPr>
+          <p:nvPr>
+            <p:ph type="sldImg"/>
+          </p:nvPr>
+        </p:nvSpPr>
+        <p:spPr/>
+      </p:sp>
+      <p:sp>
+        <p:nvSpPr>
+          <p:cNvPr id="3" name="Notes Placeholder 2"/>
+          <p:cNvSpPr>
+            <a:spLocks noGrp="1"/>
+          </p:cNvSpPr>
+          <p:nvPr>
+            <p:ph type="body" idx="1"/>
+          </p:nvPr>
+        </p:nvSpPr>
+        <p:spPr/>
+        <p:txBody>
+          <a:bodyPr/>
+          <a:lstStyle/>
+          <a:p>
+            <a:endParaRPr lang="en-CA" dirty="0"/>
+          </a:p>
+        </p:txBody>
+      </p:sp>
+      <p:sp>
+        <p:nvSpPr>
+          <p:cNvPr id="4" name="Slide Number Placeholder 3"/>
+          <p:cNvSpPr>
+            <a:spLocks noGrp="1"/>
+          </p:cNvSpPr>
+          <p:nvPr>
+            <p:ph type="sldNum" sz="quarter" idx="10"/>
+          </p:nvPr>
+        </p:nvSpPr>
+        <p:spPr/>
+        <p:txBody>
+          <a:bodyPr/>
+          <a:lstStyle/>
+          <a:p>
+            <a:pPr>
+              <a:defRPr/>
+            </a:pPr>
+            <a:fld id="{100938BD-FD70-4535-B0C2-13FC38CDF1BE}" type="slidenum">
+              <a:rPr lang="en-US" altLang="zh-CN" smtClean="0"/>
+              <a:pPr>
+                <a:defRPr/>
+              </a:pPr>
+              <a:t>19</a:t>
             </a:fld>
             <a:endParaRPr lang="en-US" altLang="zh-CN"/>
           </a:p>
@@ -1848,7 +1939,7 @@
           <a:bodyPr/>
           <a:lstStyle/>
           <a:p>
-            <a:endParaRPr lang="en-CA" dirty="0"/>
+            <a:endParaRPr lang="en-CA" b="1" dirty="0"/>
           </a:p>
         </p:txBody>
       </p:sp>
@@ -1884,7 +1975,7 @@
     </p:spTree>
     <p:extLst>
       <p:ext uri="{BB962C8B-B14F-4D97-AF65-F5344CB8AC3E}">
-        <p14:creationId xmlns:p14="http://schemas.microsoft.com/office/powerpoint/2010/main" val="2928419895"/>
+        <p14:creationId xmlns:p14="http://schemas.microsoft.com/office/powerpoint/2010/main" val="725795628"/>
       </p:ext>
     </p:extLst>
   </p:cSld>
@@ -1974,7 +2065,7 @@
     </p:spTree>
     <p:extLst>
       <p:ext uri="{BB962C8B-B14F-4D97-AF65-F5344CB8AC3E}">
-        <p14:creationId xmlns:p14="http://schemas.microsoft.com/office/powerpoint/2010/main" val="3460749306"/>
+        <p14:creationId xmlns:p14="http://schemas.microsoft.com/office/powerpoint/2010/main" val="2928419895"/>
       </p:ext>
     </p:extLst>
   </p:cSld>
@@ -2064,7 +2155,7 @@
     </p:spTree>
     <p:extLst>
       <p:ext uri="{BB962C8B-B14F-4D97-AF65-F5344CB8AC3E}">
-        <p14:creationId xmlns:p14="http://schemas.microsoft.com/office/powerpoint/2010/main" val="2519003747"/>
+        <p14:creationId xmlns:p14="http://schemas.microsoft.com/office/powerpoint/2010/main" val="3460749306"/>
       </p:ext>
     </p:extLst>
   </p:cSld>
@@ -2154,7 +2245,7 @@
     </p:spTree>
     <p:extLst>
       <p:ext uri="{BB962C8B-B14F-4D97-AF65-F5344CB8AC3E}">
-        <p14:creationId xmlns:p14="http://schemas.microsoft.com/office/powerpoint/2010/main" val="374554566"/>
+        <p14:creationId xmlns:p14="http://schemas.microsoft.com/office/powerpoint/2010/main" val="2519003747"/>
       </p:ext>
     </p:extLst>
   </p:cSld>
@@ -2244,7 +2335,7 @@
     </p:spTree>
     <p:extLst>
       <p:ext uri="{BB962C8B-B14F-4D97-AF65-F5344CB8AC3E}">
-        <p14:creationId xmlns:p14="http://schemas.microsoft.com/office/powerpoint/2010/main" val="3355528501"/>
+        <p14:creationId xmlns:p14="http://schemas.microsoft.com/office/powerpoint/2010/main" val="374554566"/>
       </p:ext>
     </p:extLst>
   </p:cSld>
@@ -5816,7 +5907,7 @@
             </a:pPr>
             <a:r>
               <a:rPr lang="en-US" altLang="zh-CN" dirty="0"/>
-              <a:t>107</a:t>
+              <a:t>108</a:t>
             </a:r>
             <a:r>
               <a:rPr lang="en-US" altLang="zh-CN" baseline="30000" dirty="0"/>
@@ -5824,7 +5915,7 @@
             </a:r>
             <a:r>
               <a:rPr lang="en-US" altLang="zh-CN" dirty="0"/>
-              <a:t> IETF @ Vancouver</a:t>
+              <a:t> IETF @ Madrid</a:t>
             </a:r>
           </a:p>
         </p:txBody>
@@ -5896,129 +5987,228 @@
       </p:grpSpPr>
       <p:sp>
         <p:nvSpPr>
-          <p:cNvPr id="2" name="Title 1"/>
-          <p:cNvSpPr>
-            <a:spLocks noGrp="1"/>
-          </p:cNvSpPr>
-          <p:nvPr>
-            <p:ph type="title"/>
+          <p:cNvPr id="2" name="Rectangle 2"/>
+          <p:cNvSpPr>
+            <a:spLocks noGrp="1" noChangeArrowheads="1"/>
+          </p:cNvSpPr>
+          <p:nvPr>
+            <p:ph type="ctrTitle"/>
           </p:nvPr>
         </p:nvSpPr>
         <p:spPr>
           <a:xfrm>
-            <a:off x="457200" y="19050"/>
-            <a:ext cx="8229600" cy="857250"/>
-          </a:xfrm>
-        </p:spPr>
-        <p:txBody>
-          <a:bodyPr/>
-          <a:lstStyle/>
-          <a:p>
-            <a:r>
-              <a:rPr lang="en-US" sz="3600" dirty="0">
-                <a:solidFill>
-                  <a:srgbClr val="002060"/>
-                </a:solidFill>
+            <a:off x="0" y="612570"/>
+            <a:ext cx="9067800" cy="1676400"/>
+          </a:xfrm>
+        </p:spPr>
+        <p:txBody>
+          <a:bodyPr>
+            <a:noAutofit/>
+          </a:bodyPr>
+          <a:lstStyle/>
+          <a:p>
+            <a:r>
+              <a:rPr lang="en-US" sz="3200" dirty="0">
                 <a:latin typeface="Calibri" charset="0"/>
                 <a:ea typeface="Calibri" charset="0"/>
                 <a:cs typeface="Calibri" charset="0"/>
               </a:rPr>
-              <a:t>Agenda</a:t>
-            </a:r>
-          </a:p>
-        </p:txBody>
-      </p:sp>
-      <p:sp>
-        <p:nvSpPr>
-          <p:cNvPr id="3" name="Content Placeholder 2"/>
-          <p:cNvSpPr>
-            <a:spLocks noGrp="1"/>
-          </p:cNvSpPr>
-          <p:nvPr>
-            <p:ph idx="1"/>
-          </p:nvPr>
-        </p:nvSpPr>
-        <p:spPr>
-          <a:xfrm>
-            <a:off x="457200" y="1047750"/>
-            <a:ext cx="8229600" cy="3223022"/>
-          </a:xfrm>
-        </p:spPr>
-        <p:txBody>
-          <a:bodyPr/>
-          <a:lstStyle/>
-          <a:p>
-            <a:pPr>
-              <a:spcBef>
-                <a:spcPts val="600"/>
-              </a:spcBef>
-            </a:pPr>
-            <a:r>
-              <a:rPr lang="en-US" sz="2400" dirty="0"/>
-              <a:t>Requirements and Scope</a:t>
-            </a:r>
-          </a:p>
-          <a:p>
-            <a:pPr>
-              <a:spcBef>
-                <a:spcPts val="600"/>
-              </a:spcBef>
-            </a:pPr>
-            <a:r>
-              <a:rPr lang="en-US" sz="2400" dirty="0">
+              <a:t>PCEP</a:t>
+            </a:r>
+            <a:r>
+              <a:rPr lang="en-US" sz="3600" dirty="0">
                 <a:latin typeface="Calibri" charset="0"/>
                 <a:ea typeface="Calibri" charset="0"/>
                 <a:cs typeface="Calibri" charset="0"/>
               </a:rPr>
-              <a:t>Double-sided Associated Bidirectional LSP</a:t>
-            </a:r>
-          </a:p>
-          <a:p>
-            <a:pPr>
-              <a:spcBef>
-                <a:spcPts val="600"/>
-              </a:spcBef>
-            </a:pPr>
-            <a:r>
-              <a:rPr lang="en-US" sz="2400" dirty="0"/>
-              <a:t>Single-sided Associated Bidirectional LSP</a:t>
-            </a:r>
-          </a:p>
-          <a:p>
-            <a:pPr>
-              <a:spcBef>
-                <a:spcPts val="600"/>
-              </a:spcBef>
-            </a:pPr>
-            <a:r>
-              <a:rPr lang="en-US" sz="2400" dirty="0">
+              <a:t> Extensions for Associated Bidirectional Label Switched Paths (LSPs) with </a:t>
+            </a:r>
+            <a:r>
+              <a:rPr lang="en-US" sz="3600" dirty="0" err="1">
                 <a:latin typeface="Calibri" charset="0"/>
                 <a:ea typeface="Calibri" charset="0"/>
                 <a:cs typeface="Calibri" charset="0"/>
               </a:rPr>
-              <a:t>PCEP Object Definitions</a:t>
-            </a:r>
-          </a:p>
-          <a:p>
-            <a:pPr>
-              <a:spcBef>
-                <a:spcPts val="600"/>
-              </a:spcBef>
-            </a:pPr>
-            <a:r>
-              <a:rPr lang="en-US" sz="2400" dirty="0">
+              <a:t>Stateful</a:t>
+            </a:r>
+            <a:r>
+              <a:rPr lang="en-US" sz="3600" dirty="0">
                 <a:latin typeface="Calibri" charset="0"/>
                 <a:ea typeface="Calibri" charset="0"/>
                 <a:cs typeface="Calibri" charset="0"/>
               </a:rPr>
-              <a:t>Next Steps</a:t>
-            </a:r>
-          </a:p>
-        </p:txBody>
-      </p:sp>
-      <p:sp>
-        <p:nvSpPr>
-          <p:cNvPr id="4" name="Footer Placeholder 3"/>
+              <a:t> PCE</a:t>
+            </a:r>
+          </a:p>
+        </p:txBody>
+      </p:sp>
+      <p:sp>
+        <p:nvSpPr>
+          <p:cNvPr id="2051" name="Rectangle 3"/>
+          <p:cNvSpPr>
+            <a:spLocks noGrp="1" noChangeArrowheads="1"/>
+          </p:cNvSpPr>
+          <p:nvPr>
+            <p:ph type="subTitle" idx="1"/>
+          </p:nvPr>
+        </p:nvSpPr>
+        <p:spPr>
+          <a:xfrm>
+            <a:off x="762000" y="2190750"/>
+            <a:ext cx="7696200" cy="685800"/>
+          </a:xfrm>
+        </p:spPr>
+        <p:txBody>
+          <a:bodyPr/>
+          <a:lstStyle/>
+          <a:p>
+            <a:r>
+              <a:rPr lang="en-CA" sz="2400" i="1" dirty="0"/>
+              <a:t>draft-ietf-pce-association-bidir-06</a:t>
+            </a:r>
+            <a:endParaRPr lang="en-US" sz="2400" i="1" dirty="0">
+              <a:latin typeface="Calibri" charset="0"/>
+              <a:ea typeface="Calibri" charset="0"/>
+              <a:cs typeface="Calibri" charset="0"/>
+            </a:endParaRPr>
+          </a:p>
+        </p:txBody>
+      </p:sp>
+      <p:sp>
+        <p:nvSpPr>
+          <p:cNvPr id="2052" name="Rectangle 4"/>
+          <p:cNvSpPr>
+            <a:spLocks noChangeArrowheads="1"/>
+          </p:cNvSpPr>
+          <p:nvPr/>
+        </p:nvSpPr>
+        <p:spPr bwMode="auto">
+          <a:xfrm>
+            <a:off x="2438400" y="2952750"/>
+            <a:ext cx="5867400" cy="1328738"/>
+          </a:xfrm>
+          <a:prstGeom prst="rect">
+            <a:avLst/>
+          </a:prstGeom>
+          <a:noFill/>
+          <a:ln w="9525">
+            <a:noFill/>
+            <a:miter lim="800000"/>
+            <a:headEnd/>
+            <a:tailEnd/>
+          </a:ln>
+        </p:spPr>
+        <p:txBody>
+          <a:bodyPr/>
+          <a:lstStyle/>
+          <a:p>
+            <a:pPr>
+              <a:spcBef>
+                <a:spcPct val="20000"/>
+              </a:spcBef>
+            </a:pPr>
+            <a:r>
+              <a:rPr lang="en-US" altLang="zh-CN" i="1" dirty="0">
+                <a:latin typeface="Calibri" charset="0"/>
+                <a:ea typeface="Calibri" charset="0"/>
+                <a:cs typeface="Calibri" charset="0"/>
+              </a:rPr>
+              <a:t>Rakesh Gandhi (</a:t>
+            </a:r>
+            <a:r>
+              <a:rPr lang="en-US" altLang="zh-CN" i="1" dirty="0" err="1">
+                <a:latin typeface="Calibri" charset="0"/>
+                <a:ea typeface="Calibri" charset="0"/>
+                <a:cs typeface="Calibri" charset="0"/>
+              </a:rPr>
+              <a:t>rgandhi@cisco.com</a:t>
+            </a:r>
+            <a:r>
+              <a:rPr lang="en-US" altLang="zh-CN" i="1" dirty="0">
+                <a:latin typeface="Calibri" charset="0"/>
+                <a:ea typeface="Calibri" charset="0"/>
+                <a:cs typeface="Calibri" charset="0"/>
+              </a:rPr>
+              <a:t>) </a:t>
+            </a:r>
+          </a:p>
+          <a:p>
+            <a:pPr>
+              <a:spcBef>
+                <a:spcPct val="20000"/>
+              </a:spcBef>
+            </a:pPr>
+            <a:r>
+              <a:rPr lang="en-US" altLang="zh-CN" i="1" dirty="0">
+                <a:latin typeface="Calibri" charset="0"/>
+                <a:ea typeface="Calibri" charset="0"/>
+                <a:cs typeface="Calibri" charset="0"/>
+              </a:rPr>
+              <a:t>Colby Barth (</a:t>
+            </a:r>
+            <a:r>
+              <a:rPr lang="en-US" i="1" dirty="0" err="1">
+                <a:latin typeface="Calibri" charset="0"/>
+                <a:ea typeface="Calibri" charset="0"/>
+                <a:cs typeface="Calibri" charset="0"/>
+              </a:rPr>
+              <a:t>cbarth@juniper.net</a:t>
+            </a:r>
+            <a:r>
+              <a:rPr lang="en-US" i="1" dirty="0">
+                <a:latin typeface="Calibri" charset="0"/>
+                <a:ea typeface="Calibri" charset="0"/>
+                <a:cs typeface="Calibri" charset="0"/>
+              </a:rPr>
+              <a:t>)</a:t>
+            </a:r>
+            <a:endParaRPr lang="en-US" altLang="zh-CN" i="1" dirty="0">
+              <a:latin typeface="Calibri" charset="0"/>
+              <a:ea typeface="Calibri" charset="0"/>
+              <a:cs typeface="Calibri" charset="0"/>
+            </a:endParaRPr>
+          </a:p>
+          <a:p>
+            <a:pPr>
+              <a:spcBef>
+                <a:spcPct val="20000"/>
+              </a:spcBef>
+            </a:pPr>
+            <a:r>
+              <a:rPr lang="en-US" altLang="zh-CN" i="1" dirty="0">
+                <a:latin typeface="Calibri" charset="0"/>
+                <a:ea typeface="Calibri" charset="0"/>
+                <a:cs typeface="Calibri" charset="0"/>
+              </a:rPr>
+              <a:t>Bin Wen (</a:t>
+            </a:r>
+            <a:r>
+              <a:rPr lang="en-US" i="1" dirty="0" err="1">
+                <a:latin typeface="Calibri" charset="0"/>
+                <a:ea typeface="Calibri" charset="0"/>
+                <a:cs typeface="Calibri" charset="0"/>
+              </a:rPr>
+              <a:t>Bin_Wen@comcast.com</a:t>
+            </a:r>
+            <a:r>
+              <a:rPr lang="en-US" i="1" dirty="0">
+                <a:latin typeface="Calibri" charset="0"/>
+                <a:ea typeface="Calibri" charset="0"/>
+                <a:cs typeface="Calibri" charset="0"/>
+              </a:rPr>
+              <a:t>)</a:t>
+            </a:r>
+            <a:endParaRPr lang="en-US" altLang="zh-CN" i="1" dirty="0">
+              <a:latin typeface="Calibri" charset="0"/>
+              <a:ea typeface="Calibri" charset="0"/>
+              <a:cs typeface="Calibri" charset="0"/>
+            </a:endParaRPr>
+          </a:p>
+        </p:txBody>
+      </p:sp>
+      <p:sp>
+        <p:nvSpPr>
+          <p:cNvPr id="6" name="Footer Placeholder 3"/>
           <p:cNvSpPr>
             <a:spLocks noGrp="1"/>
           </p:cNvSpPr>
@@ -6028,7 +6218,7 @@
         </p:nvSpPr>
         <p:spPr>
           <a:xfrm>
-            <a:off x="3124200" y="4786312"/>
+            <a:off x="3124200" y="4782728"/>
             <a:ext cx="2895600" cy="357188"/>
           </a:xfrm>
         </p:spPr>
@@ -6041,7 +6231,7 @@
             </a:pPr>
             <a:r>
               <a:rPr lang="en-US" altLang="zh-CN" dirty="0"/>
-              <a:t>107</a:t>
+              <a:t>108</a:t>
             </a:r>
             <a:r>
               <a:rPr lang="en-US" altLang="zh-CN" baseline="30000" dirty="0"/>
@@ -6049,17 +6239,17 @@
             </a:r>
             <a:r>
               <a:rPr lang="en-US" altLang="zh-CN" dirty="0"/>
-              <a:t> IETF @ Vancouver</a:t>
-            </a:r>
-          </a:p>
-        </p:txBody>
-      </p:sp>
-      <p:sp>
-        <p:nvSpPr>
-          <p:cNvPr id="5" name="Slide Number Placeholder 4">
+              <a:t> IETF @ Madrid</a:t>
+            </a:r>
+          </a:p>
+        </p:txBody>
+      </p:sp>
+      <p:sp>
+        <p:nvSpPr>
+          <p:cNvPr id="3" name="Slide Number Placeholder 2">
             <a:extLst>
               <a:ext uri="{FF2B5EF4-FFF2-40B4-BE49-F238E27FC236}">
-                <a16:creationId xmlns:a16="http://schemas.microsoft.com/office/drawing/2014/main" id="{64D6C5B3-062D-124B-A664-B3B1E8166493}"/>
+                <a16:creationId xmlns:a16="http://schemas.microsoft.com/office/drawing/2014/main" id="{5137BAEC-FA47-1C4C-8030-AB7E0F182A32}"/>
               </a:ext>
             </a:extLst>
           </p:cNvPr>
@@ -6078,7 +6268,7 @@
             <a:pPr>
               <a:defRPr/>
             </a:pPr>
-            <a:fld id="{BD6E0F59-1DD8-40FC-9C92-B6295CBA6CCA}" type="slidenum">
+            <a:fld id="{D5EE1D1A-EEC2-4D53-94A7-85D62C853479}" type="slidenum">
               <a:rPr lang="en-US" altLang="zh-CN" smtClean="0"/>
               <a:pPr>
                 <a:defRPr/>
@@ -6092,7 +6282,7 @@
     </p:spTree>
     <p:extLst>
       <p:ext uri="{BB962C8B-B14F-4D97-AF65-F5344CB8AC3E}">
-        <p14:creationId xmlns:p14="http://schemas.microsoft.com/office/powerpoint/2010/main" val="2300622389"/>
+        <p14:creationId xmlns:p14="http://schemas.microsoft.com/office/powerpoint/2010/main" val="673101887"/>
       </p:ext>
     </p:extLst>
   </p:cSld>
@@ -6131,7 +6321,7 @@
         </p:nvSpPr>
         <p:spPr>
           <a:xfrm>
-            <a:off x="457200" y="73131"/>
+            <a:off x="457200" y="19050"/>
             <a:ext cx="8229600" cy="857250"/>
           </a:xfrm>
         </p:spPr>
@@ -6144,89 +6334,99 @@
                 <a:solidFill>
                   <a:srgbClr val="002060"/>
                 </a:solidFill>
+                <a:latin typeface="Calibri" charset="0"/>
+                <a:ea typeface="Calibri" charset="0"/>
+                <a:cs typeface="Calibri" charset="0"/>
               </a:rPr>
+              <a:t>Agenda</a:t>
+            </a:r>
+          </a:p>
+        </p:txBody>
+      </p:sp>
+      <p:sp>
+        <p:nvSpPr>
+          <p:cNvPr id="3" name="Content Placeholder 2"/>
+          <p:cNvSpPr>
+            <a:spLocks noGrp="1"/>
+          </p:cNvSpPr>
+          <p:nvPr>
+            <p:ph idx="1"/>
+          </p:nvPr>
+        </p:nvSpPr>
+        <p:spPr>
+          <a:xfrm>
+            <a:off x="457200" y="1047750"/>
+            <a:ext cx="8229600" cy="3223022"/>
+          </a:xfrm>
+        </p:spPr>
+        <p:txBody>
+          <a:bodyPr/>
+          <a:lstStyle/>
+          <a:p>
+            <a:pPr>
+              <a:spcBef>
+                <a:spcPts val="600"/>
+              </a:spcBef>
+            </a:pPr>
+            <a:r>
+              <a:rPr lang="en-US" sz="2400" dirty="0"/>
               <a:t>Requirements and Scope</a:t>
             </a:r>
           </a:p>
-        </p:txBody>
-      </p:sp>
-      <p:sp>
-        <p:nvSpPr>
-          <p:cNvPr id="3" name="Content Placeholder 2"/>
-          <p:cNvSpPr>
-            <a:spLocks noGrp="1"/>
-          </p:cNvSpPr>
-          <p:nvPr>
-            <p:ph idx="1"/>
-          </p:nvPr>
-        </p:nvSpPr>
-        <p:spPr>
-          <a:xfrm>
-            <a:off x="457200" y="1009650"/>
-            <a:ext cx="8229600" cy="3124200"/>
-          </a:xfrm>
-        </p:spPr>
-        <p:txBody>
-          <a:bodyPr/>
-          <a:lstStyle/>
-          <a:p>
-            <a:pPr marL="0" indent="0">
-              <a:buNone/>
-            </a:pPr>
-            <a:r>
-              <a:rPr lang="en-US" sz="1800" dirty="0"/>
-              <a:t>Requirements:</a:t>
-            </a:r>
-          </a:p>
-          <a:p>
-            <a:pPr lvl="1"/>
-            <a:r>
-              <a:rPr lang="en-US" sz="1800" dirty="0"/>
-              <a:t>Packet transport networks deploying bidirectional RSVP LSPs</a:t>
-            </a:r>
-          </a:p>
-          <a:p>
-            <a:pPr lvl="1"/>
-            <a:r>
-              <a:rPr lang="en-US" sz="1800" dirty="0"/>
-              <a:t>Co-routed and non-co-routed forward and reverse RSVP LSPs</a:t>
-            </a:r>
-          </a:p>
-          <a:p>
-            <a:pPr marL="0" indent="0">
-              <a:buNone/>
-            </a:pPr>
-            <a:r>
-              <a:rPr lang="en-US" sz="1800" dirty="0"/>
-              <a:t>Scope:</a:t>
-            </a:r>
-          </a:p>
-          <a:p>
-            <a:pPr lvl="1"/>
-            <a:r>
-              <a:rPr lang="en-US" sz="1800" dirty="0"/>
-              <a:t>Associated bidirectional RSVP LSPs</a:t>
-            </a:r>
-          </a:p>
-          <a:p>
-            <a:pPr lvl="1"/>
-            <a:r>
-              <a:rPr lang="en-US" sz="1800" dirty="0"/>
-              <a:t>PCE-Initiated LSPs</a:t>
-            </a:r>
-          </a:p>
-          <a:p>
-            <a:pPr lvl="1"/>
-            <a:r>
-              <a:rPr lang="en-US" sz="1800" dirty="0"/>
-              <a:t>PCC-Initiated LSPs</a:t>
-            </a:r>
-          </a:p>
-          <a:p>
-            <a:pPr lvl="1"/>
-            <a:r>
-              <a:rPr lang="en-US" sz="1800" dirty="0"/>
-              <a:t>Stateless PCE (e.g. for co-routed path computation requests)</a:t>
+          <a:p>
+            <a:pPr>
+              <a:spcBef>
+                <a:spcPts val="600"/>
+              </a:spcBef>
+            </a:pPr>
+            <a:r>
+              <a:rPr lang="en-US" sz="2400" dirty="0">
+                <a:latin typeface="Calibri" charset="0"/>
+                <a:ea typeface="Calibri" charset="0"/>
+                <a:cs typeface="Calibri" charset="0"/>
+              </a:rPr>
+              <a:t>Double-sided Associated Bidirectional LSP</a:t>
+            </a:r>
+          </a:p>
+          <a:p>
+            <a:pPr>
+              <a:spcBef>
+                <a:spcPts val="600"/>
+              </a:spcBef>
+            </a:pPr>
+            <a:r>
+              <a:rPr lang="en-US" sz="2400" dirty="0"/>
+              <a:t>Single-sided Associated Bidirectional LSP</a:t>
+            </a:r>
+          </a:p>
+          <a:p>
+            <a:pPr>
+              <a:spcBef>
+                <a:spcPts val="600"/>
+              </a:spcBef>
+            </a:pPr>
+            <a:r>
+              <a:rPr lang="en-US" sz="2400" dirty="0">
+                <a:latin typeface="Calibri" charset="0"/>
+                <a:ea typeface="Calibri" charset="0"/>
+                <a:cs typeface="Calibri" charset="0"/>
+              </a:rPr>
+              <a:t>PCEP Object Definitions</a:t>
+            </a:r>
+          </a:p>
+          <a:p>
+            <a:pPr>
+              <a:spcBef>
+                <a:spcPts val="600"/>
+              </a:spcBef>
+            </a:pPr>
+            <a:r>
+              <a:rPr lang="en-US" sz="2400" dirty="0">
+                <a:latin typeface="Calibri" charset="0"/>
+                <a:ea typeface="Calibri" charset="0"/>
+                <a:cs typeface="Calibri" charset="0"/>
+              </a:rPr>
+              <a:t>Next Steps</a:t>
             </a:r>
           </a:p>
         </p:txBody>
@@ -6256,7 +6456,7 @@
             </a:pPr>
             <a:r>
               <a:rPr lang="en-US" altLang="zh-CN" dirty="0"/>
-              <a:t>107</a:t>
+              <a:t>108</a:t>
             </a:r>
             <a:r>
               <a:rPr lang="en-US" altLang="zh-CN" baseline="30000" dirty="0"/>
@@ -6264,7 +6464,7 @@
             </a:r>
             <a:r>
               <a:rPr lang="en-US" altLang="zh-CN" dirty="0"/>
-              <a:t> IETF @ Vancouver</a:t>
+              <a:t> IETF @ Madrid</a:t>
             </a:r>
           </a:p>
         </p:txBody>
@@ -6274,7 +6474,7 @@
           <p:cNvPr id="5" name="Slide Number Placeholder 4">
             <a:extLst>
               <a:ext uri="{FF2B5EF4-FFF2-40B4-BE49-F238E27FC236}">
-                <a16:creationId xmlns:a16="http://schemas.microsoft.com/office/drawing/2014/main" id="{A7AF22AD-A51B-324E-A865-AC2A0317DE20}"/>
+                <a16:creationId xmlns:a16="http://schemas.microsoft.com/office/drawing/2014/main" id="{64D6C5B3-062D-124B-A664-B3B1E8166493}"/>
               </a:ext>
             </a:extLst>
           </p:cNvPr>
@@ -6307,7 +6507,7 @@
     </p:spTree>
     <p:extLst>
       <p:ext uri="{BB962C8B-B14F-4D97-AF65-F5344CB8AC3E}">
-        <p14:creationId xmlns:p14="http://schemas.microsoft.com/office/powerpoint/2010/main" val="2382928015"/>
+        <p14:creationId xmlns:p14="http://schemas.microsoft.com/office/powerpoint/2010/main" val="2300622389"/>
       </p:ext>
     </p:extLst>
   </p:cSld>
@@ -6336,74 +6536,18 @@
       </p:grpSpPr>
       <p:sp>
         <p:nvSpPr>
-          <p:cNvPr id="23" name="Rounded Rectangle 8">
-            <a:extLst>
-              <a:ext uri="{FF2B5EF4-FFF2-40B4-BE49-F238E27FC236}">
-                <a16:creationId xmlns:a16="http://schemas.microsoft.com/office/drawing/2014/main" id="{EA7AEFCA-8E6C-4C1F-BD56-5643E351B9A5}"/>
-              </a:ext>
-            </a:extLst>
-          </p:cNvPr>
-          <p:cNvSpPr/>
-          <p:nvPr/>
+          <p:cNvPr id="2" name="Title 1"/>
+          <p:cNvSpPr>
+            <a:spLocks noGrp="1"/>
+          </p:cNvSpPr>
+          <p:nvPr>
+            <p:ph type="title"/>
+          </p:nvPr>
         </p:nvSpPr>
         <p:spPr>
           <a:xfrm>
-            <a:off x="1716019" y="1621671"/>
-            <a:ext cx="1716314" cy="1747656"/>
-          </a:xfrm>
-          <a:prstGeom prst="roundRect">
-            <a:avLst/>
-          </a:prstGeom>
-          <a:solidFill>
-            <a:schemeClr val="bg1"/>
-          </a:solidFill>
-        </p:spPr>
-        <p:style>
-          <a:lnRef idx="2">
-            <a:schemeClr val="accent1">
-              <a:shade val="50000"/>
-            </a:schemeClr>
-          </a:lnRef>
-          <a:fillRef idx="1">
-            <a:schemeClr val="accent1"/>
-          </a:fillRef>
-          <a:effectRef idx="0">
-            <a:schemeClr val="accent1"/>
-          </a:effectRef>
-          <a:fontRef idx="minor">
-            <a:schemeClr val="lt1"/>
-          </a:fontRef>
-        </p:style>
-        <p:txBody>
-          <a:bodyPr rtlCol="0" anchor="t" anchorCtr="0"/>
-          <a:lstStyle/>
-          <a:p>
-            <a:pPr algn="ctr"/>
-            <a:r>
-              <a:rPr lang="en-US" b="1" dirty="0">
-                <a:solidFill>
-                  <a:schemeClr val="tx2"/>
-                </a:solidFill>
-              </a:rPr>
-              <a:t>Tunnel-AD</a:t>
-            </a:r>
-          </a:p>
-        </p:txBody>
-      </p:sp>
-      <p:sp>
-        <p:nvSpPr>
-          <p:cNvPr id="2" name="Title 1"/>
-          <p:cNvSpPr>
-            <a:spLocks noGrp="1"/>
-          </p:cNvSpPr>
-          <p:nvPr>
-            <p:ph type="title"/>
-          </p:nvPr>
-        </p:nvSpPr>
-        <p:spPr>
-          <a:xfrm>
-            <a:off x="0" y="10818"/>
-            <a:ext cx="9144000" cy="788800"/>
+            <a:off x="457200" y="73131"/>
+            <a:ext cx="8229600" cy="857250"/>
           </a:xfrm>
         </p:spPr>
         <p:txBody>
@@ -6411,12 +6555,93 @@
           <a:lstStyle/>
           <a:p>
             <a:r>
-              <a:rPr lang="en-US" sz="3200" dirty="0">
+              <a:rPr lang="en-US" sz="3600" dirty="0">
                 <a:solidFill>
                   <a:srgbClr val="002060"/>
                 </a:solidFill>
               </a:rPr>
-              <a:t>Single-sided Associated Bidirectional LSP</a:t>
+              <a:t>Requirements and Scope</a:t>
+            </a:r>
+          </a:p>
+        </p:txBody>
+      </p:sp>
+      <p:sp>
+        <p:nvSpPr>
+          <p:cNvPr id="3" name="Content Placeholder 2"/>
+          <p:cNvSpPr>
+            <a:spLocks noGrp="1"/>
+          </p:cNvSpPr>
+          <p:nvPr>
+            <p:ph idx="1"/>
+          </p:nvPr>
+        </p:nvSpPr>
+        <p:spPr>
+          <a:xfrm>
+            <a:off x="457200" y="1009650"/>
+            <a:ext cx="8229600" cy="3124200"/>
+          </a:xfrm>
+        </p:spPr>
+        <p:txBody>
+          <a:bodyPr/>
+          <a:lstStyle/>
+          <a:p>
+            <a:pPr marL="0" indent="0">
+              <a:buNone/>
+            </a:pPr>
+            <a:r>
+              <a:rPr lang="en-US" sz="1800" dirty="0"/>
+              <a:t>Requirements:</a:t>
+            </a:r>
+          </a:p>
+          <a:p>
+            <a:pPr lvl="1"/>
+            <a:r>
+              <a:rPr lang="en-US" sz="1800" dirty="0"/>
+              <a:t>Packet transport networks deploying bidirectional RSVP LSPs</a:t>
+            </a:r>
+          </a:p>
+          <a:p>
+            <a:pPr lvl="1"/>
+            <a:r>
+              <a:rPr lang="en-US" sz="1800" dirty="0"/>
+              <a:t>Co-routed and non-co-routed forward and reverse RSVP LSPs</a:t>
+            </a:r>
+          </a:p>
+          <a:p>
+            <a:pPr marL="0" indent="0">
+              <a:buNone/>
+            </a:pPr>
+            <a:r>
+              <a:rPr lang="en-US" sz="1800" dirty="0"/>
+              <a:t>Scope:</a:t>
+            </a:r>
+          </a:p>
+          <a:p>
+            <a:pPr lvl="1"/>
+            <a:r>
+              <a:rPr lang="en-US" sz="1800" dirty="0"/>
+              <a:t>Associated bidirectional RSVP LSPs</a:t>
+            </a:r>
+          </a:p>
+          <a:p>
+            <a:pPr lvl="1"/>
+            <a:r>
+              <a:rPr lang="en-US" sz="1800" dirty="0"/>
+              <a:t>PCE-Initiated LSPs</a:t>
+            </a:r>
+          </a:p>
+          <a:p>
+            <a:pPr lvl="1"/>
+            <a:r>
+              <a:rPr lang="en-US" sz="1800" dirty="0"/>
+              <a:t>PCC-Initiated LSPs</a:t>
+            </a:r>
+          </a:p>
+          <a:p>
+            <a:pPr lvl="1"/>
+            <a:r>
+              <a:rPr lang="en-US" sz="1800" dirty="0"/>
+              <a:t>Stateless PCE (e.g. for co-routed path computation requests)</a:t>
             </a:r>
           </a:p>
         </p:txBody>
@@ -6433,7 +6658,7 @@
         </p:nvSpPr>
         <p:spPr>
           <a:xfrm>
-            <a:off x="3124200" y="4788472"/>
+            <a:off x="3124200" y="4786312"/>
             <a:ext cx="2895600" cy="357188"/>
           </a:xfrm>
         </p:spPr>
@@ -6446,7 +6671,7 @@
             </a:pPr>
             <a:r>
               <a:rPr lang="en-US" altLang="zh-CN" dirty="0"/>
-              <a:t>107</a:t>
+              <a:t>108</a:t>
             </a:r>
             <a:r>
               <a:rPr lang="en-US" altLang="zh-CN" baseline="30000" dirty="0"/>
@@ -6454,761 +6679,17 @@
             </a:r>
             <a:r>
               <a:rPr lang="en-US" altLang="zh-CN" dirty="0"/>
-              <a:t> IETF @ Vancouver</a:t>
-            </a:r>
-          </a:p>
-        </p:txBody>
-      </p:sp>
-      <p:sp>
-        <p:nvSpPr>
-          <p:cNvPr id="5" name="Rounded Rectangle 4"/>
-          <p:cNvSpPr/>
-          <p:nvPr/>
-        </p:nvSpPr>
-        <p:spPr>
-          <a:xfrm>
-            <a:off x="342051" y="782490"/>
-            <a:ext cx="1447800" cy="914400"/>
-          </a:xfrm>
-          <a:prstGeom prst="roundRect">
-            <a:avLst/>
-          </a:prstGeom>
-          <a:solidFill>
-            <a:srgbClr val="0070C0"/>
-          </a:solidFill>
-        </p:spPr>
-        <p:style>
-          <a:lnRef idx="2">
-            <a:schemeClr val="accent1">
-              <a:shade val="50000"/>
-            </a:schemeClr>
-          </a:lnRef>
-          <a:fillRef idx="1">
-            <a:schemeClr val="accent1"/>
-          </a:fillRef>
-          <a:effectRef idx="0">
-            <a:schemeClr val="accent1"/>
-          </a:effectRef>
-          <a:fontRef idx="minor">
-            <a:schemeClr val="lt1"/>
-          </a:fontRef>
-        </p:style>
-        <p:txBody>
-          <a:bodyPr rtlCol="0" anchor="ctr"/>
-          <a:lstStyle/>
-          <a:p>
-            <a:pPr algn="ctr"/>
-            <a:r>
-              <a:rPr lang="en-US"/>
-              <a:t>STATEFUL PCE</a:t>
-            </a:r>
-            <a:endParaRPr lang="en-US" dirty="0"/>
-          </a:p>
-        </p:txBody>
-      </p:sp>
-      <p:sp>
-        <p:nvSpPr>
-          <p:cNvPr id="3" name="Oval 2"/>
-          <p:cNvSpPr/>
-          <p:nvPr/>
-        </p:nvSpPr>
-        <p:spPr>
-          <a:xfrm>
-            <a:off x="450850" y="3409950"/>
-            <a:ext cx="1314450" cy="1273969"/>
-          </a:xfrm>
-          <a:prstGeom prst="ellipse">
-            <a:avLst/>
-          </a:prstGeom>
-          <a:solidFill>
-            <a:srgbClr val="0070C0"/>
-          </a:solidFill>
-        </p:spPr>
-        <p:style>
-          <a:lnRef idx="2">
-            <a:schemeClr val="accent1">
-              <a:shade val="50000"/>
-            </a:schemeClr>
-          </a:lnRef>
-          <a:fillRef idx="1">
-            <a:schemeClr val="accent1"/>
-          </a:fillRef>
-          <a:effectRef idx="0">
-            <a:schemeClr val="accent1"/>
-          </a:effectRef>
-          <a:fontRef idx="minor">
-            <a:schemeClr val="lt1"/>
-          </a:fontRef>
-        </p:style>
-        <p:txBody>
-          <a:bodyPr rtlCol="0" anchor="ctr"/>
-          <a:lstStyle/>
-          <a:p>
-            <a:pPr algn="ctr"/>
-            <a:r>
-              <a:rPr lang="en-US" dirty="0"/>
-              <a:t>PCC End-point-A</a:t>
-            </a:r>
-          </a:p>
-        </p:txBody>
-      </p:sp>
-      <p:sp>
-        <p:nvSpPr>
-          <p:cNvPr id="22" name="Oval 21"/>
-          <p:cNvSpPr/>
-          <p:nvPr/>
-        </p:nvSpPr>
-        <p:spPr>
-          <a:xfrm>
-            <a:off x="7391400" y="3409950"/>
-            <a:ext cx="1295400" cy="1261267"/>
-          </a:xfrm>
-          <a:prstGeom prst="ellipse">
-            <a:avLst/>
-          </a:prstGeom>
-        </p:spPr>
-        <p:style>
-          <a:lnRef idx="2">
-            <a:schemeClr val="accent1">
-              <a:shade val="50000"/>
-            </a:schemeClr>
-          </a:lnRef>
-          <a:fillRef idx="1">
-            <a:schemeClr val="accent1"/>
-          </a:fillRef>
-          <a:effectRef idx="0">
-            <a:schemeClr val="accent1"/>
-          </a:effectRef>
-          <a:fontRef idx="minor">
-            <a:schemeClr val="lt1"/>
-          </a:fontRef>
-        </p:style>
-        <p:txBody>
-          <a:bodyPr rtlCol="0" anchor="ctr"/>
-          <a:lstStyle/>
-          <a:p>
-            <a:pPr algn="ctr"/>
-            <a:r>
-              <a:rPr lang="en-US" dirty="0"/>
-              <a:t>End-point-D</a:t>
-            </a:r>
-          </a:p>
-        </p:txBody>
-      </p:sp>
-      <p:sp>
-        <p:nvSpPr>
-          <p:cNvPr id="24" name="Oval 23"/>
-          <p:cNvSpPr/>
-          <p:nvPr/>
-        </p:nvSpPr>
-        <p:spPr>
-          <a:xfrm>
-            <a:off x="2908300" y="3422650"/>
-            <a:ext cx="1308100" cy="1261269"/>
-          </a:xfrm>
-          <a:prstGeom prst="ellipse">
-            <a:avLst/>
-          </a:prstGeom>
-        </p:spPr>
-        <p:style>
-          <a:lnRef idx="2">
-            <a:schemeClr val="accent1">
-              <a:shade val="50000"/>
-            </a:schemeClr>
-          </a:lnRef>
-          <a:fillRef idx="1">
-            <a:schemeClr val="accent1"/>
-          </a:fillRef>
-          <a:effectRef idx="0">
-            <a:schemeClr val="accent1"/>
-          </a:effectRef>
-          <a:fontRef idx="minor">
-            <a:schemeClr val="lt1"/>
-          </a:fontRef>
-        </p:style>
-        <p:txBody>
-          <a:bodyPr rtlCol="0" anchor="ctr"/>
-          <a:lstStyle/>
-          <a:p>
-            <a:pPr algn="ctr"/>
-            <a:r>
-              <a:rPr lang="en-US" dirty="0"/>
-              <a:t>Node-B</a:t>
-            </a:r>
-          </a:p>
-        </p:txBody>
-      </p:sp>
-      <p:sp>
-        <p:nvSpPr>
-          <p:cNvPr id="25" name="Oval 24"/>
-          <p:cNvSpPr/>
-          <p:nvPr/>
-        </p:nvSpPr>
-        <p:spPr>
-          <a:xfrm>
-            <a:off x="5207000" y="3409951"/>
-            <a:ext cx="1270000" cy="1261268"/>
-          </a:xfrm>
-          <a:prstGeom prst="ellipse">
-            <a:avLst/>
-          </a:prstGeom>
-        </p:spPr>
-        <p:style>
-          <a:lnRef idx="2">
-            <a:schemeClr val="accent1">
-              <a:shade val="50000"/>
-            </a:schemeClr>
-          </a:lnRef>
-          <a:fillRef idx="1">
-            <a:schemeClr val="accent1"/>
-          </a:fillRef>
-          <a:effectRef idx="0">
-            <a:schemeClr val="accent1"/>
-          </a:effectRef>
-          <a:fontRef idx="minor">
-            <a:schemeClr val="lt1"/>
-          </a:fontRef>
-        </p:style>
-        <p:txBody>
-          <a:bodyPr rtlCol="0" anchor="ctr"/>
-          <a:lstStyle/>
-          <a:p>
-            <a:pPr algn="ctr"/>
-            <a:r>
-              <a:rPr lang="en-US" dirty="0"/>
-              <a:t>Node-C</a:t>
-            </a:r>
-          </a:p>
-        </p:txBody>
-      </p:sp>
-      <p:sp>
-        <p:nvSpPr>
-          <p:cNvPr id="9" name="Rounded Rectangle 8"/>
-          <p:cNvSpPr/>
-          <p:nvPr/>
-        </p:nvSpPr>
-        <p:spPr>
-          <a:xfrm>
-            <a:off x="1812176" y="2067197"/>
-            <a:ext cx="1524000" cy="533400"/>
-          </a:xfrm>
-          <a:prstGeom prst="roundRect">
-            <a:avLst/>
-          </a:prstGeom>
-          <a:solidFill>
-            <a:schemeClr val="bg2">
-              <a:lumMod val="90000"/>
-            </a:schemeClr>
-          </a:solidFill>
-        </p:spPr>
-        <p:style>
-          <a:lnRef idx="2">
-            <a:schemeClr val="accent1">
-              <a:shade val="50000"/>
-            </a:schemeClr>
-          </a:lnRef>
-          <a:fillRef idx="1">
-            <a:schemeClr val="accent1"/>
-          </a:fillRef>
-          <a:effectRef idx="0">
-            <a:schemeClr val="accent1"/>
-          </a:effectRef>
-          <a:fontRef idx="minor">
-            <a:schemeClr val="lt1"/>
-          </a:fontRef>
-        </p:style>
-        <p:txBody>
-          <a:bodyPr rtlCol="0" anchor="ctr"/>
-          <a:lstStyle/>
-          <a:p>
-            <a:pPr algn="ctr"/>
-            <a:r>
-              <a:rPr lang="en-US" dirty="0"/>
-              <a:t>LSP1 (F,C)</a:t>
-            </a:r>
-          </a:p>
-        </p:txBody>
-      </p:sp>
-      <p:sp>
-        <p:nvSpPr>
-          <p:cNvPr id="10" name="Rounded Rectangle 9"/>
-          <p:cNvSpPr/>
-          <p:nvPr/>
-        </p:nvSpPr>
-        <p:spPr>
-          <a:xfrm>
-            <a:off x="1812176" y="2728873"/>
-            <a:ext cx="1524000" cy="533400"/>
-          </a:xfrm>
-          <a:prstGeom prst="roundRect">
-            <a:avLst/>
-          </a:prstGeom>
-          <a:solidFill>
-            <a:srgbClr val="00B0F0"/>
-          </a:solidFill>
-          <a:ln>
-            <a:solidFill>
-              <a:schemeClr val="accent1">
-                <a:lumMod val="60000"/>
-                <a:lumOff val="40000"/>
-              </a:schemeClr>
-            </a:solidFill>
-          </a:ln>
-        </p:spPr>
-        <p:style>
-          <a:lnRef idx="2">
-            <a:schemeClr val="accent1">
-              <a:shade val="50000"/>
-            </a:schemeClr>
-          </a:lnRef>
-          <a:fillRef idx="1">
-            <a:schemeClr val="accent1"/>
-          </a:fillRef>
-          <a:effectRef idx="0">
-            <a:schemeClr val="accent1"/>
-          </a:effectRef>
-          <a:fontRef idx="minor">
-            <a:schemeClr val="lt1"/>
-          </a:fontRef>
-        </p:style>
-        <p:txBody>
-          <a:bodyPr rtlCol="0" anchor="ctr"/>
-          <a:lstStyle/>
-          <a:p>
-            <a:pPr algn="ctr"/>
-            <a:r>
-              <a:rPr lang="en-US" dirty="0"/>
-              <a:t>LSP2 (R,C)</a:t>
-            </a:r>
-          </a:p>
-        </p:txBody>
-      </p:sp>
-      <p:sp>
-        <p:nvSpPr>
-          <p:cNvPr id="6" name="Right Arrow 5"/>
-          <p:cNvSpPr/>
-          <p:nvPr/>
-        </p:nvSpPr>
-        <p:spPr>
-          <a:xfrm>
-            <a:off x="1841500" y="3743325"/>
-            <a:ext cx="990600" cy="276225"/>
-          </a:xfrm>
-          <a:prstGeom prst="rightArrow">
-            <a:avLst/>
-          </a:prstGeom>
-          <a:solidFill>
-            <a:schemeClr val="bg2">
-              <a:lumMod val="90000"/>
-            </a:schemeClr>
-          </a:solidFill>
-        </p:spPr>
-        <p:style>
-          <a:lnRef idx="2">
-            <a:schemeClr val="accent1">
-              <a:shade val="50000"/>
-            </a:schemeClr>
-          </a:lnRef>
-          <a:fillRef idx="1">
-            <a:schemeClr val="accent1"/>
-          </a:fillRef>
-          <a:effectRef idx="0">
-            <a:schemeClr val="accent1"/>
-          </a:effectRef>
-          <a:fontRef idx="minor">
-            <a:schemeClr val="lt1"/>
-          </a:fontRef>
-        </p:style>
-        <p:txBody>
-          <a:bodyPr rtlCol="0" anchor="ctr"/>
-          <a:lstStyle/>
-          <a:p>
-            <a:pPr algn="ctr"/>
-            <a:endParaRPr lang="en-US"/>
-          </a:p>
-        </p:txBody>
-      </p:sp>
-      <p:sp>
-        <p:nvSpPr>
-          <p:cNvPr id="7" name="Right Arrow 6"/>
-          <p:cNvSpPr/>
-          <p:nvPr/>
-        </p:nvSpPr>
-        <p:spPr>
-          <a:xfrm>
-            <a:off x="4318000" y="3738960"/>
-            <a:ext cx="825500" cy="280590"/>
-          </a:xfrm>
-          <a:prstGeom prst="rightArrow">
-            <a:avLst/>
-          </a:prstGeom>
-          <a:solidFill>
-            <a:schemeClr val="bg2">
-              <a:lumMod val="90000"/>
-            </a:schemeClr>
-          </a:solidFill>
-        </p:spPr>
-        <p:style>
-          <a:lnRef idx="2">
-            <a:schemeClr val="accent1">
-              <a:shade val="50000"/>
-            </a:schemeClr>
-          </a:lnRef>
-          <a:fillRef idx="1">
-            <a:schemeClr val="accent1"/>
-          </a:fillRef>
-          <a:effectRef idx="0">
-            <a:schemeClr val="accent1"/>
-          </a:effectRef>
-          <a:fontRef idx="minor">
-            <a:schemeClr val="lt1"/>
-          </a:fontRef>
-        </p:style>
-        <p:txBody>
-          <a:bodyPr rtlCol="0" anchor="ctr"/>
-          <a:lstStyle/>
-          <a:p>
-            <a:pPr algn="ctr"/>
-            <a:endParaRPr lang="en-US"/>
-          </a:p>
-        </p:txBody>
-      </p:sp>
-      <p:sp>
-        <p:nvSpPr>
-          <p:cNvPr id="8" name="Right Arrow 7"/>
-          <p:cNvSpPr/>
-          <p:nvPr/>
-        </p:nvSpPr>
-        <p:spPr>
-          <a:xfrm>
-            <a:off x="6564086" y="3738960"/>
-            <a:ext cx="762000" cy="280590"/>
-          </a:xfrm>
-          <a:prstGeom prst="rightArrow">
-            <a:avLst/>
-          </a:prstGeom>
-          <a:solidFill>
-            <a:schemeClr val="bg2">
-              <a:lumMod val="90000"/>
-            </a:schemeClr>
-          </a:solidFill>
-        </p:spPr>
-        <p:style>
-          <a:lnRef idx="2">
-            <a:schemeClr val="accent1">
-              <a:shade val="50000"/>
-            </a:schemeClr>
-          </a:lnRef>
-          <a:fillRef idx="1">
-            <a:schemeClr val="accent1"/>
-          </a:fillRef>
-          <a:effectRef idx="0">
-            <a:schemeClr val="accent1"/>
-          </a:effectRef>
-          <a:fontRef idx="minor">
-            <a:schemeClr val="lt1"/>
-          </a:fontRef>
-        </p:style>
-        <p:txBody>
-          <a:bodyPr rtlCol="0" anchor="ctr"/>
-          <a:lstStyle/>
-          <a:p>
-            <a:pPr algn="ctr"/>
-            <a:endParaRPr lang="en-US"/>
-          </a:p>
-        </p:txBody>
-      </p:sp>
-      <p:sp>
-        <p:nvSpPr>
-          <p:cNvPr id="12" name="Left Arrow 11"/>
-          <p:cNvSpPr/>
-          <p:nvPr/>
-        </p:nvSpPr>
-        <p:spPr>
-          <a:xfrm>
-            <a:off x="6502400" y="4171950"/>
-            <a:ext cx="838200" cy="228600"/>
-          </a:xfrm>
-          <a:prstGeom prst="leftArrow">
-            <a:avLst/>
-          </a:prstGeom>
-          <a:solidFill>
-            <a:srgbClr val="00B0F0"/>
-          </a:solidFill>
-        </p:spPr>
-        <p:style>
-          <a:lnRef idx="2">
-            <a:schemeClr val="accent1">
-              <a:shade val="50000"/>
-            </a:schemeClr>
-          </a:lnRef>
-          <a:fillRef idx="1">
-            <a:schemeClr val="accent1"/>
-          </a:fillRef>
-          <a:effectRef idx="0">
-            <a:schemeClr val="accent1"/>
-          </a:effectRef>
-          <a:fontRef idx="minor">
-            <a:schemeClr val="lt1"/>
-          </a:fontRef>
-        </p:style>
-        <p:txBody>
-          <a:bodyPr rtlCol="0" anchor="ctr"/>
-          <a:lstStyle/>
-          <a:p>
-            <a:pPr algn="ctr"/>
-            <a:endParaRPr lang="en-US"/>
-          </a:p>
-        </p:txBody>
-      </p:sp>
-      <p:sp>
-        <p:nvSpPr>
-          <p:cNvPr id="13" name="Left Arrow 12"/>
-          <p:cNvSpPr/>
-          <p:nvPr/>
-        </p:nvSpPr>
-        <p:spPr>
-          <a:xfrm>
-            <a:off x="4267200" y="4171950"/>
-            <a:ext cx="876300" cy="228600"/>
-          </a:xfrm>
-          <a:prstGeom prst="leftArrow">
-            <a:avLst/>
-          </a:prstGeom>
-          <a:solidFill>
-            <a:srgbClr val="00B0F0"/>
-          </a:solidFill>
-        </p:spPr>
-        <p:style>
-          <a:lnRef idx="2">
-            <a:schemeClr val="accent1">
-              <a:shade val="50000"/>
-            </a:schemeClr>
-          </a:lnRef>
-          <a:fillRef idx="1">
-            <a:schemeClr val="accent1"/>
-          </a:fillRef>
-          <a:effectRef idx="0">
-            <a:schemeClr val="accent1"/>
-          </a:effectRef>
-          <a:fontRef idx="minor">
-            <a:schemeClr val="lt1"/>
-          </a:fontRef>
-        </p:style>
-        <p:txBody>
-          <a:bodyPr rtlCol="0" anchor="ctr"/>
-          <a:lstStyle/>
-          <a:p>
-            <a:pPr algn="ctr"/>
-            <a:endParaRPr lang="en-US"/>
-          </a:p>
-        </p:txBody>
-      </p:sp>
-      <p:sp>
-        <p:nvSpPr>
-          <p:cNvPr id="14" name="Left Arrow 13"/>
-          <p:cNvSpPr/>
-          <p:nvPr/>
-        </p:nvSpPr>
-        <p:spPr>
-          <a:xfrm>
-            <a:off x="1828801" y="4171950"/>
-            <a:ext cx="990599" cy="228600"/>
-          </a:xfrm>
-          <a:prstGeom prst="leftArrow">
-            <a:avLst/>
-          </a:prstGeom>
-          <a:solidFill>
-            <a:srgbClr val="00B0F0"/>
-          </a:solidFill>
-        </p:spPr>
-        <p:style>
-          <a:lnRef idx="2">
-            <a:schemeClr val="accent1">
-              <a:shade val="50000"/>
-            </a:schemeClr>
-          </a:lnRef>
-          <a:fillRef idx="1">
-            <a:schemeClr val="accent1"/>
-          </a:fillRef>
-          <a:effectRef idx="0">
-            <a:schemeClr val="accent1"/>
-          </a:effectRef>
-          <a:fontRef idx="minor">
-            <a:schemeClr val="lt1"/>
-          </a:fontRef>
-        </p:style>
-        <p:txBody>
-          <a:bodyPr rtlCol="0" anchor="ctr"/>
-          <a:lstStyle/>
-          <a:p>
-            <a:pPr algn="ctr"/>
-            <a:endParaRPr lang="en-US"/>
-          </a:p>
-        </p:txBody>
-      </p:sp>
-      <p:sp>
-        <p:nvSpPr>
-          <p:cNvPr id="11" name="TextBox 10"/>
-          <p:cNvSpPr txBox="1"/>
-          <p:nvPr/>
-        </p:nvSpPr>
-        <p:spPr>
-          <a:xfrm>
-            <a:off x="4099654" y="1481110"/>
-            <a:ext cx="4332316" cy="1169551"/>
-          </a:xfrm>
-          <a:prstGeom prst="rect">
-            <a:avLst/>
-          </a:prstGeom>
-          <a:noFill/>
-          <a:ln>
-            <a:solidFill>
-              <a:srgbClr val="0070C0"/>
-            </a:solidFill>
-          </a:ln>
-        </p:spPr>
-        <p:txBody>
-          <a:bodyPr wrap="square" rtlCol="0">
-            <a:spAutoFit/>
-          </a:bodyPr>
-          <a:lstStyle/>
-          <a:p>
-            <a:pPr marL="285750" indent="-285750">
-              <a:buFont typeface="Arial" charset="0"/>
-              <a:buChar char="•"/>
-            </a:pPr>
-            <a:r>
-              <a:rPr lang="en-US" sz="1400" dirty="0"/>
-              <a:t>PCE or PCC Initiated LSPs</a:t>
-            </a:r>
-          </a:p>
-          <a:p>
-            <a:pPr marL="285750" indent="-285750">
-              <a:buFont typeface="Arial" charset="0"/>
-              <a:buChar char="•"/>
-            </a:pPr>
-            <a:r>
-              <a:rPr lang="en-US" sz="1400" dirty="0"/>
-              <a:t>Association initiated by PCC or PCE</a:t>
-            </a:r>
-          </a:p>
-          <a:p>
-            <a:pPr marL="285750" indent="-285750">
-              <a:buFont typeface="Arial" charset="0"/>
-              <a:buChar char="•"/>
-            </a:pPr>
-            <a:r>
-              <a:rPr lang="en-US" sz="1400" dirty="0"/>
-              <a:t>Co-routed or non-co-routed </a:t>
-            </a:r>
-          </a:p>
-          <a:p>
-            <a:pPr marL="285750" indent="-285750">
-              <a:buFont typeface="Arial" charset="0"/>
-              <a:buChar char="•"/>
-            </a:pPr>
-            <a:r>
-              <a:rPr lang="en-US" sz="1400" dirty="0"/>
-              <a:t>Endpoint-A signals RSVP REVERSE_LSP Object in LSP1 Path message for reverse LSP2</a:t>
-            </a:r>
-          </a:p>
-        </p:txBody>
-      </p:sp>
-      <p:sp>
-        <p:nvSpPr>
-          <p:cNvPr id="15" name="Up-Down Arrow 14"/>
-          <p:cNvSpPr/>
-          <p:nvPr/>
-        </p:nvSpPr>
-        <p:spPr>
-          <a:xfrm>
-            <a:off x="1156353" y="1939074"/>
-            <a:ext cx="279401" cy="1347789"/>
-          </a:xfrm>
-          <a:prstGeom prst="upDownArrow">
-            <a:avLst/>
-          </a:prstGeom>
-          <a:solidFill>
-            <a:schemeClr val="bg2">
-              <a:lumMod val="90000"/>
-            </a:schemeClr>
-          </a:solidFill>
-        </p:spPr>
-        <p:style>
-          <a:lnRef idx="2">
-            <a:schemeClr val="accent1">
-              <a:shade val="50000"/>
-            </a:schemeClr>
-          </a:lnRef>
-          <a:fillRef idx="1">
-            <a:schemeClr val="accent1"/>
-          </a:fillRef>
-          <a:effectRef idx="0">
-            <a:schemeClr val="accent1"/>
-          </a:effectRef>
-          <a:fontRef idx="minor">
-            <a:schemeClr val="lt1"/>
-          </a:fontRef>
-        </p:style>
-        <p:txBody>
-          <a:bodyPr rtlCol="0" anchor="ctr"/>
-          <a:lstStyle/>
-          <a:p>
-            <a:pPr algn="ctr"/>
-            <a:endParaRPr lang="en-US"/>
-          </a:p>
-        </p:txBody>
-      </p:sp>
-      <p:sp>
-        <p:nvSpPr>
-          <p:cNvPr id="27" name="Up-Down Arrow 26"/>
-          <p:cNvSpPr/>
-          <p:nvPr/>
-        </p:nvSpPr>
-        <p:spPr>
-          <a:xfrm>
-            <a:off x="741017" y="1939074"/>
-            <a:ext cx="279401" cy="1347789"/>
-          </a:xfrm>
-          <a:prstGeom prst="upDownArrow">
-            <a:avLst/>
-          </a:prstGeom>
-          <a:solidFill>
-            <a:srgbClr val="00B0F0"/>
-          </a:solidFill>
-        </p:spPr>
-        <p:style>
-          <a:lnRef idx="2">
-            <a:schemeClr val="accent1">
-              <a:shade val="50000"/>
-            </a:schemeClr>
-          </a:lnRef>
-          <a:fillRef idx="1">
-            <a:schemeClr val="accent1"/>
-          </a:fillRef>
-          <a:effectRef idx="0">
-            <a:schemeClr val="accent1"/>
-          </a:effectRef>
-          <a:fontRef idx="minor">
-            <a:schemeClr val="lt1"/>
-          </a:fontRef>
-        </p:style>
-        <p:txBody>
-          <a:bodyPr rtlCol="0" anchor="ctr"/>
-          <a:lstStyle/>
-          <a:p>
-            <a:pPr algn="ctr"/>
-            <a:endParaRPr lang="en-US"/>
-          </a:p>
-        </p:txBody>
-      </p:sp>
-      <p:sp>
-        <p:nvSpPr>
-          <p:cNvPr id="16" name="Slide Number Placeholder 15">
+              <a:t> IETF @ Madrid</a:t>
+            </a:r>
+          </a:p>
+        </p:txBody>
+      </p:sp>
+      <p:sp>
+        <p:nvSpPr>
+          <p:cNvPr id="5" name="Slide Number Placeholder 4">
             <a:extLst>
               <a:ext uri="{FF2B5EF4-FFF2-40B4-BE49-F238E27FC236}">
-                <a16:creationId xmlns:a16="http://schemas.microsoft.com/office/drawing/2014/main" id="{9C456450-1AEC-4D44-93E4-EA463BDEA48B}"/>
+                <a16:creationId xmlns:a16="http://schemas.microsoft.com/office/drawing/2014/main" id="{A7AF22AD-A51B-324E-A865-AC2A0317DE20}"/>
               </a:ext>
             </a:extLst>
           </p:cNvPr>
@@ -7241,7 +6722,7 @@
     </p:spTree>
     <p:extLst>
       <p:ext uri="{BB962C8B-B14F-4D97-AF65-F5344CB8AC3E}">
-        <p14:creationId xmlns:p14="http://schemas.microsoft.com/office/powerpoint/2010/main" val="221970952"/>
+        <p14:creationId xmlns:p14="http://schemas.microsoft.com/office/powerpoint/2010/main" val="2382928015"/>
       </p:ext>
     </p:extLst>
   </p:cSld>
@@ -7270,10 +6751,10 @@
       </p:grpSpPr>
       <p:sp>
         <p:nvSpPr>
-          <p:cNvPr id="30" name="Rounded Rectangle 8">
+          <p:cNvPr id="23" name="Rounded Rectangle 8">
             <a:extLst>
               <a:ext uri="{FF2B5EF4-FFF2-40B4-BE49-F238E27FC236}">
-                <a16:creationId xmlns:a16="http://schemas.microsoft.com/office/drawing/2014/main" id="{3171483D-7117-4910-B287-15684975E95E}"/>
+                <a16:creationId xmlns:a16="http://schemas.microsoft.com/office/drawing/2014/main" id="{EA7AEFCA-8E6C-4C1F-BD56-5643E351B9A5}"/>
               </a:ext>
             </a:extLst>
           </p:cNvPr>
@@ -7282,8 +6763,8 @@
         </p:nvSpPr>
         <p:spPr>
           <a:xfrm>
-            <a:off x="7015930" y="1401771"/>
-            <a:ext cx="1716314" cy="1082354"/>
+            <a:off x="1716019" y="1621671"/>
+            <a:ext cx="1716314" cy="1747656"/>
           </a:xfrm>
           <a:prstGeom prst="roundRect">
             <a:avLst/>
@@ -7319,33 +6800,96 @@
                   <a:schemeClr val="tx2"/>
                 </a:solidFill>
               </a:rPr>
-              <a:t>Tunnel-DA</a:t>
-            </a:r>
-          </a:p>
-        </p:txBody>
-      </p:sp>
-      <p:sp>
-        <p:nvSpPr>
-          <p:cNvPr id="29" name="Rounded Rectangle 8">
-            <a:extLst>
-              <a:ext uri="{FF2B5EF4-FFF2-40B4-BE49-F238E27FC236}">
-                <a16:creationId xmlns:a16="http://schemas.microsoft.com/office/drawing/2014/main" id="{2FD1C7C1-AD22-46E0-9740-28FF7EF9A182}"/>
-              </a:ext>
-            </a:extLst>
-          </p:cNvPr>
+              <a:t>Tunnel-AD</a:t>
+            </a:r>
+          </a:p>
+        </p:txBody>
+      </p:sp>
+      <p:sp>
+        <p:nvSpPr>
+          <p:cNvPr id="2" name="Title 1"/>
+          <p:cNvSpPr>
+            <a:spLocks noGrp="1"/>
+          </p:cNvSpPr>
+          <p:nvPr>
+            <p:ph type="title"/>
+          </p:nvPr>
+        </p:nvSpPr>
+        <p:spPr>
+          <a:xfrm>
+            <a:off x="0" y="10818"/>
+            <a:ext cx="9144000" cy="788800"/>
+          </a:xfrm>
+        </p:spPr>
+        <p:txBody>
+          <a:bodyPr/>
+          <a:lstStyle/>
+          <a:p>
+            <a:r>
+              <a:rPr lang="en-US" sz="3200" dirty="0">
+                <a:solidFill>
+                  <a:srgbClr val="002060"/>
+                </a:solidFill>
+              </a:rPr>
+              <a:t>Single-sided Associated Bidirectional LSP</a:t>
+            </a:r>
+          </a:p>
+        </p:txBody>
+      </p:sp>
+      <p:sp>
+        <p:nvSpPr>
+          <p:cNvPr id="4" name="Footer Placeholder 3"/>
+          <p:cNvSpPr>
+            <a:spLocks noGrp="1"/>
+          </p:cNvSpPr>
+          <p:nvPr>
+            <p:ph type="ftr" sz="quarter" idx="11"/>
+          </p:nvPr>
+        </p:nvSpPr>
+        <p:spPr>
+          <a:xfrm>
+            <a:off x="3124200" y="4788472"/>
+            <a:ext cx="2895600" cy="357188"/>
+          </a:xfrm>
+        </p:spPr>
+        <p:txBody>
+          <a:bodyPr/>
+          <a:lstStyle/>
+          <a:p>
+            <a:pPr>
+              <a:defRPr/>
+            </a:pPr>
+            <a:r>
+              <a:rPr lang="en-US" altLang="zh-CN" dirty="0"/>
+              <a:t>108</a:t>
+            </a:r>
+            <a:r>
+              <a:rPr lang="en-US" altLang="zh-CN" baseline="30000" dirty="0"/>
+              <a:t>th</a:t>
+            </a:r>
+            <a:r>
+              <a:rPr lang="en-US" altLang="zh-CN" dirty="0"/>
+              <a:t> IETF @ Madrid</a:t>
+            </a:r>
+          </a:p>
+        </p:txBody>
+      </p:sp>
+      <p:sp>
+        <p:nvSpPr>
+          <p:cNvPr id="5" name="Rounded Rectangle 4"/>
           <p:cNvSpPr/>
           <p:nvPr/>
         </p:nvSpPr>
         <p:spPr>
           <a:xfrm>
-            <a:off x="429807" y="1403710"/>
-            <a:ext cx="1716314" cy="1082354"/>
+            <a:off x="342051" y="782490"/>
+            <a:ext cx="1447800" cy="914400"/>
           </a:xfrm>
           <a:prstGeom prst="roundRect">
             <a:avLst/>
           </a:prstGeom>
           <a:solidFill>
-            <a:schemeClr val="bg1"/>
+            <a:srgbClr val="0070C0"/>
           </a:solidFill>
         </p:spPr>
         <p:style>
@@ -7365,102 +6909,30 @@
           </a:fontRef>
         </p:style>
         <p:txBody>
-          <a:bodyPr rtlCol="0" anchor="t" anchorCtr="0"/>
+          <a:bodyPr rtlCol="0" anchor="ctr"/>
           <a:lstStyle/>
           <a:p>
             <a:pPr algn="ctr"/>
             <a:r>
-              <a:rPr lang="en-US" b="1" dirty="0">
-                <a:solidFill>
-                  <a:schemeClr val="tx2"/>
-                </a:solidFill>
-              </a:rPr>
-              <a:t>Tunnel-AD</a:t>
-            </a:r>
-          </a:p>
-        </p:txBody>
-      </p:sp>
-      <p:sp>
-        <p:nvSpPr>
-          <p:cNvPr id="2" name="Title 1"/>
-          <p:cNvSpPr>
-            <a:spLocks noGrp="1"/>
-          </p:cNvSpPr>
-          <p:nvPr>
-            <p:ph type="title"/>
-          </p:nvPr>
-        </p:nvSpPr>
-        <p:spPr>
-          <a:xfrm>
-            <a:off x="-13855" y="0"/>
-            <a:ext cx="9144000" cy="857250"/>
-          </a:xfrm>
-        </p:spPr>
-        <p:txBody>
-          <a:bodyPr/>
-          <a:lstStyle/>
-          <a:p>
-            <a:r>
-              <a:rPr lang="en-US" sz="3200" dirty="0">
-                <a:solidFill>
-                  <a:srgbClr val="002060"/>
-                </a:solidFill>
-              </a:rPr>
-              <a:t>Double-sided Associated Bidirectional LSP</a:t>
-            </a:r>
-          </a:p>
-        </p:txBody>
-      </p:sp>
-      <p:sp>
-        <p:nvSpPr>
-          <p:cNvPr id="4" name="Footer Placeholder 3"/>
-          <p:cNvSpPr>
-            <a:spLocks noGrp="1"/>
-          </p:cNvSpPr>
-          <p:nvPr>
-            <p:ph type="ftr" sz="quarter" idx="11"/>
-          </p:nvPr>
-        </p:nvSpPr>
-        <p:spPr>
-          <a:xfrm>
-            <a:off x="3124200" y="4814714"/>
-            <a:ext cx="2895600" cy="357188"/>
-          </a:xfrm>
-        </p:spPr>
-        <p:txBody>
-          <a:bodyPr/>
-          <a:lstStyle/>
-          <a:p>
-            <a:pPr>
-              <a:defRPr/>
-            </a:pPr>
-            <a:r>
-              <a:rPr lang="en-US" altLang="zh-CN" dirty="0"/>
-              <a:t>107</a:t>
-            </a:r>
-            <a:r>
-              <a:rPr lang="en-US" altLang="zh-CN" baseline="30000" dirty="0"/>
-              <a:t>th</a:t>
-            </a:r>
-            <a:r>
-              <a:rPr lang="en-US" altLang="zh-CN" dirty="0"/>
-              <a:t> IETF @ Vancouver</a:t>
-            </a:r>
-          </a:p>
-        </p:txBody>
-      </p:sp>
-      <p:sp>
-        <p:nvSpPr>
-          <p:cNvPr id="5" name="Rounded Rectangle 4"/>
+              <a:rPr lang="en-US"/>
+              <a:t>STATEFUL PCE</a:t>
+            </a:r>
+            <a:endParaRPr lang="en-US" dirty="0"/>
+          </a:p>
+        </p:txBody>
+      </p:sp>
+      <p:sp>
+        <p:nvSpPr>
+          <p:cNvPr id="3" name="Oval 2"/>
           <p:cNvSpPr/>
           <p:nvPr/>
         </p:nvSpPr>
         <p:spPr>
           <a:xfrm>
-            <a:off x="3768408" y="1030487"/>
-            <a:ext cx="1447800" cy="914400"/>
-          </a:xfrm>
-          <a:prstGeom prst="roundRect">
+            <a:off x="450850" y="3409950"/>
+            <a:ext cx="1314450" cy="1273969"/>
+          </a:xfrm>
+          <a:prstGeom prst="ellipse">
             <a:avLst/>
           </a:prstGeom>
           <a:solidFill>
@@ -7489,30 +6961,26 @@
           <a:p>
             <a:pPr algn="ctr"/>
             <a:r>
-              <a:rPr lang="en-US"/>
-              <a:t>STATEFUL PCE</a:t>
-            </a:r>
-            <a:endParaRPr lang="en-US" dirty="0"/>
-          </a:p>
-        </p:txBody>
-      </p:sp>
-      <p:sp>
-        <p:nvSpPr>
-          <p:cNvPr id="3" name="Oval 2"/>
+              <a:rPr lang="en-US" dirty="0"/>
+              <a:t>PCC End-point-A</a:t>
+            </a:r>
+          </a:p>
+        </p:txBody>
+      </p:sp>
+      <p:sp>
+        <p:nvSpPr>
+          <p:cNvPr id="22" name="Oval 21"/>
           <p:cNvSpPr/>
           <p:nvPr/>
         </p:nvSpPr>
         <p:spPr>
           <a:xfrm>
-            <a:off x="487364" y="3449929"/>
-            <a:ext cx="1314450" cy="1273969"/>
+            <a:off x="7391400" y="3409950"/>
+            <a:ext cx="1295400" cy="1261267"/>
           </a:xfrm>
           <a:prstGeom prst="ellipse">
             <a:avLst/>
           </a:prstGeom>
-          <a:solidFill>
-            <a:srgbClr val="0070C0"/>
-          </a:solidFill>
         </p:spPr>
         <p:style>
           <a:lnRef idx="2">
@@ -7537,28 +7005,25 @@
             <a:pPr algn="ctr"/>
             <a:r>
               <a:rPr lang="en-US" dirty="0"/>
-              <a:t>PCC End-point-A</a:t>
-            </a:r>
-          </a:p>
-        </p:txBody>
-      </p:sp>
-      <p:sp>
-        <p:nvSpPr>
-          <p:cNvPr id="22" name="Oval 21"/>
+              <a:t>End-point-D</a:t>
+            </a:r>
+          </a:p>
+        </p:txBody>
+      </p:sp>
+      <p:sp>
+        <p:nvSpPr>
+          <p:cNvPr id="24" name="Oval 23"/>
           <p:cNvSpPr/>
           <p:nvPr/>
         </p:nvSpPr>
         <p:spPr>
           <a:xfrm>
-            <a:off x="7427914" y="3449929"/>
-            <a:ext cx="1295400" cy="1261267"/>
+            <a:off x="2908300" y="3422650"/>
+            <a:ext cx="1308100" cy="1261269"/>
           </a:xfrm>
           <a:prstGeom prst="ellipse">
             <a:avLst/>
           </a:prstGeom>
-          <a:solidFill>
-            <a:srgbClr val="0070C0"/>
-          </a:solidFill>
         </p:spPr>
         <p:style>
           <a:lnRef idx="2">
@@ -7583,21 +7048,21 @@
             <a:pPr algn="ctr"/>
             <a:r>
               <a:rPr lang="en-US" dirty="0"/>
-              <a:t>PCC End-point-D</a:t>
-            </a:r>
-          </a:p>
-        </p:txBody>
-      </p:sp>
-      <p:sp>
-        <p:nvSpPr>
-          <p:cNvPr id="24" name="Oval 23"/>
+              <a:t>Node-B</a:t>
+            </a:r>
+          </a:p>
+        </p:txBody>
+      </p:sp>
+      <p:sp>
+        <p:nvSpPr>
+          <p:cNvPr id="25" name="Oval 24"/>
           <p:cNvSpPr/>
           <p:nvPr/>
         </p:nvSpPr>
         <p:spPr>
           <a:xfrm>
-            <a:off x="2944814" y="3462629"/>
-            <a:ext cx="1308100" cy="1261269"/>
+            <a:off x="5207000" y="3409951"/>
+            <a:ext cx="1270000" cy="1261268"/>
           </a:xfrm>
           <a:prstGeom prst="ellipse">
             <a:avLst/>
@@ -7626,25 +7091,30 @@
             <a:pPr algn="ctr"/>
             <a:r>
               <a:rPr lang="en-US" dirty="0"/>
-              <a:t>Node-B</a:t>
-            </a:r>
-          </a:p>
-        </p:txBody>
-      </p:sp>
-      <p:sp>
-        <p:nvSpPr>
-          <p:cNvPr id="25" name="Oval 24"/>
+              <a:t>Node-C</a:t>
+            </a:r>
+          </a:p>
+        </p:txBody>
+      </p:sp>
+      <p:sp>
+        <p:nvSpPr>
+          <p:cNvPr id="9" name="Rounded Rectangle 8"/>
           <p:cNvSpPr/>
           <p:nvPr/>
         </p:nvSpPr>
         <p:spPr>
           <a:xfrm>
-            <a:off x="5243514" y="3449930"/>
-            <a:ext cx="1270000" cy="1261268"/>
-          </a:xfrm>
-          <a:prstGeom prst="ellipse">
+            <a:off x="1812176" y="2067197"/>
+            <a:ext cx="1524000" cy="533400"/>
+          </a:xfrm>
+          <a:prstGeom prst="roundRect">
             <a:avLst/>
           </a:prstGeom>
+          <a:solidFill>
+            <a:schemeClr val="bg2">
+              <a:lumMod val="90000"/>
+            </a:schemeClr>
+          </a:solidFill>
         </p:spPr>
         <p:style>
           <a:lnRef idx="2">
@@ -7669,30 +7139,36 @@
             <a:pPr algn="ctr"/>
             <a:r>
               <a:rPr lang="en-US" dirty="0"/>
-              <a:t>Node-C</a:t>
-            </a:r>
-          </a:p>
-        </p:txBody>
-      </p:sp>
-      <p:sp>
-        <p:nvSpPr>
-          <p:cNvPr id="9" name="Rounded Rectangle 8"/>
+              <a:t>LSP1 (F,C)</a:t>
+            </a:r>
+          </a:p>
+        </p:txBody>
+      </p:sp>
+      <p:sp>
+        <p:nvSpPr>
+          <p:cNvPr id="10" name="Rounded Rectangle 9"/>
           <p:cNvSpPr/>
           <p:nvPr/>
         </p:nvSpPr>
         <p:spPr>
           <a:xfrm>
-            <a:off x="550225" y="1826405"/>
+            <a:off x="1812176" y="2728873"/>
             <a:ext cx="1524000" cy="533400"/>
           </a:xfrm>
           <a:prstGeom prst="roundRect">
             <a:avLst/>
           </a:prstGeom>
           <a:solidFill>
-            <a:schemeClr val="bg2">
-              <a:lumMod val="90000"/>
-            </a:schemeClr>
+            <a:srgbClr val="00B0F0"/>
           </a:solidFill>
+          <a:ln>
+            <a:solidFill>
+              <a:schemeClr val="accent1">
+                <a:lumMod val="60000"/>
+                <a:lumOff val="40000"/>
+              </a:schemeClr>
+            </a:solidFill>
+          </a:ln>
         </p:spPr>
         <p:style>
           <a:lnRef idx="2">
@@ -7717,36 +7193,30 @@
             <a:pPr algn="ctr"/>
             <a:r>
               <a:rPr lang="en-US" dirty="0"/>
-              <a:t>LSP1 (F,C)</a:t>
-            </a:r>
-          </a:p>
-        </p:txBody>
-      </p:sp>
-      <p:sp>
-        <p:nvSpPr>
-          <p:cNvPr id="10" name="Rounded Rectangle 9"/>
+              <a:t>LSP2 (R,C)</a:t>
+            </a:r>
+          </a:p>
+        </p:txBody>
+      </p:sp>
+      <p:sp>
+        <p:nvSpPr>
+          <p:cNvPr id="6" name="Right Arrow 5"/>
           <p:cNvSpPr/>
           <p:nvPr/>
         </p:nvSpPr>
         <p:spPr>
           <a:xfrm>
-            <a:off x="7110173" y="1824466"/>
-            <a:ext cx="1524000" cy="533400"/>
-          </a:xfrm>
-          <a:prstGeom prst="roundRect">
+            <a:off x="1841500" y="3743325"/>
+            <a:ext cx="990600" cy="276225"/>
+          </a:xfrm>
+          <a:prstGeom prst="rightArrow">
             <a:avLst/>
           </a:prstGeom>
           <a:solidFill>
-            <a:srgbClr val="00B0F0"/>
+            <a:schemeClr val="bg2">
+              <a:lumMod val="90000"/>
+            </a:schemeClr>
           </a:solidFill>
-          <a:ln>
-            <a:solidFill>
-              <a:schemeClr val="accent1">
-                <a:lumMod val="60000"/>
-                <a:lumOff val="40000"/>
-              </a:schemeClr>
-            </a:solidFill>
-          </a:ln>
         </p:spPr>
         <p:style>
           <a:lnRef idx="2">
@@ -7769,23 +7239,20 @@
           <a:lstStyle/>
           <a:p>
             <a:pPr algn="ctr"/>
-            <a:r>
-              <a:rPr lang="en-US" dirty="0"/>
-              <a:t>LSP2 (F,C)</a:t>
-            </a:r>
-          </a:p>
-        </p:txBody>
-      </p:sp>
-      <p:sp>
-        <p:nvSpPr>
-          <p:cNvPr id="6" name="Right Arrow 5"/>
+            <a:endParaRPr lang="en-US"/>
+          </a:p>
+        </p:txBody>
+      </p:sp>
+      <p:sp>
+        <p:nvSpPr>
+          <p:cNvPr id="7" name="Right Arrow 6"/>
           <p:cNvSpPr/>
           <p:nvPr/>
         </p:nvSpPr>
         <p:spPr>
           <a:xfrm>
-            <a:off x="1878014" y="3783303"/>
-            <a:ext cx="990600" cy="276225"/>
+            <a:off x="4318000" y="3738960"/>
+            <a:ext cx="825500" cy="280590"/>
           </a:xfrm>
           <a:prstGeom prst="rightArrow">
             <a:avLst/>
@@ -7823,14 +7290,14 @@
       </p:sp>
       <p:sp>
         <p:nvSpPr>
-          <p:cNvPr id="7" name="Right Arrow 6"/>
+          <p:cNvPr id="8" name="Right Arrow 7"/>
           <p:cNvSpPr/>
           <p:nvPr/>
         </p:nvSpPr>
         <p:spPr>
           <a:xfrm>
-            <a:off x="4354514" y="3778938"/>
-            <a:ext cx="825500" cy="280589"/>
+            <a:off x="6564086" y="3738960"/>
+            <a:ext cx="762000" cy="280590"/>
           </a:xfrm>
           <a:prstGeom prst="rightArrow">
             <a:avLst/>
@@ -7868,22 +7335,20 @@
       </p:sp>
       <p:sp>
         <p:nvSpPr>
-          <p:cNvPr id="8" name="Right Arrow 7"/>
+          <p:cNvPr id="12" name="Left Arrow 11"/>
           <p:cNvSpPr/>
           <p:nvPr/>
         </p:nvSpPr>
         <p:spPr>
           <a:xfrm>
-            <a:off x="6577014" y="3778939"/>
-            <a:ext cx="762000" cy="280588"/>
-          </a:xfrm>
-          <a:prstGeom prst="rightArrow">
+            <a:off x="6502400" y="4171950"/>
+            <a:ext cx="838200" cy="228600"/>
+          </a:xfrm>
+          <a:prstGeom prst="leftArrow">
             <a:avLst/>
           </a:prstGeom>
           <a:solidFill>
-            <a:schemeClr val="bg2">
-              <a:lumMod val="90000"/>
-            </a:schemeClr>
+            <a:srgbClr val="00B0F0"/>
           </a:solidFill>
         </p:spPr>
         <p:style>
@@ -7913,14 +7378,14 @@
       </p:sp>
       <p:sp>
         <p:nvSpPr>
-          <p:cNvPr id="12" name="Left Arrow 11"/>
+          <p:cNvPr id="13" name="Left Arrow 12"/>
           <p:cNvSpPr/>
           <p:nvPr/>
         </p:nvSpPr>
         <p:spPr>
           <a:xfrm>
-            <a:off x="6538914" y="4258249"/>
-            <a:ext cx="838200" cy="258480"/>
+            <a:off x="4267200" y="4171950"/>
+            <a:ext cx="876300" cy="228600"/>
           </a:xfrm>
           <a:prstGeom prst="leftArrow">
             <a:avLst/>
@@ -7956,14 +7421,14 @@
       </p:sp>
       <p:sp>
         <p:nvSpPr>
-          <p:cNvPr id="13" name="Left Arrow 12"/>
+          <p:cNvPr id="14" name="Left Arrow 13"/>
           <p:cNvSpPr/>
           <p:nvPr/>
         </p:nvSpPr>
         <p:spPr>
           <a:xfrm>
-            <a:off x="4303714" y="4258249"/>
-            <a:ext cx="876300" cy="258480"/>
+            <a:off x="1828801" y="4171950"/>
+            <a:ext cx="990599" cy="228600"/>
           </a:xfrm>
           <a:prstGeom prst="leftArrow">
             <a:avLst/>
@@ -7999,20 +7464,90 @@
       </p:sp>
       <p:sp>
         <p:nvSpPr>
-          <p:cNvPr id="14" name="Left Arrow 13"/>
+          <p:cNvPr id="11" name="TextBox 10"/>
+          <p:cNvSpPr txBox="1"/>
+          <p:nvPr/>
+        </p:nvSpPr>
+        <p:spPr>
+          <a:xfrm>
+            <a:off x="4099654" y="1481110"/>
+            <a:ext cx="4332316" cy="1169551"/>
+          </a:xfrm>
+          <a:prstGeom prst="rect">
+            <a:avLst/>
+          </a:prstGeom>
+          <a:noFill/>
+          <a:ln>
+            <a:solidFill>
+              <a:srgbClr val="0070C0"/>
+            </a:solidFill>
+          </a:ln>
+        </p:spPr>
+        <p:txBody>
+          <a:bodyPr wrap="square" rtlCol="0">
+            <a:spAutoFit/>
+          </a:bodyPr>
+          <a:lstStyle/>
+          <a:p>
+            <a:pPr marL="285750" indent="-285750">
+              <a:buFont typeface="Arial" charset="0"/>
+              <a:buChar char="•"/>
+            </a:pPr>
+            <a:r>
+              <a:rPr lang="en-US" sz="1400" dirty="0"/>
+              <a:t>PCE or PCC Initiated LSPs</a:t>
+            </a:r>
+          </a:p>
+          <a:p>
+            <a:pPr marL="285750" indent="-285750">
+              <a:buFont typeface="Arial" charset="0"/>
+              <a:buChar char="•"/>
+            </a:pPr>
+            <a:r>
+              <a:rPr lang="en-US" sz="1400" dirty="0"/>
+              <a:t>Association initiated by PCC or PCE</a:t>
+            </a:r>
+          </a:p>
+          <a:p>
+            <a:pPr marL="285750" indent="-285750">
+              <a:buFont typeface="Arial" charset="0"/>
+              <a:buChar char="•"/>
+            </a:pPr>
+            <a:r>
+              <a:rPr lang="en-US" sz="1400" dirty="0"/>
+              <a:t>Co-routed or non-co-routed </a:t>
+            </a:r>
+          </a:p>
+          <a:p>
+            <a:pPr marL="285750" indent="-285750">
+              <a:buFont typeface="Arial" charset="0"/>
+              <a:buChar char="•"/>
+            </a:pPr>
+            <a:r>
+              <a:rPr lang="en-US" sz="1400" dirty="0"/>
+              <a:t>Endpoint-A signals RSVP REVERSE_LSP Object in LSP1 Path message for reverse LSP2</a:t>
+            </a:r>
+          </a:p>
+        </p:txBody>
+      </p:sp>
+      <p:sp>
+        <p:nvSpPr>
+          <p:cNvPr id="15" name="Up-Down Arrow 14"/>
           <p:cNvSpPr/>
           <p:nvPr/>
         </p:nvSpPr>
         <p:spPr>
           <a:xfrm>
-            <a:off x="1865315" y="4258249"/>
-            <a:ext cx="990599" cy="258480"/>
-          </a:xfrm>
-          <a:prstGeom prst="leftArrow">
+            <a:off x="1156353" y="1939074"/>
+            <a:ext cx="279401" cy="1347789"/>
+          </a:xfrm>
+          <a:prstGeom prst="upDownArrow">
             <a:avLst/>
           </a:prstGeom>
           <a:solidFill>
-            <a:srgbClr val="00B0F0"/>
+            <a:schemeClr val="bg2">
+              <a:lumMod val="90000"/>
+            </a:schemeClr>
           </a:solidFill>
         </p:spPr>
         <p:style>
@@ -8042,144 +7577,53 @@
       </p:sp>
       <p:sp>
         <p:nvSpPr>
-          <p:cNvPr id="27" name="TextBox 26"/>
-          <p:cNvSpPr txBox="1"/>
+          <p:cNvPr id="27" name="Up-Down Arrow 26"/>
+          <p:cNvSpPr/>
           <p:nvPr/>
         </p:nvSpPr>
         <p:spPr>
           <a:xfrm>
-            <a:off x="2830776" y="2551587"/>
-            <a:ext cx="3394701" cy="738664"/>
-          </a:xfrm>
-          <a:prstGeom prst="rect">
+            <a:off x="741017" y="1939074"/>
+            <a:ext cx="279401" cy="1347789"/>
+          </a:xfrm>
+          <a:prstGeom prst="upDownArrow">
             <a:avLst/>
           </a:prstGeom>
-          <a:noFill/>
-          <a:ln>
-            <a:solidFill>
-              <a:srgbClr val="92D050"/>
-            </a:solidFill>
-          </a:ln>
-        </p:spPr>
-        <p:txBody>
-          <a:bodyPr wrap="square" rtlCol="0">
-            <a:spAutoFit/>
-          </a:bodyPr>
-          <a:lstStyle/>
-          <a:p>
-            <a:pPr marL="285750" indent="-285750">
-              <a:buFont typeface="Arial" charset="0"/>
-              <a:buChar char="•"/>
-            </a:pPr>
-            <a:r>
-              <a:rPr lang="en-US" sz="1400" dirty="0"/>
-              <a:t>PCE or PCC Initiated LSPs</a:t>
-            </a:r>
-          </a:p>
-          <a:p>
-            <a:pPr marL="285750" indent="-285750">
-              <a:buFont typeface="Arial" charset="0"/>
-              <a:buChar char="•"/>
-            </a:pPr>
-            <a:r>
-              <a:rPr lang="en-US" sz="1400" dirty="0"/>
-              <a:t>Association initiated by PCE or PCC</a:t>
-            </a:r>
-          </a:p>
-          <a:p>
-            <a:pPr marL="285750" indent="-285750">
-              <a:buFont typeface="Arial" charset="0"/>
-              <a:buChar char="•"/>
-            </a:pPr>
-            <a:r>
-              <a:rPr lang="en-US" sz="1400" dirty="0"/>
-              <a:t>Co-routed or non-co-routed </a:t>
-            </a:r>
-          </a:p>
-        </p:txBody>
-      </p:sp>
-      <p:cxnSp>
-        <p:nvCxnSpPr>
-          <p:cNvPr id="21" name="Straight Arrow Connector 20"/>
-          <p:cNvCxnSpPr/>
-          <p:nvPr/>
-        </p:nvCxnSpPr>
-        <p:spPr>
-          <a:xfrm flipH="1">
-            <a:off x="1400263" y="1598825"/>
-            <a:ext cx="2310900" cy="1839722"/>
-          </a:xfrm>
-          <a:prstGeom prst="straightConnector1">
-            <a:avLst/>
-          </a:prstGeom>
-          <a:ln w="104775">
-            <a:solidFill>
-              <a:schemeClr val="bg2">
-                <a:lumMod val="90000"/>
-              </a:schemeClr>
-            </a:solidFill>
-            <a:headEnd type="triangle"/>
-            <a:tailEnd type="triangle"/>
-          </a:ln>
+          <a:solidFill>
+            <a:srgbClr val="00B0F0"/>
+          </a:solidFill>
         </p:spPr>
         <p:style>
-          <a:lnRef idx="1">
-            <a:schemeClr val="accent1"/>
+          <a:lnRef idx="2">
+            <a:schemeClr val="accent1">
+              <a:shade val="50000"/>
+            </a:schemeClr>
           </a:lnRef>
-          <a:fillRef idx="0">
+          <a:fillRef idx="1">
             <a:schemeClr val="accent1"/>
           </a:fillRef>
           <a:effectRef idx="0">
             <a:schemeClr val="accent1"/>
           </a:effectRef>
           <a:fontRef idx="minor">
-            <a:schemeClr val="tx1"/>
+            <a:schemeClr val="lt1"/>
           </a:fontRef>
         </p:style>
-      </p:cxnSp>
-      <p:cxnSp>
-        <p:nvCxnSpPr>
-          <p:cNvPr id="23" name="Straight Arrow Connector 22"/>
-          <p:cNvCxnSpPr/>
-          <p:nvPr/>
-        </p:nvCxnSpPr>
-        <p:spPr>
-          <a:xfrm>
-            <a:off x="5273453" y="1600709"/>
-            <a:ext cx="2457450" cy="1869833"/>
-          </a:xfrm>
-          <a:prstGeom prst="straightConnector1">
-            <a:avLst/>
-          </a:prstGeom>
-          <a:ln w="104775">
-            <a:solidFill>
-              <a:srgbClr val="00B0F0"/>
-            </a:solidFill>
-            <a:headEnd type="triangle"/>
-            <a:tailEnd type="triangle"/>
-          </a:ln>
-        </p:spPr>
-        <p:style>
-          <a:lnRef idx="1">
-            <a:schemeClr val="accent1"/>
-          </a:lnRef>
-          <a:fillRef idx="0">
-            <a:schemeClr val="accent1"/>
-          </a:fillRef>
-          <a:effectRef idx="0">
-            <a:schemeClr val="accent1"/>
-          </a:effectRef>
-          <a:fontRef idx="minor">
-            <a:schemeClr val="tx1"/>
-          </a:fontRef>
-        </p:style>
-      </p:cxnSp>
-      <p:sp>
-        <p:nvSpPr>
-          <p:cNvPr id="15" name="Slide Number Placeholder 14">
+        <p:txBody>
+          <a:bodyPr rtlCol="0" anchor="ctr"/>
+          <a:lstStyle/>
+          <a:p>
+            <a:pPr algn="ctr"/>
+            <a:endParaRPr lang="en-US"/>
+          </a:p>
+        </p:txBody>
+      </p:sp>
+      <p:sp>
+        <p:nvSpPr>
+          <p:cNvPr id="16" name="Slide Number Placeholder 15">
             <a:extLst>
               <a:ext uri="{FF2B5EF4-FFF2-40B4-BE49-F238E27FC236}">
-                <a16:creationId xmlns:a16="http://schemas.microsoft.com/office/drawing/2014/main" id="{42E72163-82DD-1F4E-AA6D-DCB5AF070DA1}"/>
+                <a16:creationId xmlns:a16="http://schemas.microsoft.com/office/drawing/2014/main" id="{9C456450-1AEC-4D44-93E4-EA463BDEA48B}"/>
               </a:ext>
             </a:extLst>
           </p:cNvPr>
@@ -8212,7 +7656,7 @@
     </p:spTree>
     <p:extLst>
       <p:ext uri="{BB962C8B-B14F-4D97-AF65-F5344CB8AC3E}">
-        <p14:creationId xmlns:p14="http://schemas.microsoft.com/office/powerpoint/2010/main" val="180112679"/>
+        <p14:creationId xmlns:p14="http://schemas.microsoft.com/office/powerpoint/2010/main" val="221970952"/>
       </p:ext>
     </p:extLst>
   </p:cSld>
@@ -8241,6 +7685,118 @@
       </p:grpSpPr>
       <p:sp>
         <p:nvSpPr>
+          <p:cNvPr id="30" name="Rounded Rectangle 8">
+            <a:extLst>
+              <a:ext uri="{FF2B5EF4-FFF2-40B4-BE49-F238E27FC236}">
+                <a16:creationId xmlns:a16="http://schemas.microsoft.com/office/drawing/2014/main" id="{3171483D-7117-4910-B287-15684975E95E}"/>
+              </a:ext>
+            </a:extLst>
+          </p:cNvPr>
+          <p:cNvSpPr/>
+          <p:nvPr/>
+        </p:nvSpPr>
+        <p:spPr>
+          <a:xfrm>
+            <a:off x="7015930" y="1401771"/>
+            <a:ext cx="1716314" cy="1082354"/>
+          </a:xfrm>
+          <a:prstGeom prst="roundRect">
+            <a:avLst/>
+          </a:prstGeom>
+          <a:solidFill>
+            <a:schemeClr val="bg1"/>
+          </a:solidFill>
+        </p:spPr>
+        <p:style>
+          <a:lnRef idx="2">
+            <a:schemeClr val="accent1">
+              <a:shade val="50000"/>
+            </a:schemeClr>
+          </a:lnRef>
+          <a:fillRef idx="1">
+            <a:schemeClr val="accent1"/>
+          </a:fillRef>
+          <a:effectRef idx="0">
+            <a:schemeClr val="accent1"/>
+          </a:effectRef>
+          <a:fontRef idx="minor">
+            <a:schemeClr val="lt1"/>
+          </a:fontRef>
+        </p:style>
+        <p:txBody>
+          <a:bodyPr rtlCol="0" anchor="t" anchorCtr="0"/>
+          <a:lstStyle/>
+          <a:p>
+            <a:pPr algn="ctr"/>
+            <a:r>
+              <a:rPr lang="en-US" b="1" dirty="0">
+                <a:solidFill>
+                  <a:schemeClr val="tx2"/>
+                </a:solidFill>
+              </a:rPr>
+              <a:t>Tunnel-DA</a:t>
+            </a:r>
+          </a:p>
+        </p:txBody>
+      </p:sp>
+      <p:sp>
+        <p:nvSpPr>
+          <p:cNvPr id="29" name="Rounded Rectangle 8">
+            <a:extLst>
+              <a:ext uri="{FF2B5EF4-FFF2-40B4-BE49-F238E27FC236}">
+                <a16:creationId xmlns:a16="http://schemas.microsoft.com/office/drawing/2014/main" id="{2FD1C7C1-AD22-46E0-9740-28FF7EF9A182}"/>
+              </a:ext>
+            </a:extLst>
+          </p:cNvPr>
+          <p:cNvSpPr/>
+          <p:nvPr/>
+        </p:nvSpPr>
+        <p:spPr>
+          <a:xfrm>
+            <a:off x="429807" y="1403710"/>
+            <a:ext cx="1716314" cy="1082354"/>
+          </a:xfrm>
+          <a:prstGeom prst="roundRect">
+            <a:avLst/>
+          </a:prstGeom>
+          <a:solidFill>
+            <a:schemeClr val="bg1"/>
+          </a:solidFill>
+        </p:spPr>
+        <p:style>
+          <a:lnRef idx="2">
+            <a:schemeClr val="accent1">
+              <a:shade val="50000"/>
+            </a:schemeClr>
+          </a:lnRef>
+          <a:fillRef idx="1">
+            <a:schemeClr val="accent1"/>
+          </a:fillRef>
+          <a:effectRef idx="0">
+            <a:schemeClr val="accent1"/>
+          </a:effectRef>
+          <a:fontRef idx="minor">
+            <a:schemeClr val="lt1"/>
+          </a:fontRef>
+        </p:style>
+        <p:txBody>
+          <a:bodyPr rtlCol="0" anchor="t" anchorCtr="0"/>
+          <a:lstStyle/>
+          <a:p>
+            <a:pPr algn="ctr"/>
+            <a:r>
+              <a:rPr lang="en-US" b="1" dirty="0">
+                <a:solidFill>
+                  <a:schemeClr val="tx2"/>
+                </a:solidFill>
+              </a:rPr>
+              <a:t>Tunnel-AD</a:t>
+            </a:r>
+          </a:p>
+        </p:txBody>
+      </p:sp>
+      <p:sp>
+        <p:nvSpPr>
           <p:cNvPr id="2" name="Title 1"/>
           <p:cNvSpPr>
             <a:spLocks noGrp="1"/>
@@ -8251,8 +7807,8 @@
         </p:nvSpPr>
         <p:spPr>
           <a:xfrm>
-            <a:off x="457200" y="3810"/>
-            <a:ext cx="8229600" cy="857250"/>
+            <a:off x="-13855" y="0"/>
+            <a:ext cx="9144000" cy="857250"/>
           </a:xfrm>
         </p:spPr>
         <p:txBody>
@@ -8260,105 +7816,29 @@
           <a:lstStyle/>
           <a:p>
             <a:r>
-              <a:rPr lang="en-US" sz="3600" dirty="0">
+              <a:rPr lang="en-US" sz="3200" dirty="0">
                 <a:solidFill>
                   <a:srgbClr val="002060"/>
                 </a:solidFill>
               </a:rPr>
-              <a:t>PCEP Association Object</a:t>
-            </a:r>
-          </a:p>
-        </p:txBody>
-      </p:sp>
-      <p:sp>
-        <p:nvSpPr>
-          <p:cNvPr id="3" name="Content Placeholder 2"/>
+              <a:t>Double-sided Associated Bidirectional LSP</a:t>
+            </a:r>
+          </a:p>
+        </p:txBody>
+      </p:sp>
+      <p:sp>
+        <p:nvSpPr>
+          <p:cNvPr id="4" name="Footer Placeholder 3"/>
           <p:cNvSpPr>
             <a:spLocks noGrp="1"/>
           </p:cNvSpPr>
           <p:nvPr>
-            <p:ph idx="1"/>
+            <p:ph type="ftr" sz="quarter" idx="11"/>
           </p:nvPr>
         </p:nvSpPr>
         <p:spPr>
           <a:xfrm>
-            <a:off x="304800" y="971551"/>
-            <a:ext cx="8458200" cy="3124200"/>
-          </a:xfrm>
-        </p:spPr>
-        <p:txBody>
-          <a:bodyPr/>
-          <a:lstStyle/>
-          <a:p>
-            <a:pPr>
-              <a:spcBef>
-                <a:spcPts val="600"/>
-              </a:spcBef>
-            </a:pPr>
-            <a:r>
-              <a:rPr lang="en-US" sz="1800" dirty="0"/>
-              <a:t>Association Type (TBD1) = Single-sided Bidirectional LSP Association Group</a:t>
-            </a:r>
-          </a:p>
-          <a:p>
-            <a:pPr>
-              <a:spcBef>
-                <a:spcPts val="600"/>
-              </a:spcBef>
-            </a:pPr>
-            <a:r>
-              <a:rPr lang="en-US" sz="1800" dirty="0"/>
-              <a:t>Association Type (TBD2) = Double-sided Bidirectional LSP Association Group</a:t>
-            </a:r>
-          </a:p>
-          <a:p>
-            <a:pPr>
-              <a:spcBef>
-                <a:spcPts val="600"/>
-              </a:spcBef>
-            </a:pPr>
-            <a:r>
-              <a:rPr lang="en-US" sz="1800" dirty="0"/>
-              <a:t>The Association ID, Association Source, Global Association Source and Extended Association ID in the Association Object of the bidirectional LSPs are populated using the procedures defined in [RFC7551].</a:t>
-            </a:r>
-          </a:p>
-          <a:p>
-            <a:pPr>
-              <a:spcBef>
-                <a:spcPts val="600"/>
-              </a:spcBef>
-            </a:pPr>
-            <a:r>
-              <a:rPr lang="en-US" sz="1800" dirty="0"/>
-              <a:t>These Association Types are operator-configured associations. </a:t>
-            </a:r>
-          </a:p>
-          <a:p>
-            <a:pPr lvl="1">
-              <a:spcBef>
-                <a:spcPts val="600"/>
-              </a:spcBef>
-            </a:pPr>
-            <a:r>
-              <a:rPr lang="en-US" sz="1800" dirty="0"/>
-              <a:t>Operator-configured Association Range TLV (Type 29) SHOULD NOT be sent, so that the entire range of association ID can be used.</a:t>
-            </a:r>
-          </a:p>
-        </p:txBody>
-      </p:sp>
-      <p:sp>
-        <p:nvSpPr>
-          <p:cNvPr id="4" name="Footer Placeholder 3"/>
-          <p:cNvSpPr>
-            <a:spLocks noGrp="1"/>
-          </p:cNvSpPr>
-          <p:nvPr>
-            <p:ph type="ftr" sz="quarter" idx="11"/>
-          </p:nvPr>
-        </p:nvSpPr>
-        <p:spPr>
-          <a:xfrm>
-            <a:off x="3124200" y="4782502"/>
+            <a:off x="3124200" y="4814714"/>
             <a:ext cx="2895600" cy="357188"/>
           </a:xfrm>
         </p:spPr>
@@ -8371,7 +7851,7 @@
             </a:pPr>
             <a:r>
               <a:rPr lang="en-US" altLang="zh-CN" dirty="0"/>
-              <a:t>107</a:t>
+              <a:t>108</a:t>
             </a:r>
             <a:r>
               <a:rPr lang="en-US" altLang="zh-CN" baseline="30000" dirty="0"/>
@@ -8379,17 +7859,742 @@
             </a:r>
             <a:r>
               <a:rPr lang="en-US" altLang="zh-CN" dirty="0"/>
-              <a:t> IETF @ Vancouver</a:t>
-            </a:r>
-          </a:p>
-        </p:txBody>
-      </p:sp>
-      <p:sp>
-        <p:nvSpPr>
-          <p:cNvPr id="5" name="Slide Number Placeholder 4">
+              <a:t> IETF @ Madrid</a:t>
+            </a:r>
+          </a:p>
+        </p:txBody>
+      </p:sp>
+      <p:sp>
+        <p:nvSpPr>
+          <p:cNvPr id="5" name="Rounded Rectangle 4"/>
+          <p:cNvSpPr/>
+          <p:nvPr/>
+        </p:nvSpPr>
+        <p:spPr>
+          <a:xfrm>
+            <a:off x="3768408" y="1030487"/>
+            <a:ext cx="1447800" cy="914400"/>
+          </a:xfrm>
+          <a:prstGeom prst="roundRect">
+            <a:avLst/>
+          </a:prstGeom>
+          <a:solidFill>
+            <a:srgbClr val="0070C0"/>
+          </a:solidFill>
+        </p:spPr>
+        <p:style>
+          <a:lnRef idx="2">
+            <a:schemeClr val="accent1">
+              <a:shade val="50000"/>
+            </a:schemeClr>
+          </a:lnRef>
+          <a:fillRef idx="1">
+            <a:schemeClr val="accent1"/>
+          </a:fillRef>
+          <a:effectRef idx="0">
+            <a:schemeClr val="accent1"/>
+          </a:effectRef>
+          <a:fontRef idx="minor">
+            <a:schemeClr val="lt1"/>
+          </a:fontRef>
+        </p:style>
+        <p:txBody>
+          <a:bodyPr rtlCol="0" anchor="ctr"/>
+          <a:lstStyle/>
+          <a:p>
+            <a:pPr algn="ctr"/>
+            <a:r>
+              <a:rPr lang="en-US"/>
+              <a:t>STATEFUL PCE</a:t>
+            </a:r>
+            <a:endParaRPr lang="en-US" dirty="0"/>
+          </a:p>
+        </p:txBody>
+      </p:sp>
+      <p:sp>
+        <p:nvSpPr>
+          <p:cNvPr id="3" name="Oval 2"/>
+          <p:cNvSpPr/>
+          <p:nvPr/>
+        </p:nvSpPr>
+        <p:spPr>
+          <a:xfrm>
+            <a:off x="487364" y="3449929"/>
+            <a:ext cx="1314450" cy="1273969"/>
+          </a:xfrm>
+          <a:prstGeom prst="ellipse">
+            <a:avLst/>
+          </a:prstGeom>
+          <a:solidFill>
+            <a:srgbClr val="0070C0"/>
+          </a:solidFill>
+        </p:spPr>
+        <p:style>
+          <a:lnRef idx="2">
+            <a:schemeClr val="accent1">
+              <a:shade val="50000"/>
+            </a:schemeClr>
+          </a:lnRef>
+          <a:fillRef idx="1">
+            <a:schemeClr val="accent1"/>
+          </a:fillRef>
+          <a:effectRef idx="0">
+            <a:schemeClr val="accent1"/>
+          </a:effectRef>
+          <a:fontRef idx="minor">
+            <a:schemeClr val="lt1"/>
+          </a:fontRef>
+        </p:style>
+        <p:txBody>
+          <a:bodyPr rtlCol="0" anchor="ctr"/>
+          <a:lstStyle/>
+          <a:p>
+            <a:pPr algn="ctr"/>
+            <a:r>
+              <a:rPr lang="en-US" dirty="0"/>
+              <a:t>PCC End-point-A</a:t>
+            </a:r>
+          </a:p>
+        </p:txBody>
+      </p:sp>
+      <p:sp>
+        <p:nvSpPr>
+          <p:cNvPr id="22" name="Oval 21"/>
+          <p:cNvSpPr/>
+          <p:nvPr/>
+        </p:nvSpPr>
+        <p:spPr>
+          <a:xfrm>
+            <a:off x="7427914" y="3449929"/>
+            <a:ext cx="1295400" cy="1261267"/>
+          </a:xfrm>
+          <a:prstGeom prst="ellipse">
+            <a:avLst/>
+          </a:prstGeom>
+          <a:solidFill>
+            <a:srgbClr val="0070C0"/>
+          </a:solidFill>
+        </p:spPr>
+        <p:style>
+          <a:lnRef idx="2">
+            <a:schemeClr val="accent1">
+              <a:shade val="50000"/>
+            </a:schemeClr>
+          </a:lnRef>
+          <a:fillRef idx="1">
+            <a:schemeClr val="accent1"/>
+          </a:fillRef>
+          <a:effectRef idx="0">
+            <a:schemeClr val="accent1"/>
+          </a:effectRef>
+          <a:fontRef idx="minor">
+            <a:schemeClr val="lt1"/>
+          </a:fontRef>
+        </p:style>
+        <p:txBody>
+          <a:bodyPr rtlCol="0" anchor="ctr"/>
+          <a:lstStyle/>
+          <a:p>
+            <a:pPr algn="ctr"/>
+            <a:r>
+              <a:rPr lang="en-US" dirty="0"/>
+              <a:t>PCC End-point-D</a:t>
+            </a:r>
+          </a:p>
+        </p:txBody>
+      </p:sp>
+      <p:sp>
+        <p:nvSpPr>
+          <p:cNvPr id="24" name="Oval 23"/>
+          <p:cNvSpPr/>
+          <p:nvPr/>
+        </p:nvSpPr>
+        <p:spPr>
+          <a:xfrm>
+            <a:off x="2944814" y="3462629"/>
+            <a:ext cx="1308100" cy="1261269"/>
+          </a:xfrm>
+          <a:prstGeom prst="ellipse">
+            <a:avLst/>
+          </a:prstGeom>
+        </p:spPr>
+        <p:style>
+          <a:lnRef idx="2">
+            <a:schemeClr val="accent1">
+              <a:shade val="50000"/>
+            </a:schemeClr>
+          </a:lnRef>
+          <a:fillRef idx="1">
+            <a:schemeClr val="accent1"/>
+          </a:fillRef>
+          <a:effectRef idx="0">
+            <a:schemeClr val="accent1"/>
+          </a:effectRef>
+          <a:fontRef idx="minor">
+            <a:schemeClr val="lt1"/>
+          </a:fontRef>
+        </p:style>
+        <p:txBody>
+          <a:bodyPr rtlCol="0" anchor="ctr"/>
+          <a:lstStyle/>
+          <a:p>
+            <a:pPr algn="ctr"/>
+            <a:r>
+              <a:rPr lang="en-US" dirty="0"/>
+              <a:t>Node-B</a:t>
+            </a:r>
+          </a:p>
+        </p:txBody>
+      </p:sp>
+      <p:sp>
+        <p:nvSpPr>
+          <p:cNvPr id="25" name="Oval 24"/>
+          <p:cNvSpPr/>
+          <p:nvPr/>
+        </p:nvSpPr>
+        <p:spPr>
+          <a:xfrm>
+            <a:off x="5243514" y="3449930"/>
+            <a:ext cx="1270000" cy="1261268"/>
+          </a:xfrm>
+          <a:prstGeom prst="ellipse">
+            <a:avLst/>
+          </a:prstGeom>
+        </p:spPr>
+        <p:style>
+          <a:lnRef idx="2">
+            <a:schemeClr val="accent1">
+              <a:shade val="50000"/>
+            </a:schemeClr>
+          </a:lnRef>
+          <a:fillRef idx="1">
+            <a:schemeClr val="accent1"/>
+          </a:fillRef>
+          <a:effectRef idx="0">
+            <a:schemeClr val="accent1"/>
+          </a:effectRef>
+          <a:fontRef idx="minor">
+            <a:schemeClr val="lt1"/>
+          </a:fontRef>
+        </p:style>
+        <p:txBody>
+          <a:bodyPr rtlCol="0" anchor="ctr"/>
+          <a:lstStyle/>
+          <a:p>
+            <a:pPr algn="ctr"/>
+            <a:r>
+              <a:rPr lang="en-US" dirty="0"/>
+              <a:t>Node-C</a:t>
+            </a:r>
+          </a:p>
+        </p:txBody>
+      </p:sp>
+      <p:sp>
+        <p:nvSpPr>
+          <p:cNvPr id="9" name="Rounded Rectangle 8"/>
+          <p:cNvSpPr/>
+          <p:nvPr/>
+        </p:nvSpPr>
+        <p:spPr>
+          <a:xfrm>
+            <a:off x="550225" y="1826405"/>
+            <a:ext cx="1524000" cy="533400"/>
+          </a:xfrm>
+          <a:prstGeom prst="roundRect">
+            <a:avLst/>
+          </a:prstGeom>
+          <a:solidFill>
+            <a:schemeClr val="bg2">
+              <a:lumMod val="90000"/>
+            </a:schemeClr>
+          </a:solidFill>
+        </p:spPr>
+        <p:style>
+          <a:lnRef idx="2">
+            <a:schemeClr val="accent1">
+              <a:shade val="50000"/>
+            </a:schemeClr>
+          </a:lnRef>
+          <a:fillRef idx="1">
+            <a:schemeClr val="accent1"/>
+          </a:fillRef>
+          <a:effectRef idx="0">
+            <a:schemeClr val="accent1"/>
+          </a:effectRef>
+          <a:fontRef idx="minor">
+            <a:schemeClr val="lt1"/>
+          </a:fontRef>
+        </p:style>
+        <p:txBody>
+          <a:bodyPr rtlCol="0" anchor="ctr"/>
+          <a:lstStyle/>
+          <a:p>
+            <a:pPr algn="ctr"/>
+            <a:r>
+              <a:rPr lang="en-US" dirty="0"/>
+              <a:t>LSP1 (F,C)</a:t>
+            </a:r>
+          </a:p>
+        </p:txBody>
+      </p:sp>
+      <p:sp>
+        <p:nvSpPr>
+          <p:cNvPr id="10" name="Rounded Rectangle 9"/>
+          <p:cNvSpPr/>
+          <p:nvPr/>
+        </p:nvSpPr>
+        <p:spPr>
+          <a:xfrm>
+            <a:off x="7110173" y="1824466"/>
+            <a:ext cx="1524000" cy="533400"/>
+          </a:xfrm>
+          <a:prstGeom prst="roundRect">
+            <a:avLst/>
+          </a:prstGeom>
+          <a:solidFill>
+            <a:srgbClr val="00B0F0"/>
+          </a:solidFill>
+          <a:ln>
+            <a:solidFill>
+              <a:schemeClr val="accent1">
+                <a:lumMod val="60000"/>
+                <a:lumOff val="40000"/>
+              </a:schemeClr>
+            </a:solidFill>
+          </a:ln>
+        </p:spPr>
+        <p:style>
+          <a:lnRef idx="2">
+            <a:schemeClr val="accent1">
+              <a:shade val="50000"/>
+            </a:schemeClr>
+          </a:lnRef>
+          <a:fillRef idx="1">
+            <a:schemeClr val="accent1"/>
+          </a:fillRef>
+          <a:effectRef idx="0">
+            <a:schemeClr val="accent1"/>
+          </a:effectRef>
+          <a:fontRef idx="minor">
+            <a:schemeClr val="lt1"/>
+          </a:fontRef>
+        </p:style>
+        <p:txBody>
+          <a:bodyPr rtlCol="0" anchor="ctr"/>
+          <a:lstStyle/>
+          <a:p>
+            <a:pPr algn="ctr"/>
+            <a:r>
+              <a:rPr lang="en-US" dirty="0"/>
+              <a:t>LSP2 (F,C)</a:t>
+            </a:r>
+          </a:p>
+        </p:txBody>
+      </p:sp>
+      <p:sp>
+        <p:nvSpPr>
+          <p:cNvPr id="6" name="Right Arrow 5"/>
+          <p:cNvSpPr/>
+          <p:nvPr/>
+        </p:nvSpPr>
+        <p:spPr>
+          <a:xfrm>
+            <a:off x="1878014" y="3783303"/>
+            <a:ext cx="990600" cy="276225"/>
+          </a:xfrm>
+          <a:prstGeom prst="rightArrow">
+            <a:avLst/>
+          </a:prstGeom>
+          <a:solidFill>
+            <a:schemeClr val="bg2">
+              <a:lumMod val="90000"/>
+            </a:schemeClr>
+          </a:solidFill>
+        </p:spPr>
+        <p:style>
+          <a:lnRef idx="2">
+            <a:schemeClr val="accent1">
+              <a:shade val="50000"/>
+            </a:schemeClr>
+          </a:lnRef>
+          <a:fillRef idx="1">
+            <a:schemeClr val="accent1"/>
+          </a:fillRef>
+          <a:effectRef idx="0">
+            <a:schemeClr val="accent1"/>
+          </a:effectRef>
+          <a:fontRef idx="minor">
+            <a:schemeClr val="lt1"/>
+          </a:fontRef>
+        </p:style>
+        <p:txBody>
+          <a:bodyPr rtlCol="0" anchor="ctr"/>
+          <a:lstStyle/>
+          <a:p>
+            <a:pPr algn="ctr"/>
+            <a:endParaRPr lang="en-US"/>
+          </a:p>
+        </p:txBody>
+      </p:sp>
+      <p:sp>
+        <p:nvSpPr>
+          <p:cNvPr id="7" name="Right Arrow 6"/>
+          <p:cNvSpPr/>
+          <p:nvPr/>
+        </p:nvSpPr>
+        <p:spPr>
+          <a:xfrm>
+            <a:off x="4354514" y="3778938"/>
+            <a:ext cx="825500" cy="280589"/>
+          </a:xfrm>
+          <a:prstGeom prst="rightArrow">
+            <a:avLst/>
+          </a:prstGeom>
+          <a:solidFill>
+            <a:schemeClr val="bg2">
+              <a:lumMod val="90000"/>
+            </a:schemeClr>
+          </a:solidFill>
+        </p:spPr>
+        <p:style>
+          <a:lnRef idx="2">
+            <a:schemeClr val="accent1">
+              <a:shade val="50000"/>
+            </a:schemeClr>
+          </a:lnRef>
+          <a:fillRef idx="1">
+            <a:schemeClr val="accent1"/>
+          </a:fillRef>
+          <a:effectRef idx="0">
+            <a:schemeClr val="accent1"/>
+          </a:effectRef>
+          <a:fontRef idx="minor">
+            <a:schemeClr val="lt1"/>
+          </a:fontRef>
+        </p:style>
+        <p:txBody>
+          <a:bodyPr rtlCol="0" anchor="ctr"/>
+          <a:lstStyle/>
+          <a:p>
+            <a:pPr algn="ctr"/>
+            <a:endParaRPr lang="en-US"/>
+          </a:p>
+        </p:txBody>
+      </p:sp>
+      <p:sp>
+        <p:nvSpPr>
+          <p:cNvPr id="8" name="Right Arrow 7"/>
+          <p:cNvSpPr/>
+          <p:nvPr/>
+        </p:nvSpPr>
+        <p:spPr>
+          <a:xfrm>
+            <a:off x="6577014" y="3778939"/>
+            <a:ext cx="762000" cy="280588"/>
+          </a:xfrm>
+          <a:prstGeom prst="rightArrow">
+            <a:avLst/>
+          </a:prstGeom>
+          <a:solidFill>
+            <a:schemeClr val="bg2">
+              <a:lumMod val="90000"/>
+            </a:schemeClr>
+          </a:solidFill>
+        </p:spPr>
+        <p:style>
+          <a:lnRef idx="2">
+            <a:schemeClr val="accent1">
+              <a:shade val="50000"/>
+            </a:schemeClr>
+          </a:lnRef>
+          <a:fillRef idx="1">
+            <a:schemeClr val="accent1"/>
+          </a:fillRef>
+          <a:effectRef idx="0">
+            <a:schemeClr val="accent1"/>
+          </a:effectRef>
+          <a:fontRef idx="minor">
+            <a:schemeClr val="lt1"/>
+          </a:fontRef>
+        </p:style>
+        <p:txBody>
+          <a:bodyPr rtlCol="0" anchor="ctr"/>
+          <a:lstStyle/>
+          <a:p>
+            <a:pPr algn="ctr"/>
+            <a:endParaRPr lang="en-US"/>
+          </a:p>
+        </p:txBody>
+      </p:sp>
+      <p:sp>
+        <p:nvSpPr>
+          <p:cNvPr id="12" name="Left Arrow 11"/>
+          <p:cNvSpPr/>
+          <p:nvPr/>
+        </p:nvSpPr>
+        <p:spPr>
+          <a:xfrm>
+            <a:off x="6538914" y="4258249"/>
+            <a:ext cx="838200" cy="258480"/>
+          </a:xfrm>
+          <a:prstGeom prst="leftArrow">
+            <a:avLst/>
+          </a:prstGeom>
+          <a:solidFill>
+            <a:srgbClr val="00B0F0"/>
+          </a:solidFill>
+        </p:spPr>
+        <p:style>
+          <a:lnRef idx="2">
+            <a:schemeClr val="accent1">
+              <a:shade val="50000"/>
+            </a:schemeClr>
+          </a:lnRef>
+          <a:fillRef idx="1">
+            <a:schemeClr val="accent1"/>
+          </a:fillRef>
+          <a:effectRef idx="0">
+            <a:schemeClr val="accent1"/>
+          </a:effectRef>
+          <a:fontRef idx="minor">
+            <a:schemeClr val="lt1"/>
+          </a:fontRef>
+        </p:style>
+        <p:txBody>
+          <a:bodyPr rtlCol="0" anchor="ctr"/>
+          <a:lstStyle/>
+          <a:p>
+            <a:pPr algn="ctr"/>
+            <a:endParaRPr lang="en-US"/>
+          </a:p>
+        </p:txBody>
+      </p:sp>
+      <p:sp>
+        <p:nvSpPr>
+          <p:cNvPr id="13" name="Left Arrow 12"/>
+          <p:cNvSpPr/>
+          <p:nvPr/>
+        </p:nvSpPr>
+        <p:spPr>
+          <a:xfrm>
+            <a:off x="4303714" y="4258249"/>
+            <a:ext cx="876300" cy="258480"/>
+          </a:xfrm>
+          <a:prstGeom prst="leftArrow">
+            <a:avLst/>
+          </a:prstGeom>
+          <a:solidFill>
+            <a:srgbClr val="00B0F0"/>
+          </a:solidFill>
+        </p:spPr>
+        <p:style>
+          <a:lnRef idx="2">
+            <a:schemeClr val="accent1">
+              <a:shade val="50000"/>
+            </a:schemeClr>
+          </a:lnRef>
+          <a:fillRef idx="1">
+            <a:schemeClr val="accent1"/>
+          </a:fillRef>
+          <a:effectRef idx="0">
+            <a:schemeClr val="accent1"/>
+          </a:effectRef>
+          <a:fontRef idx="minor">
+            <a:schemeClr val="lt1"/>
+          </a:fontRef>
+        </p:style>
+        <p:txBody>
+          <a:bodyPr rtlCol="0" anchor="ctr"/>
+          <a:lstStyle/>
+          <a:p>
+            <a:pPr algn="ctr"/>
+            <a:endParaRPr lang="en-US"/>
+          </a:p>
+        </p:txBody>
+      </p:sp>
+      <p:sp>
+        <p:nvSpPr>
+          <p:cNvPr id="14" name="Left Arrow 13"/>
+          <p:cNvSpPr/>
+          <p:nvPr/>
+        </p:nvSpPr>
+        <p:spPr>
+          <a:xfrm>
+            <a:off x="1865315" y="4258249"/>
+            <a:ext cx="990599" cy="258480"/>
+          </a:xfrm>
+          <a:prstGeom prst="leftArrow">
+            <a:avLst/>
+          </a:prstGeom>
+          <a:solidFill>
+            <a:srgbClr val="00B0F0"/>
+          </a:solidFill>
+        </p:spPr>
+        <p:style>
+          <a:lnRef idx="2">
+            <a:schemeClr val="accent1">
+              <a:shade val="50000"/>
+            </a:schemeClr>
+          </a:lnRef>
+          <a:fillRef idx="1">
+            <a:schemeClr val="accent1"/>
+          </a:fillRef>
+          <a:effectRef idx="0">
+            <a:schemeClr val="accent1"/>
+          </a:effectRef>
+          <a:fontRef idx="minor">
+            <a:schemeClr val="lt1"/>
+          </a:fontRef>
+        </p:style>
+        <p:txBody>
+          <a:bodyPr rtlCol="0" anchor="ctr"/>
+          <a:lstStyle/>
+          <a:p>
+            <a:pPr algn="ctr"/>
+            <a:endParaRPr lang="en-US"/>
+          </a:p>
+        </p:txBody>
+      </p:sp>
+      <p:sp>
+        <p:nvSpPr>
+          <p:cNvPr id="27" name="TextBox 26"/>
+          <p:cNvSpPr txBox="1"/>
+          <p:nvPr/>
+        </p:nvSpPr>
+        <p:spPr>
+          <a:xfrm>
+            <a:off x="2830776" y="2551587"/>
+            <a:ext cx="3394701" cy="738664"/>
+          </a:xfrm>
+          <a:prstGeom prst="rect">
+            <a:avLst/>
+          </a:prstGeom>
+          <a:noFill/>
+          <a:ln>
+            <a:solidFill>
+              <a:srgbClr val="92D050"/>
+            </a:solidFill>
+          </a:ln>
+        </p:spPr>
+        <p:txBody>
+          <a:bodyPr wrap="square" rtlCol="0">
+            <a:spAutoFit/>
+          </a:bodyPr>
+          <a:lstStyle/>
+          <a:p>
+            <a:pPr marL="285750" indent="-285750">
+              <a:buFont typeface="Arial" charset="0"/>
+              <a:buChar char="•"/>
+            </a:pPr>
+            <a:r>
+              <a:rPr lang="en-US" sz="1400" dirty="0"/>
+              <a:t>PCE or PCC Initiated LSPs</a:t>
+            </a:r>
+          </a:p>
+          <a:p>
+            <a:pPr marL="285750" indent="-285750">
+              <a:buFont typeface="Arial" charset="0"/>
+              <a:buChar char="•"/>
+            </a:pPr>
+            <a:r>
+              <a:rPr lang="en-US" sz="1400" dirty="0"/>
+              <a:t>Association initiated by PCE or PCC</a:t>
+            </a:r>
+          </a:p>
+          <a:p>
+            <a:pPr marL="285750" indent="-285750">
+              <a:buFont typeface="Arial" charset="0"/>
+              <a:buChar char="•"/>
+            </a:pPr>
+            <a:r>
+              <a:rPr lang="en-US" sz="1400" dirty="0"/>
+              <a:t>Co-routed or non-co-routed </a:t>
+            </a:r>
+          </a:p>
+        </p:txBody>
+      </p:sp>
+      <p:cxnSp>
+        <p:nvCxnSpPr>
+          <p:cNvPr id="21" name="Straight Arrow Connector 20"/>
+          <p:cNvCxnSpPr/>
+          <p:nvPr/>
+        </p:nvCxnSpPr>
+        <p:spPr>
+          <a:xfrm flipH="1">
+            <a:off x="1400263" y="1598825"/>
+            <a:ext cx="2310900" cy="1839722"/>
+          </a:xfrm>
+          <a:prstGeom prst="straightConnector1">
+            <a:avLst/>
+          </a:prstGeom>
+          <a:ln w="104775">
+            <a:solidFill>
+              <a:schemeClr val="bg2">
+                <a:lumMod val="90000"/>
+              </a:schemeClr>
+            </a:solidFill>
+            <a:headEnd type="triangle"/>
+            <a:tailEnd type="triangle"/>
+          </a:ln>
+        </p:spPr>
+        <p:style>
+          <a:lnRef idx="1">
+            <a:schemeClr val="accent1"/>
+          </a:lnRef>
+          <a:fillRef idx="0">
+            <a:schemeClr val="accent1"/>
+          </a:fillRef>
+          <a:effectRef idx="0">
+            <a:schemeClr val="accent1"/>
+          </a:effectRef>
+          <a:fontRef idx="minor">
+            <a:schemeClr val="tx1"/>
+          </a:fontRef>
+        </p:style>
+      </p:cxnSp>
+      <p:cxnSp>
+        <p:nvCxnSpPr>
+          <p:cNvPr id="23" name="Straight Arrow Connector 22"/>
+          <p:cNvCxnSpPr/>
+          <p:nvPr/>
+        </p:nvCxnSpPr>
+        <p:spPr>
+          <a:xfrm>
+            <a:off x="5273453" y="1600709"/>
+            <a:ext cx="2457450" cy="1869833"/>
+          </a:xfrm>
+          <a:prstGeom prst="straightConnector1">
+            <a:avLst/>
+          </a:prstGeom>
+          <a:ln w="104775">
+            <a:solidFill>
+              <a:srgbClr val="00B0F0"/>
+            </a:solidFill>
+            <a:headEnd type="triangle"/>
+            <a:tailEnd type="triangle"/>
+          </a:ln>
+        </p:spPr>
+        <p:style>
+          <a:lnRef idx="1">
+            <a:schemeClr val="accent1"/>
+          </a:lnRef>
+          <a:fillRef idx="0">
+            <a:schemeClr val="accent1"/>
+          </a:fillRef>
+          <a:effectRef idx="0">
+            <a:schemeClr val="accent1"/>
+          </a:effectRef>
+          <a:fontRef idx="minor">
+            <a:schemeClr val="tx1"/>
+          </a:fontRef>
+        </p:style>
+      </p:cxnSp>
+      <p:sp>
+        <p:nvSpPr>
+          <p:cNvPr id="15" name="Slide Number Placeholder 14">
             <a:extLst>
               <a:ext uri="{FF2B5EF4-FFF2-40B4-BE49-F238E27FC236}">
-                <a16:creationId xmlns:a16="http://schemas.microsoft.com/office/drawing/2014/main" id="{F002DB5E-0418-0246-B5BF-B4552D8F1527}"/>
+                <a16:creationId xmlns:a16="http://schemas.microsoft.com/office/drawing/2014/main" id="{42E72163-82DD-1F4E-AA6D-DCB5AF070DA1}"/>
               </a:ext>
             </a:extLst>
           </p:cNvPr>
@@ -8422,7 +8627,7 @@
     </p:spTree>
     <p:extLst>
       <p:ext uri="{BB962C8B-B14F-4D97-AF65-F5344CB8AC3E}">
-        <p14:creationId xmlns:p14="http://schemas.microsoft.com/office/powerpoint/2010/main" val="118555581"/>
+        <p14:creationId xmlns:p14="http://schemas.microsoft.com/office/powerpoint/2010/main" val="180112679"/>
       </p:ext>
     </p:extLst>
   </p:cSld>
@@ -8461,8 +8666,8 @@
         </p:nvSpPr>
         <p:spPr>
           <a:xfrm>
-            <a:off x="0" y="1"/>
-            <a:ext cx="9067800" cy="971550"/>
+            <a:off x="457200" y="3810"/>
+            <a:ext cx="8229600" cy="857250"/>
           </a:xfrm>
         </p:spPr>
         <p:txBody>
@@ -8475,7 +8680,83 @@
                   <a:srgbClr val="002060"/>
                 </a:solidFill>
               </a:rPr>
-              <a:t>Bidirectional LSP Association Group TLV </a:t>
+              <a:t>PCEP Association Object</a:t>
+            </a:r>
+          </a:p>
+        </p:txBody>
+      </p:sp>
+      <p:sp>
+        <p:nvSpPr>
+          <p:cNvPr id="3" name="Content Placeholder 2"/>
+          <p:cNvSpPr>
+            <a:spLocks noGrp="1"/>
+          </p:cNvSpPr>
+          <p:nvPr>
+            <p:ph idx="1"/>
+          </p:nvPr>
+        </p:nvSpPr>
+        <p:spPr>
+          <a:xfrm>
+            <a:off x="304800" y="971551"/>
+            <a:ext cx="8458200" cy="3124200"/>
+          </a:xfrm>
+        </p:spPr>
+        <p:txBody>
+          <a:bodyPr/>
+          <a:lstStyle/>
+          <a:p>
+            <a:pPr>
+              <a:spcBef>
+                <a:spcPts val="600"/>
+              </a:spcBef>
+            </a:pPr>
+            <a:r>
+              <a:rPr lang="en-US" sz="1800" dirty="0"/>
+              <a:t>Association Type (TBD1) = Single-sided Bidirectional LSP Association Group</a:t>
+            </a:r>
+          </a:p>
+          <a:p>
+            <a:pPr>
+              <a:spcBef>
+                <a:spcPts val="600"/>
+              </a:spcBef>
+            </a:pPr>
+            <a:r>
+              <a:rPr lang="en-US" sz="1800" dirty="0"/>
+              <a:t>Association Type (TBD2) = Double-sided Bidirectional LSP Association Group</a:t>
+            </a:r>
+          </a:p>
+          <a:p>
+            <a:pPr>
+              <a:spcBef>
+                <a:spcPts val="600"/>
+              </a:spcBef>
+            </a:pPr>
+            <a:r>
+              <a:rPr lang="en-US" sz="1800" dirty="0"/>
+              <a:t>The Association ID, Association Source, Global Association Source and Extended Association ID in the Association Object of the bidirectional LSPs are populated using the procedures defined in [RFC7551].</a:t>
+            </a:r>
+          </a:p>
+          <a:p>
+            <a:pPr>
+              <a:spcBef>
+                <a:spcPts val="600"/>
+              </a:spcBef>
+            </a:pPr>
+            <a:r>
+              <a:rPr lang="en-US" sz="1800" dirty="0"/>
+              <a:t>These Association Types are operator-configured associations. </a:t>
+            </a:r>
+          </a:p>
+          <a:p>
+            <a:pPr lvl="1">
+              <a:spcBef>
+                <a:spcPts val="600"/>
+              </a:spcBef>
+            </a:pPr>
+            <a:r>
+              <a:rPr lang="en-US" sz="1800" dirty="0"/>
+              <a:t>Operator-configured Association Range TLV (Type 29) SHOULD NOT be sent, so that the entire range of association ID can be used.</a:t>
             </a:r>
           </a:p>
         </p:txBody>
@@ -8492,7 +8773,7 @@
         </p:nvSpPr>
         <p:spPr>
           <a:xfrm>
-            <a:off x="3124200" y="4806539"/>
+            <a:off x="3124200" y="4782502"/>
             <a:ext cx="2895600" cy="357188"/>
           </a:xfrm>
         </p:spPr>
@@ -8505,7 +8786,7 @@
             </a:pPr>
             <a:r>
               <a:rPr lang="en-US" altLang="zh-CN" dirty="0"/>
-              <a:t>107</a:t>
+              <a:t>108</a:t>
             </a:r>
             <a:r>
               <a:rPr lang="en-US" altLang="zh-CN" baseline="30000" dirty="0"/>
@@ -8513,131 +8794,7 @@
             </a:r>
             <a:r>
               <a:rPr lang="en-US" altLang="zh-CN" dirty="0"/>
-              <a:t> IETF @ Vancouver</a:t>
-            </a:r>
-          </a:p>
-        </p:txBody>
-      </p:sp>
-      <p:sp>
-        <p:nvSpPr>
-          <p:cNvPr id="6" name="Rectangle 5"/>
-          <p:cNvSpPr/>
-          <p:nvPr/>
-        </p:nvSpPr>
-        <p:spPr>
-          <a:xfrm>
-            <a:off x="266700" y="2918095"/>
-            <a:ext cx="8610600" cy="1754326"/>
-          </a:xfrm>
-          <a:prstGeom prst="rect">
-            <a:avLst/>
-          </a:prstGeom>
-        </p:spPr>
-        <p:txBody>
-          <a:bodyPr wrap="square">
-            <a:spAutoFit/>
-          </a:bodyPr>
-          <a:lstStyle/>
-          <a:p>
-            <a:pPr marL="285750" indent="-285750">
-              <a:spcAft>
-                <a:spcPts val="0"/>
-              </a:spcAft>
-              <a:buFont typeface="Arial" charset="0"/>
-              <a:buChar char="•"/>
-            </a:pPr>
-            <a:r>
-              <a:rPr lang="en-US" dirty="0">
-                <a:latin typeface="Calibri" charset="0"/>
-                <a:ea typeface="Calibri" charset="0"/>
-                <a:cs typeface="Calibri" charset="0"/>
-              </a:rPr>
-              <a:t>F (Forward LSP, 1 bit)</a:t>
-            </a:r>
-          </a:p>
-          <a:p>
-            <a:pPr marL="742950" lvl="1" indent="-285750">
-              <a:spcAft>
-                <a:spcPts val="0"/>
-              </a:spcAft>
-              <a:buFont typeface="Arial" charset="0"/>
-              <a:buChar char="•"/>
-            </a:pPr>
-            <a:r>
-              <a:rPr lang="en-US" dirty="0">
-                <a:latin typeface="Calibri" charset="0"/>
-                <a:ea typeface="Calibri" charset="0"/>
-                <a:cs typeface="Calibri" charset="0"/>
-              </a:rPr>
-              <a:t>Indicates whether the LSP associated is the forward LSP of the bidirectional LSP.</a:t>
-            </a:r>
-          </a:p>
-          <a:p>
-            <a:pPr marL="285750" indent="-285750">
-              <a:spcAft>
-                <a:spcPts val="0"/>
-              </a:spcAft>
-              <a:buFont typeface="Arial" charset="0"/>
-              <a:buChar char="•"/>
-            </a:pPr>
-            <a:r>
-              <a:rPr lang="en-US" dirty="0">
-                <a:latin typeface="Calibri" charset="0"/>
-                <a:ea typeface="Calibri" charset="0"/>
-                <a:cs typeface="Calibri" charset="0"/>
-              </a:rPr>
-              <a:t>R (Reverse LSP, 1 bit)</a:t>
-            </a:r>
-          </a:p>
-          <a:p>
-            <a:pPr marL="742950" lvl="1" indent="-285750">
-              <a:spcAft>
-                <a:spcPts val="0"/>
-              </a:spcAft>
-              <a:buFont typeface="Arial" charset="0"/>
-              <a:buChar char="•"/>
-            </a:pPr>
-            <a:r>
-              <a:rPr lang="en-US" dirty="0">
-                <a:latin typeface="Calibri" charset="0"/>
-                <a:ea typeface="Calibri" charset="0"/>
-                <a:cs typeface="Calibri" charset="0"/>
-              </a:rPr>
-              <a:t>Indicates whether the LSP associated is the reverse LSP of the bidirectional LSP. </a:t>
-            </a:r>
-          </a:p>
-          <a:p>
-            <a:pPr marL="285750" indent="-285750">
-              <a:spcAft>
-                <a:spcPts val="0"/>
-              </a:spcAft>
-              <a:buFont typeface="Arial" charset="0"/>
-              <a:buChar char="•"/>
-            </a:pPr>
-            <a:r>
-              <a:rPr lang="en-US" dirty="0">
-                <a:latin typeface="Calibri" charset="0"/>
-                <a:ea typeface="Calibri" charset="0"/>
-                <a:cs typeface="Calibri" charset="0"/>
-              </a:rPr>
-              <a:t>C (Co-routed LSP, 1 bit)</a:t>
-            </a:r>
-          </a:p>
-          <a:p>
-            <a:pPr marL="742950" lvl="1" indent="-285750">
-              <a:spcAft>
-                <a:spcPts val="0"/>
-              </a:spcAft>
-              <a:buFont typeface="Arial" charset="0"/>
-              <a:buChar char="•"/>
-            </a:pPr>
-            <a:r>
-              <a:rPr lang="en-US" dirty="0">
-                <a:latin typeface="Calibri" charset="0"/>
-                <a:ea typeface="Calibri" charset="0"/>
-                <a:cs typeface="Calibri" charset="0"/>
-              </a:rPr>
-              <a:t>Indicates whether the associated bidirectional LSP is co-routed.</a:t>
+              <a:t> IETF @ Madrid</a:t>
             </a:r>
           </a:p>
         </p:txBody>
@@ -8647,7 +8804,7 @@
           <p:cNvPr id="5" name="Slide Number Placeholder 4">
             <a:extLst>
               <a:ext uri="{FF2B5EF4-FFF2-40B4-BE49-F238E27FC236}">
-                <a16:creationId xmlns:a16="http://schemas.microsoft.com/office/drawing/2014/main" id="{60F89134-D947-DC49-A6AA-0290AC978C89}"/>
+                <a16:creationId xmlns:a16="http://schemas.microsoft.com/office/drawing/2014/main" id="{F002DB5E-0418-0246-B5BF-B4552D8F1527}"/>
               </a:ext>
             </a:extLst>
           </p:cNvPr>
@@ -8677,383 +8834,10 @@
           </a:p>
         </p:txBody>
       </p:sp>
-      <p:sp>
-        <p:nvSpPr>
-          <p:cNvPr id="7" name="Rectangle 6">
-            <a:extLst>
-              <a:ext uri="{FF2B5EF4-FFF2-40B4-BE49-F238E27FC236}">
-                <a16:creationId xmlns:a16="http://schemas.microsoft.com/office/drawing/2014/main" id="{9F538F58-A84D-DE42-B390-F12A4368F957}"/>
-              </a:ext>
-            </a:extLst>
-          </p:cNvPr>
-          <p:cNvSpPr/>
-          <p:nvPr/>
-        </p:nvSpPr>
-        <p:spPr>
-          <a:xfrm>
-            <a:off x="1143000" y="971551"/>
-            <a:ext cx="6477000" cy="1754326"/>
-          </a:xfrm>
-          <a:prstGeom prst="rect">
-            <a:avLst/>
-          </a:prstGeom>
-          <a:ln>
-            <a:solidFill>
-              <a:schemeClr val="accent1"/>
-            </a:solidFill>
-          </a:ln>
-        </p:spPr>
-        <p:txBody>
-          <a:bodyPr wrap="square">
-            <a:spAutoFit/>
-          </a:bodyPr>
-          <a:lstStyle/>
-          <a:p>
-            <a:pPr>
-              <a:spcAft>
-                <a:spcPts val="0"/>
-              </a:spcAft>
-              <a:tabLst>
-                <a:tab pos="581660" algn="l"/>
-                <a:tab pos="1163320" algn="l"/>
-                <a:tab pos="1744980" algn="l"/>
-                <a:tab pos="2326640" algn="l"/>
-                <a:tab pos="2908300" algn="l"/>
-                <a:tab pos="3489960" algn="l"/>
-                <a:tab pos="4071620" algn="l"/>
-                <a:tab pos="4653280" algn="l"/>
-                <a:tab pos="5234940" algn="l"/>
-                <a:tab pos="5816600" algn="l"/>
-                <a:tab pos="6398260" algn="l"/>
-                <a:tab pos="6979920" algn="l"/>
-                <a:tab pos="7561580" algn="l"/>
-                <a:tab pos="8143240" algn="l"/>
-                <a:tab pos="8724900" algn="l"/>
-                <a:tab pos="9306560" algn="l"/>
-              </a:tabLst>
-            </a:pPr>
-            <a:r>
-              <a:rPr lang="en-CA" sz="1200" dirty="0">
-                <a:latin typeface="Courier" pitchFamily="2" charset="0"/>
-                <a:ea typeface="Times New Roman" panose="02020603050405020304" pitchFamily="18" charset="0"/>
-                <a:cs typeface="Times New Roman" panose="02020603050405020304" pitchFamily="18" charset="0"/>
-              </a:rPr>
-              <a:t> 0                   1                   2                   3</a:t>
-            </a:r>
-            <a:endParaRPr lang="en-CA" sz="1200" dirty="0">
-              <a:latin typeface="Courier" pitchFamily="2" charset="0"/>
-              <a:ea typeface="Calibri" panose="020F0502020204030204" pitchFamily="34" charset="0"/>
-              <a:cs typeface="Times New Roman" panose="02020603050405020304" pitchFamily="18" charset="0"/>
-            </a:endParaRPr>
-          </a:p>
-          <a:p>
-            <a:pPr>
-              <a:spcAft>
-                <a:spcPts val="0"/>
-              </a:spcAft>
-              <a:tabLst>
-                <a:tab pos="581660" algn="l"/>
-                <a:tab pos="1163320" algn="l"/>
-                <a:tab pos="1744980" algn="l"/>
-                <a:tab pos="2326640" algn="l"/>
-                <a:tab pos="2908300" algn="l"/>
-                <a:tab pos="3489960" algn="l"/>
-                <a:tab pos="4071620" algn="l"/>
-                <a:tab pos="4653280" algn="l"/>
-                <a:tab pos="5234940" algn="l"/>
-                <a:tab pos="5816600" algn="l"/>
-                <a:tab pos="6398260" algn="l"/>
-                <a:tab pos="6979920" algn="l"/>
-                <a:tab pos="7561580" algn="l"/>
-                <a:tab pos="8143240" algn="l"/>
-                <a:tab pos="8724900" algn="l"/>
-                <a:tab pos="9306560" algn="l"/>
-              </a:tabLst>
-            </a:pPr>
-            <a:r>
-              <a:rPr lang="en-CA" sz="1200" dirty="0">
-                <a:latin typeface="Courier" pitchFamily="2" charset="0"/>
-                <a:ea typeface="Times New Roman" panose="02020603050405020304" pitchFamily="18" charset="0"/>
-                <a:cs typeface="Times New Roman" panose="02020603050405020304" pitchFamily="18" charset="0"/>
-              </a:rPr>
-              <a:t> 0 1 2 3 4 5 6 7 8 9 0 1 2 3 4 5 6 7 8 9 0 1 2 3 4 5 6 7 8 9 0 1</a:t>
-            </a:r>
-            <a:endParaRPr lang="en-CA" sz="1200" dirty="0">
-              <a:latin typeface="Courier" pitchFamily="2" charset="0"/>
-              <a:ea typeface="Calibri" panose="020F0502020204030204" pitchFamily="34" charset="0"/>
-              <a:cs typeface="Times New Roman" panose="02020603050405020304" pitchFamily="18" charset="0"/>
-            </a:endParaRPr>
-          </a:p>
-          <a:p>
-            <a:pPr>
-              <a:spcAft>
-                <a:spcPts val="0"/>
-              </a:spcAft>
-              <a:tabLst>
-                <a:tab pos="581660" algn="l"/>
-                <a:tab pos="1163320" algn="l"/>
-                <a:tab pos="1744980" algn="l"/>
-                <a:tab pos="2326640" algn="l"/>
-                <a:tab pos="2908300" algn="l"/>
-                <a:tab pos="3489960" algn="l"/>
-                <a:tab pos="4071620" algn="l"/>
-                <a:tab pos="4653280" algn="l"/>
-                <a:tab pos="5234940" algn="l"/>
-                <a:tab pos="5816600" algn="l"/>
-                <a:tab pos="6398260" algn="l"/>
-                <a:tab pos="6979920" algn="l"/>
-                <a:tab pos="7561580" algn="l"/>
-                <a:tab pos="8143240" algn="l"/>
-                <a:tab pos="8724900" algn="l"/>
-                <a:tab pos="9306560" algn="l"/>
-              </a:tabLst>
-            </a:pPr>
-            <a:r>
-              <a:rPr lang="en-CA" sz="1200" dirty="0">
-                <a:latin typeface="Courier" pitchFamily="2" charset="0"/>
-                <a:ea typeface="Times New Roman" panose="02020603050405020304" pitchFamily="18" charset="0"/>
-                <a:cs typeface="Times New Roman" panose="02020603050405020304" pitchFamily="18" charset="0"/>
-              </a:rPr>
-              <a:t> +-+-+-+-+-+-+-+-+-+-+-+-+-+-+-+-+-+-+-+-+-+-+-+-+-+-+-+-+-+-+-+-+</a:t>
-            </a:r>
-            <a:endParaRPr lang="en-CA" sz="1200" dirty="0">
-              <a:latin typeface="Courier" pitchFamily="2" charset="0"/>
-              <a:ea typeface="Calibri" panose="020F0502020204030204" pitchFamily="34" charset="0"/>
-              <a:cs typeface="Times New Roman" panose="02020603050405020304" pitchFamily="18" charset="0"/>
-            </a:endParaRPr>
-          </a:p>
-          <a:p>
-            <a:pPr>
-              <a:spcAft>
-                <a:spcPts val="0"/>
-              </a:spcAft>
-              <a:tabLst>
-                <a:tab pos="581660" algn="l"/>
-                <a:tab pos="1163320" algn="l"/>
-                <a:tab pos="1744980" algn="l"/>
-                <a:tab pos="2326640" algn="l"/>
-                <a:tab pos="2908300" algn="l"/>
-                <a:tab pos="3489960" algn="l"/>
-                <a:tab pos="4071620" algn="l"/>
-                <a:tab pos="4653280" algn="l"/>
-                <a:tab pos="5234940" algn="l"/>
-                <a:tab pos="5816600" algn="l"/>
-                <a:tab pos="6398260" algn="l"/>
-                <a:tab pos="6979920" algn="l"/>
-                <a:tab pos="7561580" algn="l"/>
-                <a:tab pos="8143240" algn="l"/>
-                <a:tab pos="8724900" algn="l"/>
-                <a:tab pos="9306560" algn="l"/>
-              </a:tabLst>
-            </a:pPr>
-            <a:r>
-              <a:rPr lang="en-CA" sz="1200" dirty="0">
-                <a:latin typeface="Courier" pitchFamily="2" charset="0"/>
-                <a:ea typeface="Times New Roman" panose="02020603050405020304" pitchFamily="18" charset="0"/>
-                <a:cs typeface="Times New Roman" panose="02020603050405020304" pitchFamily="18" charset="0"/>
-              </a:rPr>
-              <a:t> |         Type = TBD3           |             Length            |</a:t>
-            </a:r>
-            <a:endParaRPr lang="en-CA" sz="1200" dirty="0">
-              <a:latin typeface="Courier" pitchFamily="2" charset="0"/>
-              <a:ea typeface="Calibri" panose="020F0502020204030204" pitchFamily="34" charset="0"/>
-              <a:cs typeface="Times New Roman" panose="02020603050405020304" pitchFamily="18" charset="0"/>
-            </a:endParaRPr>
-          </a:p>
-          <a:p>
-            <a:pPr>
-              <a:spcAft>
-                <a:spcPts val="0"/>
-              </a:spcAft>
-              <a:tabLst>
-                <a:tab pos="581660" algn="l"/>
-                <a:tab pos="1163320" algn="l"/>
-                <a:tab pos="1744980" algn="l"/>
-                <a:tab pos="2326640" algn="l"/>
-                <a:tab pos="2908300" algn="l"/>
-                <a:tab pos="3489960" algn="l"/>
-                <a:tab pos="4071620" algn="l"/>
-                <a:tab pos="4653280" algn="l"/>
-                <a:tab pos="5234940" algn="l"/>
-                <a:tab pos="5816600" algn="l"/>
-                <a:tab pos="6398260" algn="l"/>
-                <a:tab pos="6979920" algn="l"/>
-                <a:tab pos="7561580" algn="l"/>
-                <a:tab pos="8143240" algn="l"/>
-                <a:tab pos="8724900" algn="l"/>
-                <a:tab pos="9306560" algn="l"/>
-              </a:tabLst>
-            </a:pPr>
-            <a:r>
-              <a:rPr lang="en-CA" sz="1200" dirty="0">
-                <a:latin typeface="Courier" pitchFamily="2" charset="0"/>
-                <a:ea typeface="Times New Roman" panose="02020603050405020304" pitchFamily="18" charset="0"/>
-                <a:cs typeface="Times New Roman" panose="02020603050405020304" pitchFamily="18" charset="0"/>
-              </a:rPr>
-              <a:t> +-+-+-+-+-+-+-+-+-+-+-+-+-+-+-+-+-+-+-+-+-+-+-+-+-+-+-+-+-+-+-+-+</a:t>
-            </a:r>
-            <a:endParaRPr lang="en-CA" sz="1200" dirty="0">
-              <a:latin typeface="Courier" pitchFamily="2" charset="0"/>
-              <a:ea typeface="Calibri" panose="020F0502020204030204" pitchFamily="34" charset="0"/>
-              <a:cs typeface="Times New Roman" panose="02020603050405020304" pitchFamily="18" charset="0"/>
-            </a:endParaRPr>
-          </a:p>
-          <a:p>
-            <a:pPr>
-              <a:spcAft>
-                <a:spcPts val="0"/>
-              </a:spcAft>
-              <a:tabLst>
-                <a:tab pos="581660" algn="l"/>
-                <a:tab pos="1163320" algn="l"/>
-                <a:tab pos="1744980" algn="l"/>
-                <a:tab pos="2326640" algn="l"/>
-                <a:tab pos="2908300" algn="l"/>
-                <a:tab pos="3489960" algn="l"/>
-                <a:tab pos="4071620" algn="l"/>
-                <a:tab pos="4653280" algn="l"/>
-                <a:tab pos="5234940" algn="l"/>
-                <a:tab pos="5816600" algn="l"/>
-                <a:tab pos="6398260" algn="l"/>
-                <a:tab pos="6979920" algn="l"/>
-                <a:tab pos="7561580" algn="l"/>
-                <a:tab pos="8143240" algn="l"/>
-                <a:tab pos="8724900" algn="l"/>
-                <a:tab pos="9306560" algn="l"/>
-              </a:tabLst>
-            </a:pPr>
-            <a:r>
-              <a:rPr lang="en-CA" sz="1200" dirty="0">
-                <a:latin typeface="Courier" pitchFamily="2" charset="0"/>
-                <a:ea typeface="Times New Roman" panose="02020603050405020304" pitchFamily="18" charset="0"/>
-                <a:cs typeface="Times New Roman" panose="02020603050405020304" pitchFamily="18" charset="0"/>
-              </a:rPr>
-              <a:t> |                       Reserved                          |C|R|F|</a:t>
-            </a:r>
-            <a:endParaRPr lang="en-CA" sz="1200" dirty="0">
-              <a:latin typeface="Courier" pitchFamily="2" charset="0"/>
-              <a:ea typeface="Calibri" panose="020F0502020204030204" pitchFamily="34" charset="0"/>
-              <a:cs typeface="Times New Roman" panose="02020603050405020304" pitchFamily="18" charset="0"/>
-            </a:endParaRPr>
-          </a:p>
-          <a:p>
-            <a:pPr>
-              <a:spcAft>
-                <a:spcPts val="0"/>
-              </a:spcAft>
-              <a:tabLst>
-                <a:tab pos="581660" algn="l"/>
-                <a:tab pos="1163320" algn="l"/>
-                <a:tab pos="1744980" algn="l"/>
-                <a:tab pos="2326640" algn="l"/>
-                <a:tab pos="2908300" algn="l"/>
-                <a:tab pos="3489960" algn="l"/>
-                <a:tab pos="4071620" algn="l"/>
-                <a:tab pos="4653280" algn="l"/>
-                <a:tab pos="5234940" algn="l"/>
-                <a:tab pos="5816600" algn="l"/>
-                <a:tab pos="6398260" algn="l"/>
-                <a:tab pos="6979920" algn="l"/>
-                <a:tab pos="7561580" algn="l"/>
-                <a:tab pos="8143240" algn="l"/>
-                <a:tab pos="8724900" algn="l"/>
-                <a:tab pos="9306560" algn="l"/>
-              </a:tabLst>
-            </a:pPr>
-            <a:r>
-              <a:rPr lang="en-CA" sz="1200" dirty="0">
-                <a:latin typeface="Courier" pitchFamily="2" charset="0"/>
-                <a:ea typeface="Times New Roman" panose="02020603050405020304" pitchFamily="18" charset="0"/>
-                <a:cs typeface="Times New Roman" panose="02020603050405020304" pitchFamily="18" charset="0"/>
-              </a:rPr>
-              <a:t> +-+-+-+-+-+-+-+-+-+-+-+-+-+-+-+-+-+-+-+-+-+-+-+-+-+-+-+-+-+-+-+-+</a:t>
-            </a:r>
-            <a:endParaRPr lang="en-CA" sz="1200" dirty="0">
-              <a:latin typeface="Courier" pitchFamily="2" charset="0"/>
-              <a:ea typeface="Calibri" panose="020F0502020204030204" pitchFamily="34" charset="0"/>
-              <a:cs typeface="Times New Roman" panose="02020603050405020304" pitchFamily="18" charset="0"/>
-            </a:endParaRPr>
-          </a:p>
-          <a:p>
-            <a:pPr>
-              <a:spcAft>
-                <a:spcPts val="0"/>
-              </a:spcAft>
-              <a:tabLst>
-                <a:tab pos="581660" algn="l"/>
-                <a:tab pos="1163320" algn="l"/>
-                <a:tab pos="1744980" algn="l"/>
-                <a:tab pos="2326640" algn="l"/>
-                <a:tab pos="2908300" algn="l"/>
-                <a:tab pos="3489960" algn="l"/>
-                <a:tab pos="4071620" algn="l"/>
-                <a:tab pos="4653280" algn="l"/>
-                <a:tab pos="5234940" algn="l"/>
-                <a:tab pos="5816600" algn="l"/>
-                <a:tab pos="6398260" algn="l"/>
-                <a:tab pos="6979920" algn="l"/>
-                <a:tab pos="7561580" algn="l"/>
-                <a:tab pos="8143240" algn="l"/>
-                <a:tab pos="8724900" algn="l"/>
-                <a:tab pos="9306560" algn="l"/>
-              </a:tabLst>
-            </a:pPr>
-            <a:r>
-              <a:rPr lang="en-CA" sz="1200" dirty="0">
-                <a:latin typeface="Courier" pitchFamily="2" charset="0"/>
-                <a:ea typeface="Times New Roman" panose="02020603050405020304" pitchFamily="18" charset="0"/>
-                <a:cs typeface="Times New Roman" panose="02020603050405020304" pitchFamily="18" charset="0"/>
-              </a:rPr>
-              <a:t> </a:t>
-            </a:r>
-            <a:endParaRPr lang="en-CA" sz="1200" dirty="0">
-              <a:latin typeface="Courier" pitchFamily="2" charset="0"/>
-              <a:ea typeface="Calibri" panose="020F0502020204030204" pitchFamily="34" charset="0"/>
-              <a:cs typeface="Times New Roman" panose="02020603050405020304" pitchFamily="18" charset="0"/>
-            </a:endParaRPr>
-          </a:p>
-          <a:p>
-            <a:pPr>
-              <a:spcAft>
-                <a:spcPts val="0"/>
-              </a:spcAft>
-              <a:tabLst>
-                <a:tab pos="581660" algn="l"/>
-                <a:tab pos="1163320" algn="l"/>
-                <a:tab pos="1744980" algn="l"/>
-                <a:tab pos="2326640" algn="l"/>
-                <a:tab pos="2908300" algn="l"/>
-                <a:tab pos="3489960" algn="l"/>
-                <a:tab pos="4071620" algn="l"/>
-                <a:tab pos="4653280" algn="l"/>
-                <a:tab pos="5234940" algn="l"/>
-                <a:tab pos="5816600" algn="l"/>
-                <a:tab pos="6398260" algn="l"/>
-                <a:tab pos="6979920" algn="l"/>
-                <a:tab pos="7561580" algn="l"/>
-                <a:tab pos="8143240" algn="l"/>
-                <a:tab pos="8724900" algn="l"/>
-                <a:tab pos="9306560" algn="l"/>
-              </a:tabLst>
-            </a:pPr>
-            <a:r>
-              <a:rPr lang="en-CA" sz="1200" dirty="0">
-                <a:latin typeface="Courier" pitchFamily="2" charset="0"/>
-                <a:ea typeface="Times New Roman" panose="02020603050405020304" pitchFamily="18" charset="0"/>
-                <a:cs typeface="Times New Roman" panose="02020603050405020304" pitchFamily="18" charset="0"/>
-              </a:rPr>
-              <a:t>         Figure: Bidirectional LSP Association Group TLV format</a:t>
-            </a:r>
-            <a:endParaRPr lang="en-US" sz="1200" dirty="0">
-              <a:latin typeface="Courier" pitchFamily="2" charset="0"/>
-            </a:endParaRPr>
-          </a:p>
-        </p:txBody>
-      </p:sp>
     </p:spTree>
     <p:extLst>
       <p:ext uri="{BB962C8B-B14F-4D97-AF65-F5344CB8AC3E}">
-        <p14:creationId xmlns:p14="http://schemas.microsoft.com/office/powerpoint/2010/main" val="1431967142"/>
+        <p14:creationId xmlns:p14="http://schemas.microsoft.com/office/powerpoint/2010/main" val="118555581"/>
       </p:ext>
     </p:extLst>
   </p:cSld>
@@ -9092,8 +8876,8 @@
         </p:nvSpPr>
         <p:spPr>
           <a:xfrm>
-            <a:off x="0" y="9427"/>
-            <a:ext cx="9144000" cy="857250"/>
+            <a:off x="0" y="1"/>
+            <a:ext cx="9067800" cy="971550"/>
           </a:xfrm>
         </p:spPr>
         <p:txBody>
@@ -9101,181 +8885,174 @@
           <a:lstStyle/>
           <a:p>
             <a:r>
-              <a:rPr lang="en-US" sz="3000" dirty="0">
+              <a:rPr lang="en-US" sz="3600" dirty="0">
                 <a:solidFill>
                   <a:srgbClr val="002060"/>
                 </a:solidFill>
+              </a:rPr>
+              <a:t>Bidirectional LSP Association Group TLV </a:t>
+            </a:r>
+          </a:p>
+        </p:txBody>
+      </p:sp>
+      <p:sp>
+        <p:nvSpPr>
+          <p:cNvPr id="4" name="Footer Placeholder 3"/>
+          <p:cNvSpPr>
+            <a:spLocks noGrp="1"/>
+          </p:cNvSpPr>
+          <p:nvPr>
+            <p:ph type="ftr" sz="quarter" idx="11"/>
+          </p:nvPr>
+        </p:nvSpPr>
+        <p:spPr>
+          <a:xfrm>
+            <a:off x="3124200" y="4806539"/>
+            <a:ext cx="2895600" cy="357188"/>
+          </a:xfrm>
+        </p:spPr>
+        <p:txBody>
+          <a:bodyPr/>
+          <a:lstStyle/>
+          <a:p>
+            <a:pPr>
+              <a:defRPr/>
+            </a:pPr>
+            <a:r>
+              <a:rPr lang="en-US" altLang="zh-CN" dirty="0"/>
+              <a:t>108</a:t>
+            </a:r>
+            <a:r>
+              <a:rPr lang="en-US" altLang="zh-CN" baseline="30000" dirty="0"/>
+              <a:t>th</a:t>
+            </a:r>
+            <a:r>
+              <a:rPr lang="en-US" altLang="zh-CN" dirty="0"/>
+              <a:t> IETF @ Madrid</a:t>
+            </a:r>
+          </a:p>
+        </p:txBody>
+      </p:sp>
+      <p:sp>
+        <p:nvSpPr>
+          <p:cNvPr id="6" name="Rectangle 5"/>
+          <p:cNvSpPr/>
+          <p:nvPr/>
+        </p:nvSpPr>
+        <p:spPr>
+          <a:xfrm>
+            <a:off x="266700" y="2918095"/>
+            <a:ext cx="8610600" cy="1754326"/>
+          </a:xfrm>
+          <a:prstGeom prst="rect">
+            <a:avLst/>
+          </a:prstGeom>
+        </p:spPr>
+        <p:txBody>
+          <a:bodyPr wrap="square">
+            <a:spAutoFit/>
+          </a:bodyPr>
+          <a:lstStyle/>
+          <a:p>
+            <a:pPr marL="285750" indent="-285750">
+              <a:spcAft>
+                <a:spcPts val="0"/>
+              </a:spcAft>
+              <a:buFont typeface="Arial" charset="0"/>
+              <a:buChar char="•"/>
+            </a:pPr>
+            <a:r>
+              <a:rPr lang="en-US" dirty="0">
                 <a:latin typeface="Calibri" charset="0"/>
                 <a:ea typeface="Calibri" charset="0"/>
                 <a:cs typeface="Calibri" charset="0"/>
               </a:rPr>
-              <a:t>Error Handling (</a:t>
-            </a:r>
-            <a:r>
-              <a:rPr lang="en-US" sz="3000" dirty="0" err="1">
-                <a:solidFill>
-                  <a:srgbClr val="002060"/>
-                </a:solidFill>
+              <a:t>F (Forward LSP, 1 bit)</a:t>
+            </a:r>
+          </a:p>
+          <a:p>
+            <a:pPr marL="742950" lvl="1" indent="-285750">
+              <a:spcAft>
+                <a:spcPts val="0"/>
+              </a:spcAft>
+              <a:buFont typeface="Arial" charset="0"/>
+              <a:buChar char="•"/>
+            </a:pPr>
+            <a:r>
+              <a:rPr lang="en-US" dirty="0">
                 <a:latin typeface="Calibri" charset="0"/>
                 <a:ea typeface="Calibri" charset="0"/>
                 <a:cs typeface="Calibri" charset="0"/>
               </a:rPr>
-              <a:t>PCErr</a:t>
-            </a:r>
-            <a:r>
-              <a:rPr lang="en-US" sz="3000" dirty="0">
-                <a:solidFill>
-                  <a:srgbClr val="002060"/>
-                </a:solidFill>
+              <a:t>Indicates whether the LSP associated is the forward LSP of the bidirectional LSP.</a:t>
+            </a:r>
+          </a:p>
+          <a:p>
+            <a:pPr marL="285750" indent="-285750">
+              <a:spcAft>
+                <a:spcPts val="0"/>
+              </a:spcAft>
+              <a:buFont typeface="Arial" charset="0"/>
+              <a:buChar char="•"/>
+            </a:pPr>
+            <a:r>
+              <a:rPr lang="en-US" dirty="0">
                 <a:latin typeface="Calibri" charset="0"/>
                 <a:ea typeface="Calibri" charset="0"/>
                 <a:cs typeface="Calibri" charset="0"/>
               </a:rPr>
-              <a:t> </a:t>
-            </a:r>
-            <a:r>
-              <a:rPr lang="en-CA" sz="3000" dirty="0">
-                <a:solidFill>
-                  <a:srgbClr val="002060"/>
-                </a:solidFill>
-                <a:latin typeface="Calibri" panose="020F0502020204030204" pitchFamily="34" charset="0"/>
-                <a:cs typeface="Calibri" panose="020F0502020204030204" pitchFamily="34" charset="0"/>
+              <a:t>R (Reverse LSP, 1 bit)</a:t>
+            </a:r>
+          </a:p>
+          <a:p>
+            <a:pPr marL="742950" lvl="1" indent="-285750">
+              <a:spcAft>
+                <a:spcPts val="0"/>
+              </a:spcAft>
+              <a:buFont typeface="Arial" charset="0"/>
+              <a:buChar char="•"/>
+            </a:pPr>
+            <a:r>
+              <a:rPr lang="en-US" dirty="0">
+                <a:latin typeface="Calibri" charset="0"/>
+                <a:ea typeface="Calibri" charset="0"/>
+                <a:cs typeface="Calibri" charset="0"/>
               </a:rPr>
-              <a:t>Error-Type 26 - Association Error)</a:t>
-            </a:r>
-            <a:endParaRPr lang="en-US" sz="3000" dirty="0">
-              <a:solidFill>
-                <a:srgbClr val="002060"/>
-              </a:solidFill>
-            </a:endParaRPr>
-          </a:p>
-        </p:txBody>
-      </p:sp>
-      <p:sp>
-        <p:nvSpPr>
-          <p:cNvPr id="3" name="Content Placeholder 2"/>
-          <p:cNvSpPr>
-            <a:spLocks noGrp="1"/>
-          </p:cNvSpPr>
-          <p:nvPr>
-            <p:ph idx="1"/>
-          </p:nvPr>
-        </p:nvSpPr>
-        <p:spPr>
-          <a:xfrm>
-            <a:off x="457200" y="866677"/>
-            <a:ext cx="8077200" cy="3581401"/>
-          </a:xfrm>
-        </p:spPr>
-        <p:txBody>
-          <a:bodyPr/>
-          <a:lstStyle/>
-          <a:p>
-            <a:pPr marL="457200" lvl="0" indent="-457200">
-              <a:buFont typeface="+mj-lt"/>
-              <a:buAutoNum type="arabicPeriod"/>
-            </a:pPr>
-            <a:r>
-              <a:rPr lang="en-US" sz="2000" dirty="0">
-                <a:latin typeface="Calibri" panose="020F0502020204030204" pitchFamily="34" charset="0"/>
-                <a:cs typeface="Calibri" panose="020F0502020204030204" pitchFamily="34" charset="0"/>
+              <a:t>Indicates whether the LSP associated is the reverse LSP of the bidirectional LSP. </a:t>
+            </a:r>
+          </a:p>
+          <a:p>
+            <a:pPr marL="285750" indent="-285750">
+              <a:spcAft>
+                <a:spcPts val="0"/>
+              </a:spcAft>
+              <a:buFont typeface="Arial" charset="0"/>
+              <a:buChar char="•"/>
+            </a:pPr>
+            <a:r>
+              <a:rPr lang="en-US" dirty="0">
+                <a:latin typeface="Calibri" charset="0"/>
+                <a:ea typeface="Calibri" charset="0"/>
+                <a:cs typeface="Calibri" charset="0"/>
               </a:rPr>
-              <a:t>Both forward and reverse LSPs MUST belong to the same bidirectional TE tunnel [RFC3209].</a:t>
-            </a:r>
-          </a:p>
-          <a:p>
-            <a:pPr lvl="1"/>
-            <a:r>
-              <a:rPr lang="en-US" sz="2000" dirty="0">
-                <a:latin typeface="Calibri" panose="020F0502020204030204" pitchFamily="34" charset="0"/>
-                <a:cs typeface="Calibri" panose="020F0502020204030204" pitchFamily="34" charset="0"/>
+              <a:t>C (Co-routed LSP, 1 bit)</a:t>
+            </a:r>
+          </a:p>
+          <a:p>
+            <a:pPr marL="742950" lvl="1" indent="-285750">
+              <a:spcAft>
+                <a:spcPts val="0"/>
+              </a:spcAft>
+              <a:buFont typeface="Arial" charset="0"/>
+              <a:buChar char="•"/>
+            </a:pPr>
+            <a:r>
+              <a:rPr lang="en-US" dirty="0">
+                <a:latin typeface="Calibri" charset="0"/>
+                <a:ea typeface="Calibri" charset="0"/>
+                <a:cs typeface="Calibri" charset="0"/>
               </a:rPr>
-              <a:t>Error-Value = Bidirectional LSP Association - Tunnel mismatch</a:t>
-            </a:r>
-          </a:p>
-          <a:p>
-            <a:pPr marL="457200" lvl="0" indent="-457200">
-              <a:buFont typeface="+mj-lt"/>
-              <a:buAutoNum type="arabicPeriod"/>
-            </a:pPr>
-            <a:r>
-              <a:rPr lang="en-CA" sz="2000" dirty="0">
-                <a:latin typeface="Calibri" panose="020F0502020204030204" pitchFamily="34" charset="0"/>
-                <a:cs typeface="Calibri" panose="020F0502020204030204" pitchFamily="34" charset="0"/>
-              </a:rPr>
-              <a:t>LSP (forward or reverse) cannot be part of more than one Bidirectional LSP Association Group.</a:t>
-            </a:r>
-          </a:p>
-          <a:p>
-            <a:pPr lvl="1"/>
-            <a:r>
-              <a:rPr lang="en-CA" sz="2000" dirty="0">
-                <a:latin typeface="Calibri" panose="020F0502020204030204" pitchFamily="34" charset="0"/>
-                <a:cs typeface="Calibri" panose="020F0502020204030204" pitchFamily="34" charset="0"/>
-              </a:rPr>
-              <a:t>Error-Value = Bidirectional LSP Association - Group Mismatch</a:t>
-            </a:r>
-          </a:p>
-          <a:p>
-            <a:pPr marL="457200" indent="-457200">
-              <a:buFont typeface="+mj-lt"/>
-              <a:buAutoNum type="arabicPeriod"/>
-            </a:pPr>
-            <a:r>
-              <a:rPr lang="en-CA" sz="2000" dirty="0"/>
-              <a:t>If a PCEP speaker receives a different PST value for Bidirectional LSP association group and it does not support.</a:t>
-            </a:r>
-          </a:p>
-          <a:p>
-            <a:pPr lvl="1"/>
-            <a:r>
-              <a:rPr lang="en-CA" sz="2000" dirty="0"/>
-              <a:t>Error-Value = Bidirectional LSP Association - Path Setup Type Not Supported</a:t>
-            </a:r>
-          </a:p>
-          <a:p>
-            <a:pPr lvl="0"/>
-            <a:endParaRPr lang="en-US" sz="2000" dirty="0">
-              <a:latin typeface="Calibri" panose="020F0502020204030204" pitchFamily="34" charset="0"/>
-              <a:cs typeface="Calibri" panose="020F0502020204030204" pitchFamily="34" charset="0"/>
-            </a:endParaRPr>
-          </a:p>
-        </p:txBody>
-      </p:sp>
-      <p:sp>
-        <p:nvSpPr>
-          <p:cNvPr id="4" name="Footer Placeholder 3"/>
-          <p:cNvSpPr>
-            <a:spLocks noGrp="1"/>
-          </p:cNvSpPr>
-          <p:nvPr>
-            <p:ph type="ftr" sz="quarter" idx="11"/>
-          </p:nvPr>
-        </p:nvSpPr>
-        <p:spPr>
-          <a:xfrm>
-            <a:off x="3124200" y="4786312"/>
-            <a:ext cx="2895600" cy="357188"/>
-          </a:xfrm>
-        </p:spPr>
-        <p:txBody>
-          <a:bodyPr/>
-          <a:lstStyle/>
-          <a:p>
-            <a:pPr>
-              <a:defRPr/>
-            </a:pPr>
-            <a:r>
-              <a:rPr lang="en-US" altLang="zh-CN" dirty="0"/>
-              <a:t>107</a:t>
-            </a:r>
-            <a:r>
-              <a:rPr lang="en-US" altLang="zh-CN" baseline="30000" dirty="0"/>
-              <a:t>th</a:t>
-            </a:r>
-            <a:r>
-              <a:rPr lang="en-US" altLang="zh-CN" dirty="0"/>
-              <a:t> IETF @ Vancouver</a:t>
+              <a:t>Indicates whether the associated bidirectional LSP is co-routed.</a:t>
             </a:r>
           </a:p>
         </p:txBody>
@@ -9285,7 +9062,7 @@
           <p:cNvPr id="5" name="Slide Number Placeholder 4">
             <a:extLst>
               <a:ext uri="{FF2B5EF4-FFF2-40B4-BE49-F238E27FC236}">
-                <a16:creationId xmlns:a16="http://schemas.microsoft.com/office/drawing/2014/main" id="{BE931AD8-4828-694D-80B1-6D3FF605EEC1}"/>
+                <a16:creationId xmlns:a16="http://schemas.microsoft.com/office/drawing/2014/main" id="{60F89134-D947-DC49-A6AA-0290AC978C89}"/>
               </a:ext>
             </a:extLst>
           </p:cNvPr>
@@ -9315,10 +9092,383 @@
           </a:p>
         </p:txBody>
       </p:sp>
+      <p:sp>
+        <p:nvSpPr>
+          <p:cNvPr id="7" name="Rectangle 6">
+            <a:extLst>
+              <a:ext uri="{FF2B5EF4-FFF2-40B4-BE49-F238E27FC236}">
+                <a16:creationId xmlns:a16="http://schemas.microsoft.com/office/drawing/2014/main" id="{9F538F58-A84D-DE42-B390-F12A4368F957}"/>
+              </a:ext>
+            </a:extLst>
+          </p:cNvPr>
+          <p:cNvSpPr/>
+          <p:nvPr/>
+        </p:nvSpPr>
+        <p:spPr>
+          <a:xfrm>
+            <a:off x="1143000" y="971551"/>
+            <a:ext cx="6477000" cy="1754326"/>
+          </a:xfrm>
+          <a:prstGeom prst="rect">
+            <a:avLst/>
+          </a:prstGeom>
+          <a:ln>
+            <a:solidFill>
+              <a:schemeClr val="accent1"/>
+            </a:solidFill>
+          </a:ln>
+        </p:spPr>
+        <p:txBody>
+          <a:bodyPr wrap="square">
+            <a:spAutoFit/>
+          </a:bodyPr>
+          <a:lstStyle/>
+          <a:p>
+            <a:pPr>
+              <a:spcAft>
+                <a:spcPts val="0"/>
+              </a:spcAft>
+              <a:tabLst>
+                <a:tab pos="581660" algn="l"/>
+                <a:tab pos="1163320" algn="l"/>
+                <a:tab pos="1744980" algn="l"/>
+                <a:tab pos="2326640" algn="l"/>
+                <a:tab pos="2908300" algn="l"/>
+                <a:tab pos="3489960" algn="l"/>
+                <a:tab pos="4071620" algn="l"/>
+                <a:tab pos="4653280" algn="l"/>
+                <a:tab pos="5234940" algn="l"/>
+                <a:tab pos="5816600" algn="l"/>
+                <a:tab pos="6398260" algn="l"/>
+                <a:tab pos="6979920" algn="l"/>
+                <a:tab pos="7561580" algn="l"/>
+                <a:tab pos="8143240" algn="l"/>
+                <a:tab pos="8724900" algn="l"/>
+                <a:tab pos="9306560" algn="l"/>
+              </a:tabLst>
+            </a:pPr>
+            <a:r>
+              <a:rPr lang="en-CA" sz="1200" dirty="0">
+                <a:latin typeface="Courier" pitchFamily="2" charset="0"/>
+                <a:ea typeface="Times New Roman" panose="02020603050405020304" pitchFamily="18" charset="0"/>
+                <a:cs typeface="Times New Roman" panose="02020603050405020304" pitchFamily="18" charset="0"/>
+              </a:rPr>
+              <a:t> 0                   1                   2                   3</a:t>
+            </a:r>
+            <a:endParaRPr lang="en-CA" sz="1200" dirty="0">
+              <a:latin typeface="Courier" pitchFamily="2" charset="0"/>
+              <a:ea typeface="Calibri" panose="020F0502020204030204" pitchFamily="34" charset="0"/>
+              <a:cs typeface="Times New Roman" panose="02020603050405020304" pitchFamily="18" charset="0"/>
+            </a:endParaRPr>
+          </a:p>
+          <a:p>
+            <a:pPr>
+              <a:spcAft>
+                <a:spcPts val="0"/>
+              </a:spcAft>
+              <a:tabLst>
+                <a:tab pos="581660" algn="l"/>
+                <a:tab pos="1163320" algn="l"/>
+                <a:tab pos="1744980" algn="l"/>
+                <a:tab pos="2326640" algn="l"/>
+                <a:tab pos="2908300" algn="l"/>
+                <a:tab pos="3489960" algn="l"/>
+                <a:tab pos="4071620" algn="l"/>
+                <a:tab pos="4653280" algn="l"/>
+                <a:tab pos="5234940" algn="l"/>
+                <a:tab pos="5816600" algn="l"/>
+                <a:tab pos="6398260" algn="l"/>
+                <a:tab pos="6979920" algn="l"/>
+                <a:tab pos="7561580" algn="l"/>
+                <a:tab pos="8143240" algn="l"/>
+                <a:tab pos="8724900" algn="l"/>
+                <a:tab pos="9306560" algn="l"/>
+              </a:tabLst>
+            </a:pPr>
+            <a:r>
+              <a:rPr lang="en-CA" sz="1200" dirty="0">
+                <a:latin typeface="Courier" pitchFamily="2" charset="0"/>
+                <a:ea typeface="Times New Roman" panose="02020603050405020304" pitchFamily="18" charset="0"/>
+                <a:cs typeface="Times New Roman" panose="02020603050405020304" pitchFamily="18" charset="0"/>
+              </a:rPr>
+              <a:t> 0 1 2 3 4 5 6 7 8 9 0 1 2 3 4 5 6 7 8 9 0 1 2 3 4 5 6 7 8 9 0 1</a:t>
+            </a:r>
+            <a:endParaRPr lang="en-CA" sz="1200" dirty="0">
+              <a:latin typeface="Courier" pitchFamily="2" charset="0"/>
+              <a:ea typeface="Calibri" panose="020F0502020204030204" pitchFamily="34" charset="0"/>
+              <a:cs typeface="Times New Roman" panose="02020603050405020304" pitchFamily="18" charset="0"/>
+            </a:endParaRPr>
+          </a:p>
+          <a:p>
+            <a:pPr>
+              <a:spcAft>
+                <a:spcPts val="0"/>
+              </a:spcAft>
+              <a:tabLst>
+                <a:tab pos="581660" algn="l"/>
+                <a:tab pos="1163320" algn="l"/>
+                <a:tab pos="1744980" algn="l"/>
+                <a:tab pos="2326640" algn="l"/>
+                <a:tab pos="2908300" algn="l"/>
+                <a:tab pos="3489960" algn="l"/>
+                <a:tab pos="4071620" algn="l"/>
+                <a:tab pos="4653280" algn="l"/>
+                <a:tab pos="5234940" algn="l"/>
+                <a:tab pos="5816600" algn="l"/>
+                <a:tab pos="6398260" algn="l"/>
+                <a:tab pos="6979920" algn="l"/>
+                <a:tab pos="7561580" algn="l"/>
+                <a:tab pos="8143240" algn="l"/>
+                <a:tab pos="8724900" algn="l"/>
+                <a:tab pos="9306560" algn="l"/>
+              </a:tabLst>
+            </a:pPr>
+            <a:r>
+              <a:rPr lang="en-CA" sz="1200" dirty="0">
+                <a:latin typeface="Courier" pitchFamily="2" charset="0"/>
+                <a:ea typeface="Times New Roman" panose="02020603050405020304" pitchFamily="18" charset="0"/>
+                <a:cs typeface="Times New Roman" panose="02020603050405020304" pitchFamily="18" charset="0"/>
+              </a:rPr>
+              <a:t> +-+-+-+-+-+-+-+-+-+-+-+-+-+-+-+-+-+-+-+-+-+-+-+-+-+-+-+-+-+-+-+-+</a:t>
+            </a:r>
+            <a:endParaRPr lang="en-CA" sz="1200" dirty="0">
+              <a:latin typeface="Courier" pitchFamily="2" charset="0"/>
+              <a:ea typeface="Calibri" panose="020F0502020204030204" pitchFamily="34" charset="0"/>
+              <a:cs typeface="Times New Roman" panose="02020603050405020304" pitchFamily="18" charset="0"/>
+            </a:endParaRPr>
+          </a:p>
+          <a:p>
+            <a:pPr>
+              <a:spcAft>
+                <a:spcPts val="0"/>
+              </a:spcAft>
+              <a:tabLst>
+                <a:tab pos="581660" algn="l"/>
+                <a:tab pos="1163320" algn="l"/>
+                <a:tab pos="1744980" algn="l"/>
+                <a:tab pos="2326640" algn="l"/>
+                <a:tab pos="2908300" algn="l"/>
+                <a:tab pos="3489960" algn="l"/>
+                <a:tab pos="4071620" algn="l"/>
+                <a:tab pos="4653280" algn="l"/>
+                <a:tab pos="5234940" algn="l"/>
+                <a:tab pos="5816600" algn="l"/>
+                <a:tab pos="6398260" algn="l"/>
+                <a:tab pos="6979920" algn="l"/>
+                <a:tab pos="7561580" algn="l"/>
+                <a:tab pos="8143240" algn="l"/>
+                <a:tab pos="8724900" algn="l"/>
+                <a:tab pos="9306560" algn="l"/>
+              </a:tabLst>
+            </a:pPr>
+            <a:r>
+              <a:rPr lang="en-CA" sz="1200" dirty="0">
+                <a:latin typeface="Courier" pitchFamily="2" charset="0"/>
+                <a:ea typeface="Times New Roman" panose="02020603050405020304" pitchFamily="18" charset="0"/>
+                <a:cs typeface="Times New Roman" panose="02020603050405020304" pitchFamily="18" charset="0"/>
+              </a:rPr>
+              <a:t> |         Type = TBD3           |             Length            |</a:t>
+            </a:r>
+            <a:endParaRPr lang="en-CA" sz="1200" dirty="0">
+              <a:latin typeface="Courier" pitchFamily="2" charset="0"/>
+              <a:ea typeface="Calibri" panose="020F0502020204030204" pitchFamily="34" charset="0"/>
+              <a:cs typeface="Times New Roman" panose="02020603050405020304" pitchFamily="18" charset="0"/>
+            </a:endParaRPr>
+          </a:p>
+          <a:p>
+            <a:pPr>
+              <a:spcAft>
+                <a:spcPts val="0"/>
+              </a:spcAft>
+              <a:tabLst>
+                <a:tab pos="581660" algn="l"/>
+                <a:tab pos="1163320" algn="l"/>
+                <a:tab pos="1744980" algn="l"/>
+                <a:tab pos="2326640" algn="l"/>
+                <a:tab pos="2908300" algn="l"/>
+                <a:tab pos="3489960" algn="l"/>
+                <a:tab pos="4071620" algn="l"/>
+                <a:tab pos="4653280" algn="l"/>
+                <a:tab pos="5234940" algn="l"/>
+                <a:tab pos="5816600" algn="l"/>
+                <a:tab pos="6398260" algn="l"/>
+                <a:tab pos="6979920" algn="l"/>
+                <a:tab pos="7561580" algn="l"/>
+                <a:tab pos="8143240" algn="l"/>
+                <a:tab pos="8724900" algn="l"/>
+                <a:tab pos="9306560" algn="l"/>
+              </a:tabLst>
+            </a:pPr>
+            <a:r>
+              <a:rPr lang="en-CA" sz="1200" dirty="0">
+                <a:latin typeface="Courier" pitchFamily="2" charset="0"/>
+                <a:ea typeface="Times New Roman" panose="02020603050405020304" pitchFamily="18" charset="0"/>
+                <a:cs typeface="Times New Roman" panose="02020603050405020304" pitchFamily="18" charset="0"/>
+              </a:rPr>
+              <a:t> +-+-+-+-+-+-+-+-+-+-+-+-+-+-+-+-+-+-+-+-+-+-+-+-+-+-+-+-+-+-+-+-+</a:t>
+            </a:r>
+            <a:endParaRPr lang="en-CA" sz="1200" dirty="0">
+              <a:latin typeface="Courier" pitchFamily="2" charset="0"/>
+              <a:ea typeface="Calibri" panose="020F0502020204030204" pitchFamily="34" charset="0"/>
+              <a:cs typeface="Times New Roman" panose="02020603050405020304" pitchFamily="18" charset="0"/>
+            </a:endParaRPr>
+          </a:p>
+          <a:p>
+            <a:pPr>
+              <a:spcAft>
+                <a:spcPts val="0"/>
+              </a:spcAft>
+              <a:tabLst>
+                <a:tab pos="581660" algn="l"/>
+                <a:tab pos="1163320" algn="l"/>
+                <a:tab pos="1744980" algn="l"/>
+                <a:tab pos="2326640" algn="l"/>
+                <a:tab pos="2908300" algn="l"/>
+                <a:tab pos="3489960" algn="l"/>
+                <a:tab pos="4071620" algn="l"/>
+                <a:tab pos="4653280" algn="l"/>
+                <a:tab pos="5234940" algn="l"/>
+                <a:tab pos="5816600" algn="l"/>
+                <a:tab pos="6398260" algn="l"/>
+                <a:tab pos="6979920" algn="l"/>
+                <a:tab pos="7561580" algn="l"/>
+                <a:tab pos="8143240" algn="l"/>
+                <a:tab pos="8724900" algn="l"/>
+                <a:tab pos="9306560" algn="l"/>
+              </a:tabLst>
+            </a:pPr>
+            <a:r>
+              <a:rPr lang="en-CA" sz="1200" dirty="0">
+                <a:latin typeface="Courier" pitchFamily="2" charset="0"/>
+                <a:ea typeface="Times New Roman" panose="02020603050405020304" pitchFamily="18" charset="0"/>
+                <a:cs typeface="Times New Roman" panose="02020603050405020304" pitchFamily="18" charset="0"/>
+              </a:rPr>
+              <a:t> |                       Reserved                          |C|R|F|</a:t>
+            </a:r>
+            <a:endParaRPr lang="en-CA" sz="1200" dirty="0">
+              <a:latin typeface="Courier" pitchFamily="2" charset="0"/>
+              <a:ea typeface="Calibri" panose="020F0502020204030204" pitchFamily="34" charset="0"/>
+              <a:cs typeface="Times New Roman" panose="02020603050405020304" pitchFamily="18" charset="0"/>
+            </a:endParaRPr>
+          </a:p>
+          <a:p>
+            <a:pPr>
+              <a:spcAft>
+                <a:spcPts val="0"/>
+              </a:spcAft>
+              <a:tabLst>
+                <a:tab pos="581660" algn="l"/>
+                <a:tab pos="1163320" algn="l"/>
+                <a:tab pos="1744980" algn="l"/>
+                <a:tab pos="2326640" algn="l"/>
+                <a:tab pos="2908300" algn="l"/>
+                <a:tab pos="3489960" algn="l"/>
+                <a:tab pos="4071620" algn="l"/>
+                <a:tab pos="4653280" algn="l"/>
+                <a:tab pos="5234940" algn="l"/>
+                <a:tab pos="5816600" algn="l"/>
+                <a:tab pos="6398260" algn="l"/>
+                <a:tab pos="6979920" algn="l"/>
+                <a:tab pos="7561580" algn="l"/>
+                <a:tab pos="8143240" algn="l"/>
+                <a:tab pos="8724900" algn="l"/>
+                <a:tab pos="9306560" algn="l"/>
+              </a:tabLst>
+            </a:pPr>
+            <a:r>
+              <a:rPr lang="en-CA" sz="1200" dirty="0">
+                <a:latin typeface="Courier" pitchFamily="2" charset="0"/>
+                <a:ea typeface="Times New Roman" panose="02020603050405020304" pitchFamily="18" charset="0"/>
+                <a:cs typeface="Times New Roman" panose="02020603050405020304" pitchFamily="18" charset="0"/>
+              </a:rPr>
+              <a:t> +-+-+-+-+-+-+-+-+-+-+-+-+-+-+-+-+-+-+-+-+-+-+-+-+-+-+-+-+-+-+-+-+</a:t>
+            </a:r>
+            <a:endParaRPr lang="en-CA" sz="1200" dirty="0">
+              <a:latin typeface="Courier" pitchFamily="2" charset="0"/>
+              <a:ea typeface="Calibri" panose="020F0502020204030204" pitchFamily="34" charset="0"/>
+              <a:cs typeface="Times New Roman" panose="02020603050405020304" pitchFamily="18" charset="0"/>
+            </a:endParaRPr>
+          </a:p>
+          <a:p>
+            <a:pPr>
+              <a:spcAft>
+                <a:spcPts val="0"/>
+              </a:spcAft>
+              <a:tabLst>
+                <a:tab pos="581660" algn="l"/>
+                <a:tab pos="1163320" algn="l"/>
+                <a:tab pos="1744980" algn="l"/>
+                <a:tab pos="2326640" algn="l"/>
+                <a:tab pos="2908300" algn="l"/>
+                <a:tab pos="3489960" algn="l"/>
+                <a:tab pos="4071620" algn="l"/>
+                <a:tab pos="4653280" algn="l"/>
+                <a:tab pos="5234940" algn="l"/>
+                <a:tab pos="5816600" algn="l"/>
+                <a:tab pos="6398260" algn="l"/>
+                <a:tab pos="6979920" algn="l"/>
+                <a:tab pos="7561580" algn="l"/>
+                <a:tab pos="8143240" algn="l"/>
+                <a:tab pos="8724900" algn="l"/>
+                <a:tab pos="9306560" algn="l"/>
+              </a:tabLst>
+            </a:pPr>
+            <a:r>
+              <a:rPr lang="en-CA" sz="1200" dirty="0">
+                <a:latin typeface="Courier" pitchFamily="2" charset="0"/>
+                <a:ea typeface="Times New Roman" panose="02020603050405020304" pitchFamily="18" charset="0"/>
+                <a:cs typeface="Times New Roman" panose="02020603050405020304" pitchFamily="18" charset="0"/>
+              </a:rPr>
+              <a:t> </a:t>
+            </a:r>
+            <a:endParaRPr lang="en-CA" sz="1200" dirty="0">
+              <a:latin typeface="Courier" pitchFamily="2" charset="0"/>
+              <a:ea typeface="Calibri" panose="020F0502020204030204" pitchFamily="34" charset="0"/>
+              <a:cs typeface="Times New Roman" panose="02020603050405020304" pitchFamily="18" charset="0"/>
+            </a:endParaRPr>
+          </a:p>
+          <a:p>
+            <a:pPr>
+              <a:spcAft>
+                <a:spcPts val="0"/>
+              </a:spcAft>
+              <a:tabLst>
+                <a:tab pos="581660" algn="l"/>
+                <a:tab pos="1163320" algn="l"/>
+                <a:tab pos="1744980" algn="l"/>
+                <a:tab pos="2326640" algn="l"/>
+                <a:tab pos="2908300" algn="l"/>
+                <a:tab pos="3489960" algn="l"/>
+                <a:tab pos="4071620" algn="l"/>
+                <a:tab pos="4653280" algn="l"/>
+                <a:tab pos="5234940" algn="l"/>
+                <a:tab pos="5816600" algn="l"/>
+                <a:tab pos="6398260" algn="l"/>
+                <a:tab pos="6979920" algn="l"/>
+                <a:tab pos="7561580" algn="l"/>
+                <a:tab pos="8143240" algn="l"/>
+                <a:tab pos="8724900" algn="l"/>
+                <a:tab pos="9306560" algn="l"/>
+              </a:tabLst>
+            </a:pPr>
+            <a:r>
+              <a:rPr lang="en-CA" sz="1200" dirty="0">
+                <a:latin typeface="Courier" pitchFamily="2" charset="0"/>
+                <a:ea typeface="Times New Roman" panose="02020603050405020304" pitchFamily="18" charset="0"/>
+                <a:cs typeface="Times New Roman" panose="02020603050405020304" pitchFamily="18" charset="0"/>
+              </a:rPr>
+              <a:t>         Figure: Bidirectional LSP Association Group TLV format</a:t>
+            </a:r>
+            <a:endParaRPr lang="en-US" sz="1200" dirty="0">
+              <a:latin typeface="Courier" pitchFamily="2" charset="0"/>
+            </a:endParaRPr>
+          </a:p>
+        </p:txBody>
+      </p:sp>
     </p:spTree>
     <p:extLst>
       <p:ext uri="{BB962C8B-B14F-4D97-AF65-F5344CB8AC3E}">
-        <p14:creationId xmlns:p14="http://schemas.microsoft.com/office/powerpoint/2010/main" val="3108232282"/>
+        <p14:creationId xmlns:p14="http://schemas.microsoft.com/office/powerpoint/2010/main" val="1431967142"/>
       </p:ext>
     </p:extLst>
   </p:cSld>
@@ -9357,8 +9507,8 @@
         </p:nvSpPr>
         <p:spPr>
           <a:xfrm>
-            <a:off x="457200" y="31750"/>
-            <a:ext cx="8229600" cy="857250"/>
+            <a:off x="0" y="9427"/>
+            <a:ext cx="9144000" cy="857250"/>
           </a:xfrm>
         </p:spPr>
         <p:txBody>
@@ -9366,7 +9516,7 @@
           <a:lstStyle/>
           <a:p>
             <a:r>
-              <a:rPr lang="en-US" sz="3600" dirty="0">
+              <a:rPr lang="en-US" sz="3000" dirty="0">
                 <a:solidFill>
                   <a:srgbClr val="002060"/>
                 </a:solidFill>
@@ -9374,56 +9524,135 @@
                 <a:ea typeface="Calibri" charset="0"/>
                 <a:cs typeface="Calibri" charset="0"/>
               </a:rPr>
-              <a:t>Next Steps</a:t>
-            </a:r>
-          </a:p>
-        </p:txBody>
-      </p:sp>
-      <p:sp>
-        <p:nvSpPr>
-          <p:cNvPr id="3" name="Content Placeholder 2"/>
-          <p:cNvSpPr>
-            <a:spLocks noGrp="1"/>
-          </p:cNvSpPr>
-          <p:nvPr>
-            <p:ph idx="1"/>
-          </p:nvPr>
-        </p:nvSpPr>
-        <p:spPr/>
-        <p:txBody>
-          <a:bodyPr/>
-          <a:lstStyle/>
-          <a:p>
-            <a:pPr lvl="0"/>
-            <a:r>
-              <a:rPr lang="en-US" sz="2800" dirty="0">
+              <a:t>Error Handling (</a:t>
+            </a:r>
+            <a:r>
+              <a:rPr lang="en-US" sz="3000" dirty="0" err="1">
+                <a:solidFill>
+                  <a:srgbClr val="002060"/>
+                </a:solidFill>
                 <a:latin typeface="Calibri" charset="0"/>
                 <a:ea typeface="Calibri" charset="0"/>
                 <a:cs typeface="Calibri" charset="0"/>
               </a:rPr>
-              <a:t>Welcome your review comments and suggestions</a:t>
+              <a:t>PCErr</a:t>
+            </a:r>
+            <a:r>
+              <a:rPr lang="en-US" sz="3000" dirty="0">
+                <a:solidFill>
+                  <a:srgbClr val="002060"/>
+                </a:solidFill>
+                <a:latin typeface="Calibri" charset="0"/>
+                <a:ea typeface="Calibri" charset="0"/>
+                <a:cs typeface="Calibri" charset="0"/>
+              </a:rPr>
+              <a:t> </a:t>
+            </a:r>
+            <a:r>
+              <a:rPr lang="en-CA" sz="3000" dirty="0">
+                <a:solidFill>
+                  <a:srgbClr val="002060"/>
+                </a:solidFill>
+                <a:latin typeface="Calibri" panose="020F0502020204030204" pitchFamily="34" charset="0"/>
+                <a:cs typeface="Calibri" panose="020F0502020204030204" pitchFamily="34" charset="0"/>
+              </a:rPr>
+              <a:t>Error-Type 26 - Association Error)</a:t>
+            </a:r>
+            <a:endParaRPr lang="en-US" sz="3000" dirty="0">
+              <a:solidFill>
+                <a:srgbClr val="002060"/>
+              </a:solidFill>
+            </a:endParaRPr>
+          </a:p>
+        </p:txBody>
+      </p:sp>
+      <p:sp>
+        <p:nvSpPr>
+          <p:cNvPr id="3" name="Content Placeholder 2"/>
+          <p:cNvSpPr>
+            <a:spLocks noGrp="1"/>
+          </p:cNvSpPr>
+          <p:nvPr>
+            <p:ph idx="1"/>
+          </p:nvPr>
+        </p:nvSpPr>
+        <p:spPr>
+          <a:xfrm>
+            <a:off x="457200" y="866677"/>
+            <a:ext cx="8077200" cy="3581401"/>
+          </a:xfrm>
+        </p:spPr>
+        <p:txBody>
+          <a:bodyPr/>
+          <a:lstStyle/>
+          <a:p>
+            <a:pPr marL="457200" lvl="0" indent="-457200">
+              <a:buFont typeface="+mj-lt"/>
+              <a:buAutoNum type="arabicPeriod"/>
+            </a:pPr>
+            <a:r>
+              <a:rPr lang="en-US" sz="2000" dirty="0">
+                <a:latin typeface="Calibri" panose="020F0502020204030204" pitchFamily="34" charset="0"/>
+                <a:cs typeface="Calibri" panose="020F0502020204030204" pitchFamily="34" charset="0"/>
+              </a:rPr>
+              <a:t>Both forward and reverse LSPs MUST belong to the same bidirectional TE tunnel [RFC3209].</a:t>
+            </a:r>
+          </a:p>
+          <a:p>
+            <a:pPr lvl="1"/>
+            <a:r>
+              <a:rPr lang="en-US" sz="2000" dirty="0">
+                <a:latin typeface="Calibri" panose="020F0502020204030204" pitchFamily="34" charset="0"/>
+                <a:cs typeface="Calibri" panose="020F0502020204030204" pitchFamily="34" charset="0"/>
+              </a:rPr>
+              <a:t>Error-Value = Bidirectional LSP Association - Tunnel mismatch</a:t>
+            </a:r>
+          </a:p>
+          <a:p>
+            <a:pPr marL="457200" lvl="0" indent="-457200">
+              <a:buFont typeface="+mj-lt"/>
+              <a:buAutoNum type="arabicPeriod"/>
+            </a:pPr>
+            <a:r>
+              <a:rPr lang="en-CA" sz="2000" dirty="0">
+                <a:latin typeface="Calibri" panose="020F0502020204030204" pitchFamily="34" charset="0"/>
+                <a:cs typeface="Calibri" panose="020F0502020204030204" pitchFamily="34" charset="0"/>
+              </a:rPr>
+              <a:t>LSP (forward or reverse) cannot be part of more than one Bidirectional LSP Association Group.</a:t>
+            </a:r>
+          </a:p>
+          <a:p>
+            <a:pPr lvl="1"/>
+            <a:r>
+              <a:rPr lang="en-CA" sz="2000" dirty="0">
+                <a:latin typeface="Calibri" panose="020F0502020204030204" pitchFamily="34" charset="0"/>
+                <a:cs typeface="Calibri" panose="020F0502020204030204" pitchFamily="34" charset="0"/>
+              </a:rPr>
+              <a:t>Error-Value = Bidirectional LSP Association - Group Mismatch</a:t>
+            </a:r>
+          </a:p>
+          <a:p>
+            <a:pPr marL="457200" indent="-457200">
+              <a:buFont typeface="+mj-lt"/>
+              <a:buAutoNum type="arabicPeriod"/>
+            </a:pPr>
+            <a:r>
+              <a:rPr lang="en-CA" sz="2000" dirty="0"/>
+              <a:t>If a PCEP speaker receives a different PST value for Bidirectional LSP association group and it does not support.</a:t>
+            </a:r>
+          </a:p>
+          <a:p>
+            <a:pPr lvl="1"/>
+            <a:r>
+              <a:rPr lang="en-CA" sz="2000" dirty="0"/>
+              <a:t>Error-Value = Bidirectional LSP Association - Path Setup Type Not Supported</a:t>
             </a:r>
           </a:p>
           <a:p>
             <a:pPr lvl="0"/>
-            <a:r>
-              <a:rPr lang="en-US" sz="2800" dirty="0"/>
-              <a:t>Already in the WG LC Queue</a:t>
-            </a:r>
-            <a:endParaRPr lang="en-US" sz="2800" dirty="0">
-              <a:latin typeface="Calibri" charset="0"/>
-              <a:ea typeface="Calibri" charset="0"/>
-              <a:cs typeface="Calibri" charset="0"/>
-            </a:endParaRPr>
-          </a:p>
-          <a:p>
-            <a:pPr marL="0" indent="0">
-              <a:buNone/>
-            </a:pPr>
-            <a:endParaRPr lang="en-US" sz="2800" dirty="0">
-              <a:latin typeface="Calibri" charset="0"/>
-              <a:ea typeface="Calibri" charset="0"/>
-              <a:cs typeface="Calibri" charset="0"/>
+            <a:endParaRPr lang="en-US" sz="2000" dirty="0">
+              <a:latin typeface="Calibri" panose="020F0502020204030204" pitchFamily="34" charset="0"/>
+              <a:cs typeface="Calibri" panose="020F0502020204030204" pitchFamily="34" charset="0"/>
             </a:endParaRPr>
           </a:p>
         </p:txBody>
@@ -9453,7 +9682,7 @@
             </a:pPr>
             <a:r>
               <a:rPr lang="en-US" altLang="zh-CN" dirty="0"/>
-              <a:t>107</a:t>
+              <a:t>108</a:t>
             </a:r>
             <a:r>
               <a:rPr lang="en-US" altLang="zh-CN" baseline="30000" dirty="0"/>
@@ -9461,7 +9690,7 @@
             </a:r>
             <a:r>
               <a:rPr lang="en-US" altLang="zh-CN" dirty="0"/>
-              <a:t> IETF @ Vancouver</a:t>
+              <a:t> IETF @ Madrid</a:t>
             </a:r>
           </a:p>
         </p:txBody>
@@ -9471,7 +9700,7 @@
           <p:cNvPr id="5" name="Slide Number Placeholder 4">
             <a:extLst>
               <a:ext uri="{FF2B5EF4-FFF2-40B4-BE49-F238E27FC236}">
-                <a16:creationId xmlns:a16="http://schemas.microsoft.com/office/drawing/2014/main" id="{68ADF64E-5021-5140-9481-2DBE566DD79F}"/>
+                <a16:creationId xmlns:a16="http://schemas.microsoft.com/office/drawing/2014/main" id="{BE931AD8-4828-694D-80B1-6D3FF605EEC1}"/>
               </a:ext>
             </a:extLst>
           </p:cNvPr>
@@ -9504,7 +9733,7 @@
     </p:spTree>
     <p:extLst>
       <p:ext uri="{BB962C8B-B14F-4D97-AF65-F5344CB8AC3E}">
-        <p14:creationId xmlns:p14="http://schemas.microsoft.com/office/powerpoint/2010/main" val="911910299"/>
+        <p14:creationId xmlns:p14="http://schemas.microsoft.com/office/powerpoint/2010/main" val="3108232282"/>
       </p:ext>
     </p:extLst>
   </p:cSld>
@@ -9533,6 +9762,89 @@
       </p:grpSpPr>
       <p:sp>
         <p:nvSpPr>
+          <p:cNvPr id="2" name="Title 1"/>
+          <p:cNvSpPr>
+            <a:spLocks noGrp="1"/>
+          </p:cNvSpPr>
+          <p:nvPr>
+            <p:ph type="title"/>
+          </p:nvPr>
+        </p:nvSpPr>
+        <p:spPr>
+          <a:xfrm>
+            <a:off x="457200" y="31750"/>
+            <a:ext cx="8229600" cy="857250"/>
+          </a:xfrm>
+        </p:spPr>
+        <p:txBody>
+          <a:bodyPr/>
+          <a:lstStyle/>
+          <a:p>
+            <a:r>
+              <a:rPr lang="en-US" sz="3600" dirty="0">
+                <a:solidFill>
+                  <a:srgbClr val="002060"/>
+                </a:solidFill>
+                <a:latin typeface="Calibri" charset="0"/>
+                <a:ea typeface="Calibri" charset="0"/>
+                <a:cs typeface="Calibri" charset="0"/>
+              </a:rPr>
+              <a:t>Next Steps</a:t>
+            </a:r>
+          </a:p>
+        </p:txBody>
+      </p:sp>
+      <p:sp>
+        <p:nvSpPr>
+          <p:cNvPr id="3" name="Content Placeholder 2"/>
+          <p:cNvSpPr>
+            <a:spLocks noGrp="1"/>
+          </p:cNvSpPr>
+          <p:nvPr>
+            <p:ph idx="1"/>
+          </p:nvPr>
+        </p:nvSpPr>
+        <p:spPr/>
+        <p:txBody>
+          <a:bodyPr/>
+          <a:lstStyle/>
+          <a:p>
+            <a:pPr lvl="0"/>
+            <a:r>
+              <a:rPr lang="en-US" sz="2800" dirty="0">
+                <a:latin typeface="Calibri" charset="0"/>
+                <a:ea typeface="Calibri" charset="0"/>
+                <a:cs typeface="Calibri" charset="0"/>
+              </a:rPr>
+              <a:t>Welcome your review comments and suggestions</a:t>
+            </a:r>
+          </a:p>
+          <a:p>
+            <a:pPr lvl="0"/>
+            <a:r>
+              <a:rPr lang="en-US" sz="2800" dirty="0"/>
+              <a:t>Already in the WG LC Queue</a:t>
+            </a:r>
+            <a:endParaRPr lang="en-US" sz="2800" dirty="0">
+              <a:latin typeface="Calibri" charset="0"/>
+              <a:ea typeface="Calibri" charset="0"/>
+              <a:cs typeface="Calibri" charset="0"/>
+            </a:endParaRPr>
+          </a:p>
+          <a:p>
+            <a:pPr marL="0" indent="0">
+              <a:buNone/>
+            </a:pPr>
+            <a:endParaRPr lang="en-US" sz="2800" dirty="0">
+              <a:latin typeface="Calibri" charset="0"/>
+              <a:ea typeface="Calibri" charset="0"/>
+              <a:cs typeface="Calibri" charset="0"/>
+            </a:endParaRPr>
+          </a:p>
+        </p:txBody>
+      </p:sp>
+      <p:sp>
+        <p:nvSpPr>
           <p:cNvPr id="4" name="Footer Placeholder 3"/>
           <p:cNvSpPr>
             <a:spLocks noGrp="1"/>
@@ -9556,7 +9868,7 @@
             </a:pPr>
             <a:r>
               <a:rPr lang="en-US" altLang="zh-CN" dirty="0"/>
-              <a:t>107</a:t>
+              <a:t>108</a:t>
             </a:r>
             <a:r>
               <a:rPr lang="en-US" altLang="zh-CN" baseline="30000" dirty="0"/>
@@ -9564,7 +9876,110 @@
             </a:r>
             <a:r>
               <a:rPr lang="en-US" altLang="zh-CN" dirty="0"/>
-              <a:t> IETF @ Vancouver</a:t>
+              <a:t> IETF @ Madrid</a:t>
+            </a:r>
+          </a:p>
+        </p:txBody>
+      </p:sp>
+      <p:sp>
+        <p:nvSpPr>
+          <p:cNvPr id="5" name="Slide Number Placeholder 4">
+            <a:extLst>
+              <a:ext uri="{FF2B5EF4-FFF2-40B4-BE49-F238E27FC236}">
+                <a16:creationId xmlns:a16="http://schemas.microsoft.com/office/drawing/2014/main" id="{68ADF64E-5021-5140-9481-2DBE566DD79F}"/>
+              </a:ext>
+            </a:extLst>
+          </p:cNvPr>
+          <p:cNvSpPr>
+            <a:spLocks noGrp="1"/>
+          </p:cNvSpPr>
+          <p:nvPr>
+            <p:ph type="sldNum" sz="quarter" idx="12"/>
+          </p:nvPr>
+        </p:nvSpPr>
+        <p:spPr/>
+        <p:txBody>
+          <a:bodyPr/>
+          <a:lstStyle/>
+          <a:p>
+            <a:pPr>
+              <a:defRPr/>
+            </a:pPr>
+            <a:fld id="{BD6E0F59-1DD8-40FC-9C92-B6295CBA6CCA}" type="slidenum">
+              <a:rPr lang="en-US" altLang="zh-CN" smtClean="0"/>
+              <a:pPr>
+                <a:defRPr/>
+              </a:pPr>
+              <a:t>18</a:t>
+            </a:fld>
+            <a:endParaRPr lang="en-US" altLang="zh-CN"/>
+          </a:p>
+        </p:txBody>
+      </p:sp>
+    </p:spTree>
+    <p:extLst>
+      <p:ext uri="{BB962C8B-B14F-4D97-AF65-F5344CB8AC3E}">
+        <p14:creationId xmlns:p14="http://schemas.microsoft.com/office/powerpoint/2010/main" val="911910299"/>
+      </p:ext>
+    </p:extLst>
+  </p:cSld>
+  <p:clrMapOvr>
+    <a:masterClrMapping/>
+  </p:clrMapOvr>
+</p:sld>
+</file>
+
+<file path=ppt/slides/slide19.xml><?xml version="1.0" encoding="utf-8"?>
+<p:sld xmlns:a="http://schemas.openxmlformats.org/drawingml/2006/main" xmlns:r="http://schemas.openxmlformats.org/officeDocument/2006/relationships" xmlns:p="http://schemas.openxmlformats.org/presentationml/2006/main">
+  <p:cSld>
+    <p:spTree>
+      <p:nvGrpSpPr>
+        <p:cNvPr id="1" name=""/>
+        <p:cNvGrpSpPr/>
+        <p:nvPr/>
+      </p:nvGrpSpPr>
+      <p:grpSpPr>
+        <a:xfrm>
+          <a:off x="0" y="0"/>
+          <a:ext cx="0" cy="0"/>
+          <a:chOff x="0" y="0"/>
+          <a:chExt cx="0" cy="0"/>
+        </a:xfrm>
+      </p:grpSpPr>
+      <p:sp>
+        <p:nvSpPr>
+          <p:cNvPr id="4" name="Footer Placeholder 3"/>
+          <p:cNvSpPr>
+            <a:spLocks noGrp="1"/>
+          </p:cNvSpPr>
+          <p:nvPr>
+            <p:ph type="ftr" sz="quarter" idx="11"/>
+          </p:nvPr>
+        </p:nvSpPr>
+        <p:spPr>
+          <a:xfrm>
+            <a:off x="3124200" y="4786312"/>
+            <a:ext cx="2895600" cy="357188"/>
+          </a:xfrm>
+        </p:spPr>
+        <p:txBody>
+          <a:bodyPr/>
+          <a:lstStyle/>
+          <a:p>
+            <a:pPr>
+              <a:defRPr/>
+            </a:pPr>
+            <a:r>
+              <a:rPr lang="en-US" altLang="zh-CN" dirty="0"/>
+              <a:t>108</a:t>
+            </a:r>
+            <a:r>
+              <a:rPr lang="en-US" altLang="zh-CN" baseline="30000" dirty="0"/>
+              <a:t>th</a:t>
+            </a:r>
+            <a:r>
+              <a:rPr lang="en-US" altLang="zh-CN" dirty="0"/>
+              <a:t> IETF @ Madrid</a:t>
             </a:r>
           </a:p>
         </p:txBody>
@@ -9787,7 +10202,7 @@
               <a:pPr>
                 <a:defRPr/>
               </a:pPr>
-              <a:t>18</a:t>
+              <a:t>19</a:t>
             </a:fld>
             <a:endParaRPr lang="en-US" altLang="zh-CN"/>
           </a:p>
@@ -9963,7 +10378,7 @@
             </a:pPr>
             <a:r>
               <a:rPr lang="en-US" altLang="zh-CN" dirty="0"/>
-              <a:t>107</a:t>
+              <a:t>108</a:t>
             </a:r>
             <a:r>
               <a:rPr lang="en-US" altLang="zh-CN" baseline="30000" dirty="0"/>
@@ -9971,7 +10386,7 @@
             </a:r>
             <a:r>
               <a:rPr lang="en-US" altLang="zh-CN" dirty="0"/>
-              <a:t> IETF @ Vancouver</a:t>
+              <a:t> IETF @ Madrid</a:t>
             </a:r>
           </a:p>
         </p:txBody>
@@ -10239,7 +10654,7 @@
             </a:pPr>
             <a:r>
               <a:rPr lang="en-US" altLang="zh-CN" dirty="0"/>
-              <a:t>107</a:t>
+              <a:t>108</a:t>
             </a:r>
             <a:r>
               <a:rPr lang="en-US" altLang="zh-CN" baseline="30000" dirty="0"/>
@@ -10247,7 +10662,7 @@
             </a:r>
             <a:r>
               <a:rPr lang="en-US" altLang="zh-CN" dirty="0"/>
-              <a:t> IETF @ Vancouver</a:t>
+              <a:t> IETF @ Madrid</a:t>
             </a:r>
           </a:p>
         </p:txBody>
@@ -10389,7 +10804,7 @@
             </a:pPr>
             <a:r>
               <a:rPr lang="en-US" altLang="zh-CN" dirty="0"/>
-              <a:t>107</a:t>
+              <a:t>108</a:t>
             </a:r>
             <a:r>
               <a:rPr lang="en-US" altLang="zh-CN" baseline="30000" dirty="0"/>
@@ -10397,7 +10812,7 @@
             </a:r>
             <a:r>
               <a:rPr lang="en-US" altLang="zh-CN" dirty="0"/>
-              <a:t> IETF @ Vancouver</a:t>
+              <a:t> IETF @ Madrid</a:t>
             </a:r>
           </a:p>
         </p:txBody>
@@ -10659,8 +11074,12 @@
               <a:buChar char="•"/>
             </a:pPr>
             <a:r>
-              <a:rPr lang="en-US" sz="1400" dirty="0"/>
-              <a:t>PCE or PCC Initiated LSPs</a:t>
+              <a:rPr lang="en-US" sz="1400" dirty="0">
+                <a:solidFill>
+                  <a:srgbClr val="C00000"/>
+                </a:solidFill>
+              </a:rPr>
+              <a:t>PCE Initiated LSPs</a:t>
             </a:r>
           </a:p>
           <a:p>
@@ -10707,8 +11126,8 @@
                 <a:lumMod val="90000"/>
               </a:schemeClr>
             </a:solidFill>
-            <a:headEnd type="triangle"/>
-            <a:tailEnd type="triangle"/>
+            <a:headEnd type="none" w="med" len="med"/>
+            <a:tailEnd type="triangle" w="med" len="med"/>
           </a:ln>
         </p:spPr>
         <p:style>
@@ -10746,8 +11165,8 @@
             <a:solidFill>
               <a:srgbClr val="00B0F0"/>
             </a:solidFill>
-            <a:headEnd type="triangle"/>
-            <a:tailEnd type="triangle"/>
+            <a:headEnd type="none" w="med" len="med"/>
+            <a:tailEnd type="triangle" w="med" len="med"/>
           </a:ln>
         </p:spPr>
         <p:style>
@@ -11125,8 +11544,8 @@
             <a:solidFill>
               <a:srgbClr val="00B0F0"/>
             </a:solidFill>
-            <a:headEnd type="triangle"/>
-            <a:tailEnd type="triangle"/>
+            <a:headEnd type="triangle" w="med" len="med"/>
+            <a:tailEnd type="none" w="med" len="med"/>
           </a:ln>
         </p:spPr>
         <p:style>
@@ -11172,8 +11591,8 @@
                 <a:lumMod val="90000"/>
               </a:schemeClr>
             </a:solidFill>
-            <a:headEnd type="triangle"/>
-            <a:tailEnd type="triangle"/>
+            <a:headEnd type="triangle" w="med" len="med"/>
+            <a:tailEnd type="none" w="med" len="med"/>
           </a:ln>
         </p:spPr>
         <p:style>
@@ -11223,6 +11642,78 @@
               <a:t>4</a:t>
             </a:fld>
             <a:endParaRPr lang="en-US" altLang="zh-CN"/>
+          </a:p>
+        </p:txBody>
+      </p:sp>
+      <p:sp>
+        <p:nvSpPr>
+          <p:cNvPr id="18" name="TextBox 17">
+            <a:extLst>
+              <a:ext uri="{FF2B5EF4-FFF2-40B4-BE49-F238E27FC236}">
+                <a16:creationId xmlns:a16="http://schemas.microsoft.com/office/drawing/2014/main" id="{1191EC35-C229-483E-9DD5-32A1506D39D6}"/>
+              </a:ext>
+            </a:extLst>
+          </p:cNvPr>
+          <p:cNvSpPr txBox="1"/>
+          <p:nvPr/>
+        </p:nvSpPr>
+        <p:spPr>
+          <a:xfrm>
+            <a:off x="2027588" y="1491900"/>
+            <a:ext cx="962123" cy="307777"/>
+          </a:xfrm>
+          <a:prstGeom prst="rect">
+            <a:avLst/>
+          </a:prstGeom>
+          <a:noFill/>
+        </p:spPr>
+        <p:txBody>
+          <a:bodyPr wrap="none" rtlCol="0">
+            <a:spAutoFit/>
+          </a:bodyPr>
+          <a:lstStyle/>
+          <a:p>
+            <a:r>
+              <a:rPr lang="en-CA" sz="1400" dirty="0" err="1"/>
+              <a:t>PCInitiate</a:t>
+            </a:r>
+            <a:endParaRPr lang="en-CA" sz="1400" dirty="0"/>
+          </a:p>
+        </p:txBody>
+      </p:sp>
+      <p:sp>
+        <p:nvSpPr>
+          <p:cNvPr id="35" name="TextBox 34">
+            <a:extLst>
+              <a:ext uri="{FF2B5EF4-FFF2-40B4-BE49-F238E27FC236}">
+                <a16:creationId xmlns:a16="http://schemas.microsoft.com/office/drawing/2014/main" id="{5970ED25-DB72-4BCA-A824-786520BF58B8}"/>
+              </a:ext>
+            </a:extLst>
+          </p:cNvPr>
+          <p:cNvSpPr txBox="1"/>
+          <p:nvPr/>
+        </p:nvSpPr>
+        <p:spPr>
+          <a:xfrm>
+            <a:off x="6029698" y="1489473"/>
+            <a:ext cx="962123" cy="307777"/>
+          </a:xfrm>
+          <a:prstGeom prst="rect">
+            <a:avLst/>
+          </a:prstGeom>
+          <a:noFill/>
+        </p:spPr>
+        <p:txBody>
+          <a:bodyPr wrap="none" rtlCol="0">
+            <a:spAutoFit/>
+          </a:bodyPr>
+          <a:lstStyle/>
+          <a:p>
+            <a:r>
+              <a:rPr lang="en-CA" sz="1400" dirty="0" err="1"/>
+              <a:t>PCInitiate</a:t>
+            </a:r>
+            <a:endParaRPr lang="en-CA" sz="1400" dirty="0"/>
           </a:p>
         </p:txBody>
       </p:sp>
@@ -11268,8 +11759,8 @@
         </p:nvSpPr>
         <p:spPr>
           <a:xfrm>
-            <a:off x="457200" y="3810"/>
-            <a:ext cx="8229600" cy="857250"/>
+            <a:off x="0" y="-91804"/>
+            <a:ext cx="9144000" cy="857250"/>
           </a:xfrm>
         </p:spPr>
         <p:txBody>
@@ -11277,109 +11768,45 @@
           <a:lstStyle/>
           <a:p>
             <a:r>
-              <a:rPr lang="en-US" sz="3600" dirty="0">
+              <a:rPr lang="en-US" sz="3000" dirty="0">
                 <a:solidFill>
                   <a:srgbClr val="002060"/>
                 </a:solidFill>
               </a:rPr>
-              <a:t>PCEP Association Object</a:t>
-            </a:r>
-          </a:p>
-        </p:txBody>
-      </p:sp>
-      <p:sp>
-        <p:nvSpPr>
-          <p:cNvPr id="3" name="Content Placeholder 2"/>
+              <a:t>Double-sided Associated Bidirectional </a:t>
+            </a:r>
+            <a:r>
+              <a:rPr lang="en-US" sz="3000" b="1" dirty="0">
+                <a:solidFill>
+                  <a:srgbClr val="002060"/>
+                </a:solidFill>
+              </a:rPr>
+              <a:t>with Reverse </a:t>
+            </a:r>
+            <a:r>
+              <a:rPr lang="en-US" sz="3000" dirty="0">
+                <a:solidFill>
+                  <a:srgbClr val="002060"/>
+                </a:solidFill>
+              </a:rPr>
+              <a:t>LSP</a:t>
+            </a:r>
+          </a:p>
+        </p:txBody>
+      </p:sp>
+      <p:sp>
+        <p:nvSpPr>
+          <p:cNvPr id="4" name="Footer Placeholder 3"/>
           <p:cNvSpPr>
             <a:spLocks noGrp="1"/>
           </p:cNvSpPr>
           <p:nvPr>
-            <p:ph idx="1"/>
+            <p:ph type="ftr" sz="quarter" idx="11"/>
           </p:nvPr>
         </p:nvSpPr>
         <p:spPr>
           <a:xfrm>
-            <a:off x="228600" y="971550"/>
-            <a:ext cx="8686800" cy="3712369"/>
-          </a:xfrm>
-        </p:spPr>
-        <p:txBody>
-          <a:bodyPr/>
-          <a:lstStyle/>
-          <a:p>
-            <a:pPr>
-              <a:spcBef>
-                <a:spcPts val="600"/>
-              </a:spcBef>
-            </a:pPr>
-            <a:r>
-              <a:rPr lang="en-US" sz="2000" dirty="0"/>
-              <a:t>Association Type (TBD1) = Double-sided Bidirectional </a:t>
-            </a:r>
-            <a:r>
-              <a:rPr lang="en-US" sz="2000" b="1" dirty="0"/>
-              <a:t>with Reverse </a:t>
-            </a:r>
-            <a:r>
-              <a:rPr lang="en-US" sz="2000" dirty="0"/>
-              <a:t>LSP Association Group</a:t>
-            </a:r>
-          </a:p>
-          <a:p>
-            <a:pPr>
-              <a:spcBef>
-                <a:spcPts val="600"/>
-              </a:spcBef>
-            </a:pPr>
-            <a:r>
-              <a:rPr lang="en-US" sz="2000" dirty="0"/>
-              <a:t>The Association Object Populated using the procedure defined in [</a:t>
-            </a:r>
-            <a:r>
-              <a:rPr lang="en-CA" sz="2000" i="1" dirty="0"/>
-              <a:t>draft-</a:t>
-            </a:r>
-            <a:r>
-              <a:rPr lang="en-CA" sz="2000" i="1" dirty="0" err="1"/>
-              <a:t>ietf</a:t>
-            </a:r>
-            <a:r>
-              <a:rPr lang="en-CA" sz="2000" i="1" dirty="0"/>
-              <a:t>-</a:t>
-            </a:r>
-            <a:r>
-              <a:rPr lang="en-CA" sz="2000" i="1" dirty="0" err="1"/>
-              <a:t>pce</a:t>
-            </a:r>
-            <a:r>
-              <a:rPr lang="en-CA" sz="2000" i="1" dirty="0"/>
-              <a:t>-association-</a:t>
-            </a:r>
-            <a:r>
-              <a:rPr lang="en-CA" sz="2000" i="1" dirty="0" err="1"/>
-              <a:t>bidir</a:t>
-            </a:r>
-            <a:r>
-              <a:rPr lang="en-CA" sz="2000" i="1" dirty="0"/>
-              <a:t>]</a:t>
-            </a:r>
-            <a:endParaRPr lang="en-US" sz="2000" dirty="0"/>
-          </a:p>
-        </p:txBody>
-      </p:sp>
-      <p:sp>
-        <p:nvSpPr>
-          <p:cNvPr id="4" name="Footer Placeholder 3"/>
-          <p:cNvSpPr>
-            <a:spLocks noGrp="1"/>
-          </p:cNvSpPr>
-          <p:nvPr>
-            <p:ph type="ftr" sz="quarter" idx="11"/>
-          </p:nvPr>
-        </p:nvSpPr>
-        <p:spPr>
-          <a:xfrm>
-            <a:off x="3124200" y="4781299"/>
+            <a:off x="3124200" y="4814714"/>
             <a:ext cx="2895600" cy="357188"/>
           </a:xfrm>
         </p:spPr>
@@ -11392,7 +11819,7 @@
             </a:pPr>
             <a:r>
               <a:rPr lang="en-US" altLang="zh-CN" dirty="0"/>
-              <a:t>107</a:t>
+              <a:t>108</a:t>
             </a:r>
             <a:r>
               <a:rPr lang="en-US" altLang="zh-CN" baseline="30000" dirty="0"/>
@@ -11400,17 +11827,810 @@
             </a:r>
             <a:r>
               <a:rPr lang="en-US" altLang="zh-CN" dirty="0"/>
-              <a:t> IETF @ Vancouver</a:t>
-            </a:r>
-          </a:p>
-        </p:txBody>
-      </p:sp>
-      <p:sp>
-        <p:nvSpPr>
-          <p:cNvPr id="5" name="Slide Number Placeholder 4">
+              <a:t> IETF @ Madrid</a:t>
+            </a:r>
+          </a:p>
+        </p:txBody>
+      </p:sp>
+      <p:sp>
+        <p:nvSpPr>
+          <p:cNvPr id="5" name="Rounded Rectangle 4"/>
+          <p:cNvSpPr/>
+          <p:nvPr/>
+        </p:nvSpPr>
+        <p:spPr>
+          <a:xfrm>
+            <a:off x="3795772" y="964470"/>
+            <a:ext cx="1447800" cy="914400"/>
+          </a:xfrm>
+          <a:prstGeom prst="roundRect">
+            <a:avLst/>
+          </a:prstGeom>
+          <a:solidFill>
+            <a:srgbClr val="0070C0"/>
+          </a:solidFill>
+        </p:spPr>
+        <p:style>
+          <a:lnRef idx="2">
+            <a:schemeClr val="accent1">
+              <a:shade val="50000"/>
+            </a:schemeClr>
+          </a:lnRef>
+          <a:fillRef idx="1">
+            <a:schemeClr val="accent1"/>
+          </a:fillRef>
+          <a:effectRef idx="0">
+            <a:schemeClr val="accent1"/>
+          </a:effectRef>
+          <a:fontRef idx="minor">
+            <a:schemeClr val="lt1"/>
+          </a:fontRef>
+        </p:style>
+        <p:txBody>
+          <a:bodyPr rtlCol="0" anchor="ctr"/>
+          <a:lstStyle/>
+          <a:p>
+            <a:pPr algn="ctr"/>
+            <a:r>
+              <a:rPr lang="en-US"/>
+              <a:t>STATEFUL PCE</a:t>
+            </a:r>
+            <a:endParaRPr lang="en-US" dirty="0"/>
+          </a:p>
+        </p:txBody>
+      </p:sp>
+      <p:sp>
+        <p:nvSpPr>
+          <p:cNvPr id="3" name="Oval 2"/>
+          <p:cNvSpPr/>
+          <p:nvPr/>
+        </p:nvSpPr>
+        <p:spPr>
+          <a:xfrm>
+            <a:off x="228600" y="3449929"/>
+            <a:ext cx="1314450" cy="1273969"/>
+          </a:xfrm>
+          <a:prstGeom prst="ellipse">
+            <a:avLst/>
+          </a:prstGeom>
+          <a:solidFill>
+            <a:srgbClr val="0070C0"/>
+          </a:solidFill>
+        </p:spPr>
+        <p:style>
+          <a:lnRef idx="2">
+            <a:schemeClr val="accent1">
+              <a:shade val="50000"/>
+            </a:schemeClr>
+          </a:lnRef>
+          <a:fillRef idx="1">
+            <a:schemeClr val="accent1"/>
+          </a:fillRef>
+          <a:effectRef idx="0">
+            <a:schemeClr val="accent1"/>
+          </a:effectRef>
+          <a:fontRef idx="minor">
+            <a:schemeClr val="lt1"/>
+          </a:fontRef>
+        </p:style>
+        <p:txBody>
+          <a:bodyPr rtlCol="0" anchor="ctr"/>
+          <a:lstStyle/>
+          <a:p>
+            <a:pPr algn="ctr"/>
+            <a:r>
+              <a:rPr lang="en-US" dirty="0"/>
+              <a:t>PCC End-point-A</a:t>
+            </a:r>
+          </a:p>
+        </p:txBody>
+      </p:sp>
+      <p:sp>
+        <p:nvSpPr>
+          <p:cNvPr id="22" name="Oval 21"/>
+          <p:cNvSpPr/>
+          <p:nvPr/>
+        </p:nvSpPr>
+        <p:spPr>
+          <a:xfrm>
+            <a:off x="7543800" y="3449929"/>
+            <a:ext cx="1295400" cy="1261267"/>
+          </a:xfrm>
+          <a:prstGeom prst="ellipse">
+            <a:avLst/>
+          </a:prstGeom>
+          <a:solidFill>
+            <a:srgbClr val="0070C0"/>
+          </a:solidFill>
+        </p:spPr>
+        <p:style>
+          <a:lnRef idx="2">
+            <a:schemeClr val="accent1">
+              <a:shade val="50000"/>
+            </a:schemeClr>
+          </a:lnRef>
+          <a:fillRef idx="1">
+            <a:schemeClr val="accent1"/>
+          </a:fillRef>
+          <a:effectRef idx="0">
+            <a:schemeClr val="accent1"/>
+          </a:effectRef>
+          <a:fontRef idx="minor">
+            <a:schemeClr val="lt1"/>
+          </a:fontRef>
+        </p:style>
+        <p:txBody>
+          <a:bodyPr rtlCol="0" anchor="ctr"/>
+          <a:lstStyle/>
+          <a:p>
+            <a:pPr algn="ctr"/>
+            <a:r>
+              <a:rPr lang="en-US" dirty="0"/>
+              <a:t>PCC End-point-D</a:t>
+            </a:r>
+          </a:p>
+        </p:txBody>
+      </p:sp>
+      <p:sp>
+        <p:nvSpPr>
+          <p:cNvPr id="24" name="Oval 23"/>
+          <p:cNvSpPr/>
+          <p:nvPr/>
+        </p:nvSpPr>
+        <p:spPr>
+          <a:xfrm>
+            <a:off x="2895600" y="3462629"/>
+            <a:ext cx="1308100" cy="1261269"/>
+          </a:xfrm>
+          <a:prstGeom prst="ellipse">
+            <a:avLst/>
+          </a:prstGeom>
+        </p:spPr>
+        <p:style>
+          <a:lnRef idx="2">
+            <a:schemeClr val="accent1">
+              <a:shade val="50000"/>
+            </a:schemeClr>
+          </a:lnRef>
+          <a:fillRef idx="1">
+            <a:schemeClr val="accent1"/>
+          </a:fillRef>
+          <a:effectRef idx="0">
+            <a:schemeClr val="accent1"/>
+          </a:effectRef>
+          <a:fontRef idx="minor">
+            <a:schemeClr val="lt1"/>
+          </a:fontRef>
+        </p:style>
+        <p:txBody>
+          <a:bodyPr rtlCol="0" anchor="ctr"/>
+          <a:lstStyle/>
+          <a:p>
+            <a:pPr algn="ctr"/>
+            <a:r>
+              <a:rPr lang="en-US" dirty="0"/>
+              <a:t>Node-B</a:t>
+            </a:r>
+          </a:p>
+        </p:txBody>
+      </p:sp>
+      <p:sp>
+        <p:nvSpPr>
+          <p:cNvPr id="25" name="Oval 24"/>
+          <p:cNvSpPr/>
+          <p:nvPr/>
+        </p:nvSpPr>
+        <p:spPr>
+          <a:xfrm>
+            <a:off x="5283200" y="3449930"/>
+            <a:ext cx="1270000" cy="1261268"/>
+          </a:xfrm>
+          <a:prstGeom prst="ellipse">
+            <a:avLst/>
+          </a:prstGeom>
+        </p:spPr>
+        <p:style>
+          <a:lnRef idx="2">
+            <a:schemeClr val="accent1">
+              <a:shade val="50000"/>
+            </a:schemeClr>
+          </a:lnRef>
+          <a:fillRef idx="1">
+            <a:schemeClr val="accent1"/>
+          </a:fillRef>
+          <a:effectRef idx="0">
+            <a:schemeClr val="accent1"/>
+          </a:effectRef>
+          <a:fontRef idx="minor">
+            <a:schemeClr val="lt1"/>
+          </a:fontRef>
+        </p:style>
+        <p:txBody>
+          <a:bodyPr rtlCol="0" anchor="ctr"/>
+          <a:lstStyle/>
+          <a:p>
+            <a:pPr algn="ctr"/>
+            <a:r>
+              <a:rPr lang="en-US" dirty="0"/>
+              <a:t>Node-C</a:t>
+            </a:r>
+          </a:p>
+        </p:txBody>
+      </p:sp>
+      <p:sp>
+        <p:nvSpPr>
+          <p:cNvPr id="27" name="TextBox 26"/>
+          <p:cNvSpPr txBox="1"/>
+          <p:nvPr/>
+        </p:nvSpPr>
+        <p:spPr>
+          <a:xfrm>
+            <a:off x="2846261" y="2611730"/>
+            <a:ext cx="3400764" cy="738664"/>
+          </a:xfrm>
+          <a:prstGeom prst="rect">
+            <a:avLst/>
+          </a:prstGeom>
+          <a:noFill/>
+          <a:ln>
+            <a:solidFill>
+              <a:srgbClr val="92D050"/>
+            </a:solidFill>
+          </a:ln>
+        </p:spPr>
+        <p:txBody>
+          <a:bodyPr wrap="square" rtlCol="0">
+            <a:spAutoFit/>
+          </a:bodyPr>
+          <a:lstStyle/>
+          <a:p>
+            <a:pPr marL="285750" indent="-285750">
+              <a:buFont typeface="Arial" charset="0"/>
+              <a:buChar char="•"/>
+            </a:pPr>
+            <a:r>
+              <a:rPr lang="en-US" sz="1400" dirty="0">
+                <a:solidFill>
+                  <a:srgbClr val="C00000"/>
+                </a:solidFill>
+              </a:rPr>
+              <a:t>PCC Initiated LSPs</a:t>
+            </a:r>
+          </a:p>
+          <a:p>
+            <a:pPr marL="285750" indent="-285750">
+              <a:buFont typeface="Arial" charset="0"/>
+              <a:buChar char="•"/>
+            </a:pPr>
+            <a:r>
+              <a:rPr lang="en-US" sz="1400" dirty="0"/>
+              <a:t>Association initiated by PCE or PCC</a:t>
+            </a:r>
+          </a:p>
+          <a:p>
+            <a:pPr marL="285750" indent="-285750">
+              <a:buFont typeface="Arial" charset="0"/>
+              <a:buChar char="•"/>
+            </a:pPr>
+            <a:r>
+              <a:rPr lang="en-US" sz="1400" dirty="0"/>
+              <a:t>Co-routed or non-co-routed </a:t>
+            </a:r>
+          </a:p>
+        </p:txBody>
+      </p:sp>
+      <p:cxnSp>
+        <p:nvCxnSpPr>
+          <p:cNvPr id="21" name="Straight Arrow Connector 20"/>
+          <p:cNvCxnSpPr>
+            <a:cxnSpLocks/>
+          </p:cNvCxnSpPr>
+          <p:nvPr/>
+        </p:nvCxnSpPr>
+        <p:spPr>
+          <a:xfrm flipH="1">
+            <a:off x="1308424" y="1577499"/>
+            <a:ext cx="2380163" cy="1939761"/>
+          </a:xfrm>
+          <a:prstGeom prst="straightConnector1">
+            <a:avLst/>
+          </a:prstGeom>
+          <a:ln w="104775">
+            <a:solidFill>
+              <a:schemeClr val="bg2">
+                <a:lumMod val="90000"/>
+              </a:schemeClr>
+            </a:solidFill>
+            <a:headEnd type="triangle"/>
+            <a:tailEnd type="triangle"/>
+          </a:ln>
+        </p:spPr>
+        <p:style>
+          <a:lnRef idx="1">
+            <a:schemeClr val="accent1"/>
+          </a:lnRef>
+          <a:fillRef idx="0">
+            <a:schemeClr val="accent1"/>
+          </a:fillRef>
+          <a:effectRef idx="0">
+            <a:schemeClr val="accent1"/>
+          </a:effectRef>
+          <a:fontRef idx="minor">
+            <a:schemeClr val="tx1"/>
+          </a:fontRef>
+        </p:style>
+      </p:cxnSp>
+      <p:cxnSp>
+        <p:nvCxnSpPr>
+          <p:cNvPr id="23" name="Straight Arrow Connector 22"/>
+          <p:cNvCxnSpPr>
+            <a:cxnSpLocks/>
+          </p:cNvCxnSpPr>
+          <p:nvPr/>
+        </p:nvCxnSpPr>
+        <p:spPr>
+          <a:xfrm>
+            <a:off x="5295621" y="1598615"/>
+            <a:ext cx="2497689" cy="1893211"/>
+          </a:xfrm>
+          <a:prstGeom prst="straightConnector1">
+            <a:avLst/>
+          </a:prstGeom>
+          <a:ln w="104775">
+            <a:solidFill>
+              <a:srgbClr val="00B0F0"/>
+            </a:solidFill>
+            <a:headEnd type="triangle"/>
+            <a:tailEnd type="triangle"/>
+          </a:ln>
+        </p:spPr>
+        <p:style>
+          <a:lnRef idx="1">
+            <a:schemeClr val="accent1"/>
+          </a:lnRef>
+          <a:fillRef idx="0">
+            <a:schemeClr val="accent1"/>
+          </a:fillRef>
+          <a:effectRef idx="0">
+            <a:schemeClr val="accent1"/>
+          </a:effectRef>
+          <a:fontRef idx="minor">
+            <a:schemeClr val="tx1"/>
+          </a:fontRef>
+        </p:style>
+      </p:cxnSp>
+      <p:sp>
+        <p:nvSpPr>
+          <p:cNvPr id="26" name="Rounded Rectangle 8">
             <a:extLst>
               <a:ext uri="{FF2B5EF4-FFF2-40B4-BE49-F238E27FC236}">
-                <a16:creationId xmlns:a16="http://schemas.microsoft.com/office/drawing/2014/main" id="{C18BB472-EB69-A240-BAC4-BC40B23B17C8}"/>
+                <a16:creationId xmlns:a16="http://schemas.microsoft.com/office/drawing/2014/main" id="{F6449603-2925-3349-A030-31D511BA4343}"/>
+              </a:ext>
+            </a:extLst>
+          </p:cNvPr>
+          <p:cNvSpPr/>
+          <p:nvPr/>
+        </p:nvSpPr>
+        <p:spPr>
+          <a:xfrm>
+            <a:off x="146138" y="841577"/>
+            <a:ext cx="1716314" cy="1747656"/>
+          </a:xfrm>
+          <a:prstGeom prst="roundRect">
+            <a:avLst/>
+          </a:prstGeom>
+          <a:solidFill>
+            <a:schemeClr val="bg1"/>
+          </a:solidFill>
+        </p:spPr>
+        <p:style>
+          <a:lnRef idx="2">
+            <a:schemeClr val="accent1">
+              <a:shade val="50000"/>
+            </a:schemeClr>
+          </a:lnRef>
+          <a:fillRef idx="1">
+            <a:schemeClr val="accent1"/>
+          </a:fillRef>
+          <a:effectRef idx="0">
+            <a:schemeClr val="accent1"/>
+          </a:effectRef>
+          <a:fontRef idx="minor">
+            <a:schemeClr val="lt1"/>
+          </a:fontRef>
+        </p:style>
+        <p:txBody>
+          <a:bodyPr rtlCol="0" anchor="t" anchorCtr="0"/>
+          <a:lstStyle/>
+          <a:p>
+            <a:pPr algn="ctr"/>
+            <a:r>
+              <a:rPr lang="en-US" b="1" dirty="0">
+                <a:solidFill>
+                  <a:schemeClr val="tx2"/>
+                </a:solidFill>
+              </a:rPr>
+              <a:t>Tunnel-AD</a:t>
+            </a:r>
+          </a:p>
+        </p:txBody>
+      </p:sp>
+      <p:sp>
+        <p:nvSpPr>
+          <p:cNvPr id="31" name="Rounded Rectangle 30">
+            <a:extLst>
+              <a:ext uri="{FF2B5EF4-FFF2-40B4-BE49-F238E27FC236}">
+                <a16:creationId xmlns:a16="http://schemas.microsoft.com/office/drawing/2014/main" id="{E9C82056-BDE5-4747-B92B-FE9A37EF4FE9}"/>
+              </a:ext>
+            </a:extLst>
+          </p:cNvPr>
+          <p:cNvSpPr/>
+          <p:nvPr/>
+        </p:nvSpPr>
+        <p:spPr>
+          <a:xfrm>
+            <a:off x="242295" y="1287103"/>
+            <a:ext cx="1524000" cy="533400"/>
+          </a:xfrm>
+          <a:prstGeom prst="roundRect">
+            <a:avLst/>
+          </a:prstGeom>
+          <a:solidFill>
+            <a:schemeClr val="bg2">
+              <a:lumMod val="90000"/>
+            </a:schemeClr>
+          </a:solidFill>
+        </p:spPr>
+        <p:style>
+          <a:lnRef idx="2">
+            <a:schemeClr val="accent1">
+              <a:shade val="50000"/>
+            </a:schemeClr>
+          </a:lnRef>
+          <a:fillRef idx="1">
+            <a:schemeClr val="accent1"/>
+          </a:fillRef>
+          <a:effectRef idx="0">
+            <a:schemeClr val="accent1"/>
+          </a:effectRef>
+          <a:fontRef idx="minor">
+            <a:schemeClr val="lt1"/>
+          </a:fontRef>
+        </p:style>
+        <p:txBody>
+          <a:bodyPr rtlCol="0" anchor="ctr"/>
+          <a:lstStyle/>
+          <a:p>
+            <a:pPr algn="ctr"/>
+            <a:r>
+              <a:rPr lang="en-US" dirty="0"/>
+              <a:t>LSP1 (F,C)</a:t>
+            </a:r>
+          </a:p>
+        </p:txBody>
+      </p:sp>
+      <p:sp>
+        <p:nvSpPr>
+          <p:cNvPr id="32" name="Rounded Rectangle 31">
+            <a:extLst>
+              <a:ext uri="{FF2B5EF4-FFF2-40B4-BE49-F238E27FC236}">
+                <a16:creationId xmlns:a16="http://schemas.microsoft.com/office/drawing/2014/main" id="{92F75114-D47C-EF41-92BF-723AE36D8944}"/>
+              </a:ext>
+            </a:extLst>
+          </p:cNvPr>
+          <p:cNvSpPr/>
+          <p:nvPr/>
+        </p:nvSpPr>
+        <p:spPr>
+          <a:xfrm>
+            <a:off x="242295" y="1948779"/>
+            <a:ext cx="1524000" cy="533400"/>
+          </a:xfrm>
+          <a:prstGeom prst="roundRect">
+            <a:avLst/>
+          </a:prstGeom>
+          <a:solidFill>
+            <a:srgbClr val="00B0F0"/>
+          </a:solidFill>
+          <a:ln>
+            <a:solidFill>
+              <a:schemeClr val="accent1">
+                <a:lumMod val="60000"/>
+                <a:lumOff val="40000"/>
+              </a:schemeClr>
+            </a:solidFill>
+          </a:ln>
+        </p:spPr>
+        <p:style>
+          <a:lnRef idx="2">
+            <a:schemeClr val="accent1">
+              <a:shade val="50000"/>
+            </a:schemeClr>
+          </a:lnRef>
+          <a:fillRef idx="1">
+            <a:schemeClr val="accent1"/>
+          </a:fillRef>
+          <a:effectRef idx="0">
+            <a:schemeClr val="accent1"/>
+          </a:effectRef>
+          <a:fontRef idx="minor">
+            <a:schemeClr val="lt1"/>
+          </a:fontRef>
+        </p:style>
+        <p:txBody>
+          <a:bodyPr rtlCol="0" anchor="ctr"/>
+          <a:lstStyle/>
+          <a:p>
+            <a:pPr algn="ctr"/>
+            <a:r>
+              <a:rPr lang="en-US" dirty="0"/>
+              <a:t>LSP2 (R,C)</a:t>
+            </a:r>
+          </a:p>
+        </p:txBody>
+      </p:sp>
+      <p:sp>
+        <p:nvSpPr>
+          <p:cNvPr id="33" name="Rounded Rectangle 8">
+            <a:extLst>
+              <a:ext uri="{FF2B5EF4-FFF2-40B4-BE49-F238E27FC236}">
+                <a16:creationId xmlns:a16="http://schemas.microsoft.com/office/drawing/2014/main" id="{25717C35-4A58-8046-AA65-EDEA949B7026}"/>
+              </a:ext>
+            </a:extLst>
+          </p:cNvPr>
+          <p:cNvSpPr/>
+          <p:nvPr/>
+        </p:nvSpPr>
+        <p:spPr>
+          <a:xfrm>
+            <a:off x="7185391" y="841577"/>
+            <a:ext cx="1716314" cy="1747656"/>
+          </a:xfrm>
+          <a:prstGeom prst="roundRect">
+            <a:avLst/>
+          </a:prstGeom>
+          <a:solidFill>
+            <a:schemeClr val="bg1"/>
+          </a:solidFill>
+        </p:spPr>
+        <p:style>
+          <a:lnRef idx="2">
+            <a:schemeClr val="accent1">
+              <a:shade val="50000"/>
+            </a:schemeClr>
+          </a:lnRef>
+          <a:fillRef idx="1">
+            <a:schemeClr val="accent1"/>
+          </a:fillRef>
+          <a:effectRef idx="0">
+            <a:schemeClr val="accent1"/>
+          </a:effectRef>
+          <a:fontRef idx="minor">
+            <a:schemeClr val="lt1"/>
+          </a:fontRef>
+        </p:style>
+        <p:txBody>
+          <a:bodyPr rtlCol="0" anchor="t" anchorCtr="0"/>
+          <a:lstStyle/>
+          <a:p>
+            <a:pPr algn="ctr"/>
+            <a:r>
+              <a:rPr lang="en-US" b="1" dirty="0">
+                <a:solidFill>
+                  <a:schemeClr val="tx2"/>
+                </a:solidFill>
+              </a:rPr>
+              <a:t>Tunnel-DA</a:t>
+            </a:r>
+          </a:p>
+        </p:txBody>
+      </p:sp>
+      <p:sp>
+        <p:nvSpPr>
+          <p:cNvPr id="34" name="Rounded Rectangle 33">
+            <a:extLst>
+              <a:ext uri="{FF2B5EF4-FFF2-40B4-BE49-F238E27FC236}">
+                <a16:creationId xmlns:a16="http://schemas.microsoft.com/office/drawing/2014/main" id="{3E613261-52DF-E940-AB0C-B8053FAFD1E9}"/>
+              </a:ext>
+            </a:extLst>
+          </p:cNvPr>
+          <p:cNvSpPr/>
+          <p:nvPr/>
+        </p:nvSpPr>
+        <p:spPr>
+          <a:xfrm>
+            <a:off x="7299599" y="1923039"/>
+            <a:ext cx="1524000" cy="533400"/>
+          </a:xfrm>
+          <a:prstGeom prst="roundRect">
+            <a:avLst/>
+          </a:prstGeom>
+          <a:solidFill>
+            <a:schemeClr val="bg2">
+              <a:lumMod val="90000"/>
+            </a:schemeClr>
+          </a:solidFill>
+        </p:spPr>
+        <p:style>
+          <a:lnRef idx="2">
+            <a:schemeClr val="accent1">
+              <a:shade val="50000"/>
+            </a:schemeClr>
+          </a:lnRef>
+          <a:fillRef idx="1">
+            <a:schemeClr val="accent1"/>
+          </a:fillRef>
+          <a:effectRef idx="0">
+            <a:schemeClr val="accent1"/>
+          </a:effectRef>
+          <a:fontRef idx="minor">
+            <a:schemeClr val="lt1"/>
+          </a:fontRef>
+        </p:style>
+        <p:txBody>
+          <a:bodyPr rtlCol="0" anchor="ctr"/>
+          <a:lstStyle/>
+          <a:p>
+            <a:pPr algn="ctr"/>
+            <a:r>
+              <a:rPr lang="en-US" dirty="0"/>
+              <a:t>LSP1 (R,C)</a:t>
+            </a:r>
+          </a:p>
+        </p:txBody>
+      </p:sp>
+      <p:sp>
+        <p:nvSpPr>
+          <p:cNvPr id="10" name="Rounded Rectangle 9"/>
+          <p:cNvSpPr/>
+          <p:nvPr/>
+        </p:nvSpPr>
+        <p:spPr>
+          <a:xfrm>
+            <a:off x="7281548" y="1288335"/>
+            <a:ext cx="1524000" cy="533400"/>
+          </a:xfrm>
+          <a:prstGeom prst="roundRect">
+            <a:avLst/>
+          </a:prstGeom>
+          <a:solidFill>
+            <a:srgbClr val="00B0F0"/>
+          </a:solidFill>
+          <a:ln>
+            <a:solidFill>
+              <a:schemeClr val="accent1">
+                <a:lumMod val="60000"/>
+                <a:lumOff val="40000"/>
+              </a:schemeClr>
+            </a:solidFill>
+          </a:ln>
+        </p:spPr>
+        <p:style>
+          <a:lnRef idx="2">
+            <a:schemeClr val="accent1">
+              <a:shade val="50000"/>
+            </a:schemeClr>
+          </a:lnRef>
+          <a:fillRef idx="1">
+            <a:schemeClr val="accent1"/>
+          </a:fillRef>
+          <a:effectRef idx="0">
+            <a:schemeClr val="accent1"/>
+          </a:effectRef>
+          <a:fontRef idx="minor">
+            <a:schemeClr val="lt1"/>
+          </a:fontRef>
+        </p:style>
+        <p:txBody>
+          <a:bodyPr rtlCol="0" anchor="ctr"/>
+          <a:lstStyle/>
+          <a:p>
+            <a:pPr algn="ctr"/>
+            <a:r>
+              <a:rPr lang="en-US" dirty="0"/>
+              <a:t>LSP2 (F,C)</a:t>
+            </a:r>
+          </a:p>
+        </p:txBody>
+      </p:sp>
+      <p:cxnSp>
+        <p:nvCxnSpPr>
+          <p:cNvPr id="36" name="Straight Arrow Connector 35">
+            <a:extLst>
+              <a:ext uri="{FF2B5EF4-FFF2-40B4-BE49-F238E27FC236}">
+                <a16:creationId xmlns:a16="http://schemas.microsoft.com/office/drawing/2014/main" id="{6CE8C689-57DB-3142-A0C3-1E8BE77EE5E6}"/>
+              </a:ext>
+            </a:extLst>
+          </p:cNvPr>
+          <p:cNvCxnSpPr>
+            <a:cxnSpLocks/>
+          </p:cNvCxnSpPr>
+          <p:nvPr/>
+        </p:nvCxnSpPr>
+        <p:spPr>
+          <a:xfrm flipV="1">
+            <a:off x="999098" y="1248423"/>
+            <a:ext cx="2725823" cy="2152299"/>
+          </a:xfrm>
+          <a:prstGeom prst="straightConnector1">
+            <a:avLst/>
+          </a:prstGeom>
+          <a:ln w="104775">
+            <a:solidFill>
+              <a:srgbClr val="00B0F0"/>
+            </a:solidFill>
+            <a:headEnd type="triangle"/>
+            <a:tailEnd type="triangle"/>
+          </a:ln>
+        </p:spPr>
+        <p:style>
+          <a:lnRef idx="1">
+            <a:schemeClr val="accent1"/>
+          </a:lnRef>
+          <a:fillRef idx="0">
+            <a:schemeClr val="accent1"/>
+          </a:fillRef>
+          <a:effectRef idx="0">
+            <a:schemeClr val="accent1"/>
+          </a:effectRef>
+          <a:fontRef idx="minor">
+            <a:schemeClr val="tx1"/>
+          </a:fontRef>
+        </p:style>
+      </p:cxnSp>
+      <p:cxnSp>
+        <p:nvCxnSpPr>
+          <p:cNvPr id="37" name="Straight Arrow Connector 36">
+            <a:extLst>
+              <a:ext uri="{FF2B5EF4-FFF2-40B4-BE49-F238E27FC236}">
+                <a16:creationId xmlns:a16="http://schemas.microsoft.com/office/drawing/2014/main" id="{5564043C-8FED-3047-A8F6-D49380837D30}"/>
+              </a:ext>
+            </a:extLst>
+          </p:cNvPr>
+          <p:cNvCxnSpPr>
+            <a:cxnSpLocks/>
+          </p:cNvCxnSpPr>
+          <p:nvPr/>
+        </p:nvCxnSpPr>
+        <p:spPr>
+          <a:xfrm flipH="1" flipV="1">
+            <a:off x="5266499" y="1269174"/>
+            <a:ext cx="2838670" cy="2168796"/>
+          </a:xfrm>
+          <a:prstGeom prst="straightConnector1">
+            <a:avLst/>
+          </a:prstGeom>
+          <a:ln w="104775">
+            <a:solidFill>
+              <a:schemeClr val="bg2">
+                <a:lumMod val="90000"/>
+              </a:schemeClr>
+            </a:solidFill>
+            <a:headEnd type="triangle"/>
+            <a:tailEnd type="triangle"/>
+          </a:ln>
+        </p:spPr>
+        <p:style>
+          <a:lnRef idx="1">
+            <a:schemeClr val="accent1"/>
+          </a:lnRef>
+          <a:fillRef idx="0">
+            <a:schemeClr val="accent1"/>
+          </a:fillRef>
+          <a:effectRef idx="0">
+            <a:schemeClr val="accent1"/>
+          </a:effectRef>
+          <a:fontRef idx="minor">
+            <a:schemeClr val="tx1"/>
+          </a:fontRef>
+        </p:style>
+      </p:cxnSp>
+      <p:sp>
+        <p:nvSpPr>
+          <p:cNvPr id="44" name="Slide Number Placeholder 43">
+            <a:extLst>
+              <a:ext uri="{FF2B5EF4-FFF2-40B4-BE49-F238E27FC236}">
+                <a16:creationId xmlns:a16="http://schemas.microsoft.com/office/drawing/2014/main" id="{01436B23-74FA-D74A-B53F-BE8BB9B5CE21}"/>
               </a:ext>
             </a:extLst>
           </p:cNvPr>
@@ -11440,10 +12660,102 @@
           </a:p>
         </p:txBody>
       </p:sp>
+      <p:sp>
+        <p:nvSpPr>
+          <p:cNvPr id="28" name="TextBox 27">
+            <a:extLst>
+              <a:ext uri="{FF2B5EF4-FFF2-40B4-BE49-F238E27FC236}">
+                <a16:creationId xmlns:a16="http://schemas.microsoft.com/office/drawing/2014/main" id="{E80C53CA-C821-42FD-8283-2D86532609CF}"/>
+              </a:ext>
+            </a:extLst>
+          </p:cNvPr>
+          <p:cNvSpPr txBox="1"/>
+          <p:nvPr/>
+        </p:nvSpPr>
+        <p:spPr>
+          <a:xfrm>
+            <a:off x="1970822" y="1269174"/>
+            <a:ext cx="1021433" cy="523220"/>
+          </a:xfrm>
+          <a:prstGeom prst="rect">
+            <a:avLst/>
+          </a:prstGeom>
+          <a:noFill/>
+        </p:spPr>
+        <p:txBody>
+          <a:bodyPr wrap="none" rtlCol="0">
+            <a:spAutoFit/>
+          </a:bodyPr>
+          <a:lstStyle/>
+          <a:p>
+            <a:r>
+              <a:rPr lang="en-CA" sz="1400" dirty="0" err="1"/>
+              <a:t>PCReport</a:t>
+            </a:r>
+            <a:r>
+              <a:rPr lang="en-CA" sz="1400" dirty="0"/>
+              <a:t>/</a:t>
+            </a:r>
+          </a:p>
+          <a:p>
+            <a:r>
+              <a:rPr lang="en-CA" sz="1400" dirty="0" err="1"/>
+              <a:t>PCUpdate</a:t>
+            </a:r>
+            <a:endParaRPr lang="en-CA" sz="1400" dirty="0"/>
+          </a:p>
+        </p:txBody>
+      </p:sp>
+      <p:sp>
+        <p:nvSpPr>
+          <p:cNvPr id="29" name="TextBox 28">
+            <a:extLst>
+              <a:ext uri="{FF2B5EF4-FFF2-40B4-BE49-F238E27FC236}">
+                <a16:creationId xmlns:a16="http://schemas.microsoft.com/office/drawing/2014/main" id="{B502BA0F-F010-4F1D-ACE5-4A80A6810ECB}"/>
+              </a:ext>
+            </a:extLst>
+          </p:cNvPr>
+          <p:cNvSpPr txBox="1"/>
+          <p:nvPr/>
+        </p:nvSpPr>
+        <p:spPr>
+          <a:xfrm>
+            <a:off x="5985416" y="1269174"/>
+            <a:ext cx="1021433" cy="523220"/>
+          </a:xfrm>
+          <a:prstGeom prst="rect">
+            <a:avLst/>
+          </a:prstGeom>
+          <a:noFill/>
+        </p:spPr>
+        <p:txBody>
+          <a:bodyPr wrap="none" rtlCol="0">
+            <a:spAutoFit/>
+          </a:bodyPr>
+          <a:lstStyle/>
+          <a:p>
+            <a:r>
+              <a:rPr lang="en-CA" sz="1400" dirty="0" err="1"/>
+              <a:t>PCReport</a:t>
+            </a:r>
+            <a:r>
+              <a:rPr lang="en-CA" sz="1400" dirty="0"/>
+              <a:t>/</a:t>
+            </a:r>
+          </a:p>
+          <a:p>
+            <a:r>
+              <a:rPr lang="en-CA" sz="1400" dirty="0" err="1"/>
+              <a:t>PCUpdate</a:t>
+            </a:r>
+            <a:endParaRPr lang="en-CA" sz="1400" dirty="0"/>
+          </a:p>
+        </p:txBody>
+      </p:sp>
     </p:spTree>
     <p:extLst>
       <p:ext uri="{BB962C8B-B14F-4D97-AF65-F5344CB8AC3E}">
-        <p14:creationId xmlns:p14="http://schemas.microsoft.com/office/powerpoint/2010/main" val="3861437548"/>
+        <p14:creationId xmlns:p14="http://schemas.microsoft.com/office/powerpoint/2010/main" val="1272940866"/>
       </p:ext>
     </p:extLst>
   </p:cSld>
@@ -11482,8 +12794,8 @@
         </p:nvSpPr>
         <p:spPr>
           <a:xfrm>
-            <a:off x="0" y="9427"/>
-            <a:ext cx="9144000" cy="857250"/>
+            <a:off x="457200" y="3810"/>
+            <a:ext cx="8229600" cy="857250"/>
           </a:xfrm>
         </p:spPr>
         <p:txBody>
@@ -11491,53 +12803,13 @@
           <a:lstStyle/>
           <a:p>
             <a:r>
-              <a:rPr lang="en-US" sz="3000" dirty="0">
+              <a:rPr lang="en-US" sz="3600" dirty="0">
                 <a:solidFill>
                   <a:srgbClr val="002060"/>
                 </a:solidFill>
-                <a:latin typeface="Calibri" charset="0"/>
-                <a:ea typeface="Calibri" charset="0"/>
-                <a:cs typeface="Calibri" charset="0"/>
               </a:rPr>
-              <a:t>Error Handling (</a:t>
-            </a:r>
-            <a:r>
-              <a:rPr lang="en-US" sz="3000" dirty="0" err="1">
-                <a:solidFill>
-                  <a:srgbClr val="002060"/>
-                </a:solidFill>
-                <a:latin typeface="Calibri" charset="0"/>
-                <a:ea typeface="Calibri" charset="0"/>
-                <a:cs typeface="Calibri" charset="0"/>
-              </a:rPr>
-              <a:t>PCErr</a:t>
-            </a:r>
-            <a:r>
-              <a:rPr lang="en-US" sz="3000" dirty="0">
-                <a:solidFill>
-                  <a:srgbClr val="002060"/>
-                </a:solidFill>
-                <a:latin typeface="Calibri" charset="0"/>
-                <a:ea typeface="Calibri" charset="0"/>
-                <a:cs typeface="Calibri" charset="0"/>
-              </a:rPr>
-              <a:t> </a:t>
-            </a:r>
-            <a:r>
-              <a:rPr lang="en-CA" sz="3000" dirty="0">
-                <a:solidFill>
-                  <a:srgbClr val="002060"/>
-                </a:solidFill>
-                <a:latin typeface="Calibri" panose="020F0502020204030204" pitchFamily="34" charset="0"/>
-                <a:cs typeface="Calibri" panose="020F0502020204030204" pitchFamily="34" charset="0"/>
-              </a:rPr>
-              <a:t>Error-Type 26 - Association Error)</a:t>
-            </a:r>
-            <a:endParaRPr lang="en-US" sz="3000" dirty="0">
-              <a:solidFill>
-                <a:srgbClr val="002060"/>
-              </a:solidFill>
-            </a:endParaRPr>
+              <a:t>PCEP Association Object</a:t>
+            </a:r>
           </a:p>
         </p:txBody>
       </p:sp>
@@ -11553,21 +12825,41 @@
         </p:nvSpPr>
         <p:spPr>
           <a:xfrm>
-            <a:off x="457200" y="957213"/>
-            <a:ext cx="8077200" cy="3229073"/>
+            <a:off x="228600" y="971550"/>
+            <a:ext cx="8686800" cy="3712369"/>
           </a:xfrm>
         </p:spPr>
         <p:txBody>
           <a:bodyPr/>
           <a:lstStyle/>
           <a:p>
-            <a:r>
-              <a:rPr lang="en-US" sz="2000" dirty="0" err="1"/>
-              <a:t>PCErr</a:t>
-            </a:r>
+            <a:pPr>
+              <a:spcBef>
+                <a:spcPts val="600"/>
+              </a:spcBef>
+            </a:pPr>
             <a:r>
               <a:rPr lang="en-US" sz="2000" dirty="0"/>
-              <a:t> defined in [</a:t>
+              <a:t>Association Type (TBD1) = Double-sided Bidirectional </a:t>
+            </a:r>
+            <a:r>
+              <a:rPr lang="en-US" sz="2000" b="1" dirty="0"/>
+              <a:t>with Reverse </a:t>
+            </a:r>
+            <a:r>
+              <a:rPr lang="en-US" sz="2000" dirty="0"/>
+              <a:t>LSP Association Group</a:t>
+            </a:r>
+          </a:p>
+          <a:p>
+            <a:pPr>
+              <a:spcBef>
+                <a:spcPts val="600"/>
+              </a:spcBef>
+            </a:pPr>
+            <a:r>
+              <a:rPr lang="en-US" sz="2000" dirty="0"/>
+              <a:t>The Association Object Populated using the procedure defined in [</a:t>
             </a:r>
             <a:r>
               <a:rPr lang="en-CA" sz="2000" i="1" dirty="0"/>
@@ -11595,46 +12887,9 @@
             </a:r>
             <a:r>
               <a:rPr lang="en-CA" sz="2000" i="1" dirty="0"/>
-              <a:t>] </a:t>
-            </a:r>
-            <a:r>
-              <a:rPr lang="en-CA" sz="2000" dirty="0"/>
-              <a:t>are applicable</a:t>
-            </a:r>
-          </a:p>
-          <a:p>
-            <a:pPr marL="0" indent="0">
-              <a:buNone/>
-            </a:pPr>
-            <a:endParaRPr lang="en-CA" sz="2000" b="1" dirty="0">
-              <a:latin typeface="Calibri" panose="020F0502020204030204" pitchFamily="34" charset="0"/>
-              <a:cs typeface="Calibri" panose="020F0502020204030204" pitchFamily="34" charset="0"/>
-            </a:endParaRPr>
-          </a:p>
-          <a:p>
-            <a:pPr marL="0" indent="0">
-              <a:buNone/>
-            </a:pPr>
-            <a:r>
-              <a:rPr lang="en-CA" sz="2000" b="1" dirty="0">
-                <a:latin typeface="Calibri" panose="020F0502020204030204" pitchFamily="34" charset="0"/>
-                <a:cs typeface="Calibri" panose="020F0502020204030204" pitchFamily="34" charset="0"/>
-              </a:rPr>
-              <a:t>Specifically – </a:t>
-            </a:r>
-          </a:p>
-          <a:p>
-            <a:r>
-              <a:rPr lang="en-CA" sz="2000" dirty="0"/>
-              <a:t>If a PCEP speaker receives a different Path Setup Type (PST) value for Bidirectional LSP association group and it does not support.</a:t>
-            </a:r>
-          </a:p>
-          <a:p>
-            <a:pPr lvl="1"/>
-            <a:r>
-              <a:rPr lang="en-CA" sz="2000" dirty="0"/>
-              <a:t>Error-Value = Bidirectional LSP Association - Path Setup Type Not Supported</a:t>
-            </a:r>
+              <a:t>]</a:t>
+            </a:r>
+            <a:endParaRPr lang="en-US" sz="2000" dirty="0"/>
           </a:p>
         </p:txBody>
       </p:sp>
@@ -11650,7 +12905,7 @@
         </p:nvSpPr>
         <p:spPr>
           <a:xfrm>
-            <a:off x="3124200" y="4786312"/>
+            <a:off x="3124200" y="4781299"/>
             <a:ext cx="2895600" cy="357188"/>
           </a:xfrm>
         </p:spPr>
@@ -11663,7 +12918,7 @@
             </a:pPr>
             <a:r>
               <a:rPr lang="en-US" altLang="zh-CN" dirty="0"/>
-              <a:t>107</a:t>
+              <a:t>108</a:t>
             </a:r>
             <a:r>
               <a:rPr lang="en-US" altLang="zh-CN" baseline="30000" dirty="0"/>
@@ -11671,7 +12926,7 @@
             </a:r>
             <a:r>
               <a:rPr lang="en-US" altLang="zh-CN" dirty="0"/>
-              <a:t> IETF @ Vancouver</a:t>
+              <a:t> IETF @ Madrid</a:t>
             </a:r>
           </a:p>
         </p:txBody>
@@ -11681,7 +12936,7 @@
           <p:cNvPr id="5" name="Slide Number Placeholder 4">
             <a:extLst>
               <a:ext uri="{FF2B5EF4-FFF2-40B4-BE49-F238E27FC236}">
-                <a16:creationId xmlns:a16="http://schemas.microsoft.com/office/drawing/2014/main" id="{BE931AD8-4828-694D-80B1-6D3FF605EEC1}"/>
+                <a16:creationId xmlns:a16="http://schemas.microsoft.com/office/drawing/2014/main" id="{C18BB472-EB69-A240-BAC4-BC40B23B17C8}"/>
               </a:ext>
             </a:extLst>
           </p:cNvPr>
@@ -11714,7 +12969,7 @@
     </p:spTree>
     <p:extLst>
       <p:ext uri="{BB962C8B-B14F-4D97-AF65-F5344CB8AC3E}">
-        <p14:creationId xmlns:p14="http://schemas.microsoft.com/office/powerpoint/2010/main" val="1736505379"/>
+        <p14:creationId xmlns:p14="http://schemas.microsoft.com/office/powerpoint/2010/main" val="3861437548"/>
       </p:ext>
     </p:extLst>
   </p:cSld>
@@ -11753,8 +13008,8 @@
         </p:nvSpPr>
         <p:spPr>
           <a:xfrm>
-            <a:off x="457200" y="31750"/>
-            <a:ext cx="8229600" cy="857250"/>
+            <a:off x="0" y="9427"/>
+            <a:ext cx="9144000" cy="857250"/>
           </a:xfrm>
         </p:spPr>
         <p:txBody>
@@ -11762,7 +13017,7 @@
           <a:lstStyle/>
           <a:p>
             <a:r>
-              <a:rPr lang="en-US" sz="3600" dirty="0">
+              <a:rPr lang="en-US" sz="3000" dirty="0">
                 <a:solidFill>
                   <a:srgbClr val="002060"/>
                 </a:solidFill>
@@ -11770,47 +13025,142 @@
                 <a:ea typeface="Calibri" charset="0"/>
                 <a:cs typeface="Calibri" charset="0"/>
               </a:rPr>
-              <a:t>Next Steps</a:t>
-            </a:r>
-          </a:p>
-        </p:txBody>
-      </p:sp>
-      <p:sp>
-        <p:nvSpPr>
-          <p:cNvPr id="3" name="Content Placeholder 2"/>
-          <p:cNvSpPr>
-            <a:spLocks noGrp="1"/>
-          </p:cNvSpPr>
-          <p:nvPr>
-            <p:ph idx="1"/>
-          </p:nvPr>
-        </p:nvSpPr>
-        <p:spPr/>
-        <p:txBody>
-          <a:bodyPr/>
-          <a:lstStyle/>
-          <a:p>
-            <a:pPr lvl="0"/>
-            <a:r>
-              <a:rPr lang="en-US" sz="2800" dirty="0">
+              <a:t>Error Handling (</a:t>
+            </a:r>
+            <a:r>
+              <a:rPr lang="en-US" sz="3000" dirty="0" err="1">
+                <a:solidFill>
+                  <a:srgbClr val="002060"/>
+                </a:solidFill>
                 <a:latin typeface="Calibri" charset="0"/>
                 <a:ea typeface="Calibri" charset="0"/>
                 <a:cs typeface="Calibri" charset="0"/>
               </a:rPr>
-              <a:t>Welcome your review comments and suggestions</a:t>
-            </a:r>
-          </a:p>
-          <a:p>
-            <a:pPr lvl="0"/>
-            <a:r>
-              <a:rPr lang="en-US" sz="2800" dirty="0"/>
-              <a:t>Queue for WG LC?</a:t>
-            </a:r>
-            <a:endParaRPr lang="en-US" sz="2800" dirty="0">
-              <a:latin typeface="Calibri" charset="0"/>
-              <a:ea typeface="Calibri" charset="0"/>
-              <a:cs typeface="Calibri" charset="0"/>
+              <a:t>PCErr</a:t>
+            </a:r>
+            <a:r>
+              <a:rPr lang="en-US" sz="3000" dirty="0">
+                <a:solidFill>
+                  <a:srgbClr val="002060"/>
+                </a:solidFill>
+                <a:latin typeface="Calibri" charset="0"/>
+                <a:ea typeface="Calibri" charset="0"/>
+                <a:cs typeface="Calibri" charset="0"/>
+              </a:rPr>
+              <a:t> </a:t>
+            </a:r>
+            <a:r>
+              <a:rPr lang="en-CA" sz="3000" dirty="0">
+                <a:solidFill>
+                  <a:srgbClr val="002060"/>
+                </a:solidFill>
+                <a:latin typeface="Calibri" panose="020F0502020204030204" pitchFamily="34" charset="0"/>
+                <a:cs typeface="Calibri" panose="020F0502020204030204" pitchFamily="34" charset="0"/>
+              </a:rPr>
+              <a:t>Error-Type 26 - Association Error)</a:t>
+            </a:r>
+            <a:endParaRPr lang="en-US" sz="3000" dirty="0">
+              <a:solidFill>
+                <a:srgbClr val="002060"/>
+              </a:solidFill>
             </a:endParaRPr>
+          </a:p>
+        </p:txBody>
+      </p:sp>
+      <p:sp>
+        <p:nvSpPr>
+          <p:cNvPr id="3" name="Content Placeholder 2"/>
+          <p:cNvSpPr>
+            <a:spLocks noGrp="1"/>
+          </p:cNvSpPr>
+          <p:nvPr>
+            <p:ph idx="1"/>
+          </p:nvPr>
+        </p:nvSpPr>
+        <p:spPr>
+          <a:xfrm>
+            <a:off x="457200" y="957213"/>
+            <a:ext cx="8077200" cy="3229073"/>
+          </a:xfrm>
+        </p:spPr>
+        <p:txBody>
+          <a:bodyPr/>
+          <a:lstStyle/>
+          <a:p>
+            <a:r>
+              <a:rPr lang="en-US" sz="2000" dirty="0" err="1"/>
+              <a:t>PCErr</a:t>
+            </a:r>
+            <a:r>
+              <a:rPr lang="en-US" sz="2000" dirty="0"/>
+              <a:t> defined in [</a:t>
+            </a:r>
+            <a:r>
+              <a:rPr lang="en-CA" sz="2000" i="1" dirty="0"/>
+              <a:t>draft-</a:t>
+            </a:r>
+            <a:r>
+              <a:rPr lang="en-CA" sz="2000" i="1" dirty="0" err="1"/>
+              <a:t>ietf</a:t>
+            </a:r>
+            <a:r>
+              <a:rPr lang="en-CA" sz="2000" i="1" dirty="0"/>
+              <a:t>-</a:t>
+            </a:r>
+            <a:r>
+              <a:rPr lang="en-CA" sz="2000" i="1" dirty="0" err="1"/>
+              <a:t>pce</a:t>
+            </a:r>
+            <a:r>
+              <a:rPr lang="en-CA" sz="2000" i="1" dirty="0"/>
+              <a:t>-association-</a:t>
+            </a:r>
+            <a:r>
+              <a:rPr lang="en-CA" sz="2000" i="1" dirty="0" err="1"/>
+              <a:t>bidir</a:t>
+            </a:r>
+            <a:r>
+              <a:rPr lang="en-CA" sz="2000" i="1" dirty="0"/>
+              <a:t>] </a:t>
+            </a:r>
+            <a:r>
+              <a:rPr lang="en-CA" sz="2000" dirty="0"/>
+              <a:t>are applicable</a:t>
+            </a:r>
+          </a:p>
+          <a:p>
+            <a:pPr marL="0" indent="0">
+              <a:buNone/>
+            </a:pPr>
+            <a:endParaRPr lang="en-CA" sz="2000" b="1" dirty="0">
+              <a:latin typeface="Calibri" panose="020F0502020204030204" pitchFamily="34" charset="0"/>
+              <a:cs typeface="Calibri" panose="020F0502020204030204" pitchFamily="34" charset="0"/>
+            </a:endParaRPr>
+          </a:p>
+          <a:p>
+            <a:pPr marL="0" indent="0">
+              <a:buNone/>
+            </a:pPr>
+            <a:r>
+              <a:rPr lang="en-CA" sz="2000" b="1" dirty="0">
+                <a:latin typeface="Calibri" panose="020F0502020204030204" pitchFamily="34" charset="0"/>
+                <a:cs typeface="Calibri" panose="020F0502020204030204" pitchFamily="34" charset="0"/>
+              </a:rPr>
+              <a:t>Specifically – </a:t>
+            </a:r>
+          </a:p>
+          <a:p>
+            <a:r>
+              <a:rPr lang="en-CA" sz="2000" dirty="0"/>
+              <a:t>If a PCEP speaker receives a different Path Setup Type (PST) value for Bidirectional LSP association group and it does not support.</a:t>
+            </a:r>
+          </a:p>
+          <a:p>
+            <a:pPr lvl="1"/>
+            <a:r>
+              <a:rPr lang="en-CA" sz="2000" dirty="0"/>
+              <a:t>Error-Value = Bidirectional LSP Association - Path Setup Type Not Supported</a:t>
+            </a:r>
           </a:p>
         </p:txBody>
       </p:sp>
@@ -11839,7 +13189,7 @@
             </a:pPr>
             <a:r>
               <a:rPr lang="en-US" altLang="zh-CN" dirty="0"/>
-              <a:t>107</a:t>
+              <a:t>108</a:t>
             </a:r>
             <a:r>
               <a:rPr lang="en-US" altLang="zh-CN" baseline="30000" dirty="0"/>
@@ -11847,7 +13197,7 @@
             </a:r>
             <a:r>
               <a:rPr lang="en-US" altLang="zh-CN" dirty="0"/>
-              <a:t> IETF @ Vancouver</a:t>
+              <a:t> IETF @ Madrid</a:t>
             </a:r>
           </a:p>
         </p:txBody>
@@ -11857,7 +13207,7 @@
           <p:cNvPr id="5" name="Slide Number Placeholder 4">
             <a:extLst>
               <a:ext uri="{FF2B5EF4-FFF2-40B4-BE49-F238E27FC236}">
-                <a16:creationId xmlns:a16="http://schemas.microsoft.com/office/drawing/2014/main" id="{68ADF64E-5021-5140-9481-2DBE566DD79F}"/>
+                <a16:creationId xmlns:a16="http://schemas.microsoft.com/office/drawing/2014/main" id="{BE931AD8-4828-694D-80B1-6D3FF605EEC1}"/>
               </a:ext>
             </a:extLst>
           </p:cNvPr>
@@ -11890,7 +13240,7 @@
     </p:spTree>
     <p:extLst>
       <p:ext uri="{BB962C8B-B14F-4D97-AF65-F5344CB8AC3E}">
-        <p14:creationId xmlns:p14="http://schemas.microsoft.com/office/powerpoint/2010/main" val="2786276767"/>
+        <p14:creationId xmlns:p14="http://schemas.microsoft.com/office/powerpoint/2010/main" val="1736505379"/>
       </p:ext>
     </p:extLst>
   </p:cSld>
@@ -11919,6 +13269,79 @@
       </p:grpSpPr>
       <p:sp>
         <p:nvSpPr>
+          <p:cNvPr id="2" name="Title 1"/>
+          <p:cNvSpPr>
+            <a:spLocks noGrp="1"/>
+          </p:cNvSpPr>
+          <p:nvPr>
+            <p:ph type="title"/>
+          </p:nvPr>
+        </p:nvSpPr>
+        <p:spPr>
+          <a:xfrm>
+            <a:off x="457200" y="31750"/>
+            <a:ext cx="8229600" cy="857250"/>
+          </a:xfrm>
+        </p:spPr>
+        <p:txBody>
+          <a:bodyPr/>
+          <a:lstStyle/>
+          <a:p>
+            <a:r>
+              <a:rPr lang="en-US" sz="3600" dirty="0">
+                <a:solidFill>
+                  <a:srgbClr val="002060"/>
+                </a:solidFill>
+                <a:latin typeface="Calibri" charset="0"/>
+                <a:ea typeface="Calibri" charset="0"/>
+                <a:cs typeface="Calibri" charset="0"/>
+              </a:rPr>
+              <a:t>Next Steps</a:t>
+            </a:r>
+          </a:p>
+        </p:txBody>
+      </p:sp>
+      <p:sp>
+        <p:nvSpPr>
+          <p:cNvPr id="3" name="Content Placeholder 2"/>
+          <p:cNvSpPr>
+            <a:spLocks noGrp="1"/>
+          </p:cNvSpPr>
+          <p:nvPr>
+            <p:ph idx="1"/>
+          </p:nvPr>
+        </p:nvSpPr>
+        <p:spPr/>
+        <p:txBody>
+          <a:bodyPr/>
+          <a:lstStyle/>
+          <a:p>
+            <a:pPr lvl="0"/>
+            <a:r>
+              <a:rPr lang="en-US" sz="2800" dirty="0">
+                <a:latin typeface="Calibri" charset="0"/>
+                <a:ea typeface="Calibri" charset="0"/>
+                <a:cs typeface="Calibri" charset="0"/>
+              </a:rPr>
+              <a:t>Welcome your review comments and suggestions</a:t>
+            </a:r>
+          </a:p>
+          <a:p>
+            <a:pPr lvl="0"/>
+            <a:r>
+              <a:rPr lang="en-US" sz="2800" dirty="0"/>
+              <a:t>Queue for WG LC?</a:t>
+            </a:r>
+            <a:endParaRPr lang="en-US" sz="2800" dirty="0">
+              <a:latin typeface="Calibri" charset="0"/>
+              <a:ea typeface="Calibri" charset="0"/>
+              <a:cs typeface="Calibri" charset="0"/>
+            </a:endParaRPr>
+          </a:p>
+        </p:txBody>
+      </p:sp>
+      <p:sp>
+        <p:nvSpPr>
           <p:cNvPr id="4" name="Footer Placeholder 3"/>
           <p:cNvSpPr>
             <a:spLocks noGrp="1"/>
@@ -11942,7 +13365,7 @@
             </a:pPr>
             <a:r>
               <a:rPr lang="en-US" altLang="zh-CN" dirty="0"/>
-              <a:t>107</a:t>
+              <a:t>108</a:t>
             </a:r>
             <a:r>
               <a:rPr lang="en-US" altLang="zh-CN" baseline="30000" dirty="0"/>
@@ -11950,7 +13373,110 @@
             </a:r>
             <a:r>
               <a:rPr lang="en-US" altLang="zh-CN" dirty="0"/>
-              <a:t> IETF @ Vancouver</a:t>
+              <a:t> IETF @ Madrid</a:t>
+            </a:r>
+          </a:p>
+        </p:txBody>
+      </p:sp>
+      <p:sp>
+        <p:nvSpPr>
+          <p:cNvPr id="5" name="Slide Number Placeholder 4">
+            <a:extLst>
+              <a:ext uri="{FF2B5EF4-FFF2-40B4-BE49-F238E27FC236}">
+                <a16:creationId xmlns:a16="http://schemas.microsoft.com/office/drawing/2014/main" id="{68ADF64E-5021-5140-9481-2DBE566DD79F}"/>
+              </a:ext>
+            </a:extLst>
+          </p:cNvPr>
+          <p:cNvSpPr>
+            <a:spLocks noGrp="1"/>
+          </p:cNvSpPr>
+          <p:nvPr>
+            <p:ph type="sldNum" sz="quarter" idx="12"/>
+          </p:nvPr>
+        </p:nvSpPr>
+        <p:spPr/>
+        <p:txBody>
+          <a:bodyPr/>
+          <a:lstStyle/>
+          <a:p>
+            <a:pPr>
+              <a:defRPr/>
+            </a:pPr>
+            <a:fld id="{BD6E0F59-1DD8-40FC-9C92-B6295CBA6CCA}" type="slidenum">
+              <a:rPr lang="en-US" altLang="zh-CN" smtClean="0"/>
+              <a:pPr>
+                <a:defRPr/>
+              </a:pPr>
+              <a:t>8</a:t>
+            </a:fld>
+            <a:endParaRPr lang="en-US" altLang="zh-CN"/>
+          </a:p>
+        </p:txBody>
+      </p:sp>
+    </p:spTree>
+    <p:extLst>
+      <p:ext uri="{BB962C8B-B14F-4D97-AF65-F5344CB8AC3E}">
+        <p14:creationId xmlns:p14="http://schemas.microsoft.com/office/powerpoint/2010/main" val="2786276767"/>
+      </p:ext>
+    </p:extLst>
+  </p:cSld>
+  <p:clrMapOvr>
+    <a:masterClrMapping/>
+  </p:clrMapOvr>
+</p:sld>
+</file>
+
+<file path=ppt/slides/slide9.xml><?xml version="1.0" encoding="utf-8"?>
+<p:sld xmlns:a="http://schemas.openxmlformats.org/drawingml/2006/main" xmlns:r="http://schemas.openxmlformats.org/officeDocument/2006/relationships" xmlns:p="http://schemas.openxmlformats.org/presentationml/2006/main">
+  <p:cSld>
+    <p:spTree>
+      <p:nvGrpSpPr>
+        <p:cNvPr id="1" name=""/>
+        <p:cNvGrpSpPr/>
+        <p:nvPr/>
+      </p:nvGrpSpPr>
+      <p:grpSpPr>
+        <a:xfrm>
+          <a:off x="0" y="0"/>
+          <a:ext cx="0" cy="0"/>
+          <a:chOff x="0" y="0"/>
+          <a:chExt cx="0" cy="0"/>
+        </a:xfrm>
+      </p:grpSpPr>
+      <p:sp>
+        <p:nvSpPr>
+          <p:cNvPr id="4" name="Footer Placeholder 3"/>
+          <p:cNvSpPr>
+            <a:spLocks noGrp="1"/>
+          </p:cNvSpPr>
+          <p:nvPr>
+            <p:ph type="ftr" sz="quarter" idx="11"/>
+          </p:nvPr>
+        </p:nvSpPr>
+        <p:spPr>
+          <a:xfrm>
+            <a:off x="3124200" y="4786312"/>
+            <a:ext cx="2895600" cy="357188"/>
+          </a:xfrm>
+        </p:spPr>
+        <p:txBody>
+          <a:bodyPr/>
+          <a:lstStyle/>
+          <a:p>
+            <a:pPr>
+              <a:defRPr/>
+            </a:pPr>
+            <a:r>
+              <a:rPr lang="en-US" altLang="zh-CN" dirty="0"/>
+              <a:t>108</a:t>
+            </a:r>
+            <a:r>
+              <a:rPr lang="en-US" altLang="zh-CN" baseline="30000" dirty="0"/>
+              <a:t>th</a:t>
+            </a:r>
+            <a:r>
+              <a:rPr lang="en-US" altLang="zh-CN" dirty="0"/>
+              <a:t> IETF @ Madrid</a:t>
             </a:r>
           </a:p>
         </p:txBody>
@@ -12173,7 +13699,7 @@
               <a:pPr>
                 <a:defRPr/>
               </a:pPr>
-              <a:t>8</a:t>
+              <a:t>9</a:t>
             </a:fld>
             <a:endParaRPr lang="en-US" altLang="zh-CN"/>
           </a:p>
@@ -12183,330 +13709,6 @@
     <p:extLst>
       <p:ext uri="{BB962C8B-B14F-4D97-AF65-F5344CB8AC3E}">
         <p14:creationId xmlns:p14="http://schemas.microsoft.com/office/powerpoint/2010/main" val="266444001"/>
-      </p:ext>
-    </p:extLst>
-  </p:cSld>
-  <p:clrMapOvr>
-    <a:masterClrMapping/>
-  </p:clrMapOvr>
-</p:sld>
-</file>
-
-<file path=ppt/slides/slide9.xml><?xml version="1.0" encoding="utf-8"?>
-<p:sld xmlns:a="http://schemas.openxmlformats.org/drawingml/2006/main" xmlns:r="http://schemas.openxmlformats.org/officeDocument/2006/relationships" xmlns:p="http://schemas.openxmlformats.org/presentationml/2006/main">
-  <p:cSld>
-    <p:spTree>
-      <p:nvGrpSpPr>
-        <p:cNvPr id="1" name=""/>
-        <p:cNvGrpSpPr/>
-        <p:nvPr/>
-      </p:nvGrpSpPr>
-      <p:grpSpPr>
-        <a:xfrm>
-          <a:off x="0" y="0"/>
-          <a:ext cx="0" cy="0"/>
-          <a:chOff x="0" y="0"/>
-          <a:chExt cx="0" cy="0"/>
-        </a:xfrm>
-      </p:grpSpPr>
-      <p:sp>
-        <p:nvSpPr>
-          <p:cNvPr id="2" name="Rectangle 2"/>
-          <p:cNvSpPr>
-            <a:spLocks noGrp="1" noChangeArrowheads="1"/>
-          </p:cNvSpPr>
-          <p:nvPr>
-            <p:ph type="ctrTitle"/>
-          </p:nvPr>
-        </p:nvSpPr>
-        <p:spPr>
-          <a:xfrm>
-            <a:off x="0" y="612570"/>
-            <a:ext cx="9067800" cy="1676400"/>
-          </a:xfrm>
-        </p:spPr>
-        <p:txBody>
-          <a:bodyPr>
-            <a:noAutofit/>
-          </a:bodyPr>
-          <a:lstStyle/>
-          <a:p>
-            <a:r>
-              <a:rPr lang="en-US" sz="3200" dirty="0">
-                <a:latin typeface="Calibri" charset="0"/>
-                <a:ea typeface="Calibri" charset="0"/>
-                <a:cs typeface="Calibri" charset="0"/>
-              </a:rPr>
-              <a:t>PCEP</a:t>
-            </a:r>
-            <a:r>
-              <a:rPr lang="en-US" sz="3600" dirty="0">
-                <a:latin typeface="Calibri" charset="0"/>
-                <a:ea typeface="Calibri" charset="0"/>
-                <a:cs typeface="Calibri" charset="0"/>
-              </a:rPr>
-              <a:t> Extensions for Associated Bidirectional Label Switched Paths (LSPs) with </a:t>
-            </a:r>
-            <a:r>
-              <a:rPr lang="en-US" sz="3600" dirty="0" err="1">
-                <a:latin typeface="Calibri" charset="0"/>
-                <a:ea typeface="Calibri" charset="0"/>
-                <a:cs typeface="Calibri" charset="0"/>
-              </a:rPr>
-              <a:t>Stateful</a:t>
-            </a:r>
-            <a:r>
-              <a:rPr lang="en-US" sz="3600" dirty="0">
-                <a:latin typeface="Calibri" charset="0"/>
-                <a:ea typeface="Calibri" charset="0"/>
-                <a:cs typeface="Calibri" charset="0"/>
-              </a:rPr>
-              <a:t> PCE</a:t>
-            </a:r>
-          </a:p>
-        </p:txBody>
-      </p:sp>
-      <p:sp>
-        <p:nvSpPr>
-          <p:cNvPr id="2051" name="Rectangle 3"/>
-          <p:cNvSpPr>
-            <a:spLocks noGrp="1" noChangeArrowheads="1"/>
-          </p:cNvSpPr>
-          <p:nvPr>
-            <p:ph type="subTitle" idx="1"/>
-          </p:nvPr>
-        </p:nvSpPr>
-        <p:spPr>
-          <a:xfrm>
-            <a:off x="762000" y="2190750"/>
-            <a:ext cx="7696200" cy="685800"/>
-          </a:xfrm>
-        </p:spPr>
-        <p:txBody>
-          <a:bodyPr/>
-          <a:lstStyle/>
-          <a:p>
-            <a:r>
-              <a:rPr lang="en-CA" sz="2400" i="1" dirty="0"/>
-              <a:t>draft-ietf-pce-association-bidir-06</a:t>
-            </a:r>
-            <a:endParaRPr lang="en-US" sz="2400" i="1" dirty="0">
-              <a:latin typeface="Calibri" charset="0"/>
-              <a:ea typeface="Calibri" charset="0"/>
-              <a:cs typeface="Calibri" charset="0"/>
-            </a:endParaRPr>
-          </a:p>
-        </p:txBody>
-      </p:sp>
-      <p:sp>
-        <p:nvSpPr>
-          <p:cNvPr id="2052" name="Rectangle 4"/>
-          <p:cNvSpPr>
-            <a:spLocks noChangeArrowheads="1"/>
-          </p:cNvSpPr>
-          <p:nvPr/>
-        </p:nvSpPr>
-        <p:spPr bwMode="auto">
-          <a:xfrm>
-            <a:off x="2438400" y="2952750"/>
-            <a:ext cx="5867400" cy="1328738"/>
-          </a:xfrm>
-          <a:prstGeom prst="rect">
-            <a:avLst/>
-          </a:prstGeom>
-          <a:noFill/>
-          <a:ln w="9525">
-            <a:noFill/>
-            <a:miter lim="800000"/>
-            <a:headEnd/>
-            <a:tailEnd/>
-          </a:ln>
-        </p:spPr>
-        <p:txBody>
-          <a:bodyPr/>
-          <a:lstStyle/>
-          <a:p>
-            <a:pPr>
-              <a:spcBef>
-                <a:spcPct val="20000"/>
-              </a:spcBef>
-            </a:pPr>
-            <a:r>
-              <a:rPr lang="en-US" altLang="zh-CN" i="1" dirty="0">
-                <a:latin typeface="Calibri" charset="0"/>
-                <a:ea typeface="Calibri" charset="0"/>
-                <a:cs typeface="Calibri" charset="0"/>
-              </a:rPr>
-              <a:t>Rakesh Gandhi (</a:t>
-            </a:r>
-            <a:r>
-              <a:rPr lang="en-US" altLang="zh-CN" i="1" dirty="0" err="1">
-                <a:latin typeface="Calibri" charset="0"/>
-                <a:ea typeface="Calibri" charset="0"/>
-                <a:cs typeface="Calibri" charset="0"/>
-              </a:rPr>
-              <a:t>rgandhi@cisco.com</a:t>
-            </a:r>
-            <a:r>
-              <a:rPr lang="en-US" altLang="zh-CN" i="1" dirty="0">
-                <a:latin typeface="Calibri" charset="0"/>
-                <a:ea typeface="Calibri" charset="0"/>
-                <a:cs typeface="Calibri" charset="0"/>
-              </a:rPr>
-              <a:t>) </a:t>
-            </a:r>
-          </a:p>
-          <a:p>
-            <a:pPr>
-              <a:spcBef>
-                <a:spcPct val="20000"/>
-              </a:spcBef>
-            </a:pPr>
-            <a:r>
-              <a:rPr lang="en-US" altLang="zh-CN" i="1" dirty="0">
-                <a:latin typeface="Calibri" charset="0"/>
-                <a:ea typeface="Calibri" charset="0"/>
-                <a:cs typeface="Calibri" charset="0"/>
-              </a:rPr>
-              <a:t>Colby Barth (</a:t>
-            </a:r>
-            <a:r>
-              <a:rPr lang="en-US" i="1" dirty="0" err="1">
-                <a:latin typeface="Calibri" charset="0"/>
-                <a:ea typeface="Calibri" charset="0"/>
-                <a:cs typeface="Calibri" charset="0"/>
-              </a:rPr>
-              <a:t>cbarth@juniper.net</a:t>
-            </a:r>
-            <a:r>
-              <a:rPr lang="en-US" i="1" dirty="0">
-                <a:latin typeface="Calibri" charset="0"/>
-                <a:ea typeface="Calibri" charset="0"/>
-                <a:cs typeface="Calibri" charset="0"/>
-              </a:rPr>
-              <a:t>)</a:t>
-            </a:r>
-            <a:endParaRPr lang="en-US" altLang="zh-CN" i="1" dirty="0">
-              <a:latin typeface="Calibri" charset="0"/>
-              <a:ea typeface="Calibri" charset="0"/>
-              <a:cs typeface="Calibri" charset="0"/>
-            </a:endParaRPr>
-          </a:p>
-          <a:p>
-            <a:pPr>
-              <a:spcBef>
-                <a:spcPct val="20000"/>
-              </a:spcBef>
-            </a:pPr>
-            <a:r>
-              <a:rPr lang="en-US" altLang="zh-CN" i="1" dirty="0">
-                <a:latin typeface="Calibri" charset="0"/>
-                <a:ea typeface="Calibri" charset="0"/>
-                <a:cs typeface="Calibri" charset="0"/>
-              </a:rPr>
-              <a:t>Bin Wen (</a:t>
-            </a:r>
-            <a:r>
-              <a:rPr lang="en-US" i="1" dirty="0" err="1">
-                <a:latin typeface="Calibri" charset="0"/>
-                <a:ea typeface="Calibri" charset="0"/>
-                <a:cs typeface="Calibri" charset="0"/>
-              </a:rPr>
-              <a:t>Bin_Wen@comcast.com</a:t>
-            </a:r>
-            <a:r>
-              <a:rPr lang="en-US" i="1" dirty="0">
-                <a:latin typeface="Calibri" charset="0"/>
-                <a:ea typeface="Calibri" charset="0"/>
-                <a:cs typeface="Calibri" charset="0"/>
-              </a:rPr>
-              <a:t>)</a:t>
-            </a:r>
-            <a:endParaRPr lang="en-US" altLang="zh-CN" i="1" dirty="0">
-              <a:latin typeface="Calibri" charset="0"/>
-              <a:ea typeface="Calibri" charset="0"/>
-              <a:cs typeface="Calibri" charset="0"/>
-            </a:endParaRPr>
-          </a:p>
-        </p:txBody>
-      </p:sp>
-      <p:sp>
-        <p:nvSpPr>
-          <p:cNvPr id="6" name="Footer Placeholder 3"/>
-          <p:cNvSpPr>
-            <a:spLocks noGrp="1"/>
-          </p:cNvSpPr>
-          <p:nvPr>
-            <p:ph type="ftr" sz="quarter" idx="11"/>
-          </p:nvPr>
-        </p:nvSpPr>
-        <p:spPr>
-          <a:xfrm>
-            <a:off x="3124200" y="4782728"/>
-            <a:ext cx="2895600" cy="357188"/>
-          </a:xfrm>
-        </p:spPr>
-        <p:txBody>
-          <a:bodyPr/>
-          <a:lstStyle/>
-          <a:p>
-            <a:pPr>
-              <a:defRPr/>
-            </a:pPr>
-            <a:r>
-              <a:rPr lang="en-US" altLang="zh-CN" dirty="0"/>
-              <a:t>107</a:t>
-            </a:r>
-            <a:r>
-              <a:rPr lang="en-US" altLang="zh-CN" baseline="30000" dirty="0"/>
-              <a:t>th</a:t>
-            </a:r>
-            <a:r>
-              <a:rPr lang="en-US" altLang="zh-CN" dirty="0"/>
-              <a:t> IETF @ Vancouver</a:t>
-            </a:r>
-          </a:p>
-        </p:txBody>
-      </p:sp>
-      <p:sp>
-        <p:nvSpPr>
-          <p:cNvPr id="3" name="Slide Number Placeholder 2">
-            <a:extLst>
-              <a:ext uri="{FF2B5EF4-FFF2-40B4-BE49-F238E27FC236}">
-                <a16:creationId xmlns:a16="http://schemas.microsoft.com/office/drawing/2014/main" id="{5137BAEC-FA47-1C4C-8030-AB7E0F182A32}"/>
-              </a:ext>
-            </a:extLst>
-          </p:cNvPr>
-          <p:cNvSpPr>
-            <a:spLocks noGrp="1"/>
-          </p:cNvSpPr>
-          <p:nvPr>
-            <p:ph type="sldNum" sz="quarter" idx="12"/>
-          </p:nvPr>
-        </p:nvSpPr>
-        <p:spPr/>
-        <p:txBody>
-          <a:bodyPr/>
-          <a:lstStyle/>
-          <a:p>
-            <a:pPr>
-              <a:defRPr/>
-            </a:pPr>
-            <a:fld id="{D5EE1D1A-EEC2-4D53-94A7-85D62C853479}" type="slidenum">
-              <a:rPr lang="en-US" altLang="zh-CN" smtClean="0"/>
-              <a:pPr>
-                <a:defRPr/>
-              </a:pPr>
-              <a:t>9</a:t>
-            </a:fld>
-            <a:endParaRPr lang="en-US" altLang="zh-CN"/>
-          </a:p>
-        </p:txBody>
-      </p:sp>
-    </p:spTree>
-    <p:extLst>
-      <p:ext uri="{BB962C8B-B14F-4D97-AF65-F5344CB8AC3E}">
-        <p14:creationId xmlns:p14="http://schemas.microsoft.com/office/powerpoint/2010/main" val="673101887"/>
       </p:ext>
     </p:extLst>
   </p:cSld>
